--- a/Documents/boxdiagram.pptx
+++ b/Documents/boxdiagram.pptx
@@ -243,7 +243,7 @@
           <a:p>
             <a:fld id="{D6A45444-1C6B-4627-98FD-BA603487AE40}" type="datetimeFigureOut">
               <a:rPr lang="en-US" smtClean="0"/>
-              <a:t>8/13/2020</a:t>
+              <a:t>8/16/2020</a:t>
             </a:fld>
             <a:endParaRPr lang="en-US"/>
           </a:p>
@@ -413,7 +413,7 @@
           <a:p>
             <a:fld id="{D6A45444-1C6B-4627-98FD-BA603487AE40}" type="datetimeFigureOut">
               <a:rPr lang="en-US" smtClean="0"/>
-              <a:t>8/13/2020</a:t>
+              <a:t>8/16/2020</a:t>
             </a:fld>
             <a:endParaRPr lang="en-US"/>
           </a:p>
@@ -593,7 +593,7 @@
           <a:p>
             <a:fld id="{D6A45444-1C6B-4627-98FD-BA603487AE40}" type="datetimeFigureOut">
               <a:rPr lang="en-US" smtClean="0"/>
-              <a:t>8/13/2020</a:t>
+              <a:t>8/16/2020</a:t>
             </a:fld>
             <a:endParaRPr lang="en-US"/>
           </a:p>
@@ -763,7 +763,7 @@
           <a:p>
             <a:fld id="{D6A45444-1C6B-4627-98FD-BA603487AE40}" type="datetimeFigureOut">
               <a:rPr lang="en-US" smtClean="0"/>
-              <a:t>8/13/2020</a:t>
+              <a:t>8/16/2020</a:t>
             </a:fld>
             <a:endParaRPr lang="en-US"/>
           </a:p>
@@ -1009,7 +1009,7 @@
           <a:p>
             <a:fld id="{D6A45444-1C6B-4627-98FD-BA603487AE40}" type="datetimeFigureOut">
               <a:rPr lang="en-US" smtClean="0"/>
-              <a:t>8/13/2020</a:t>
+              <a:t>8/16/2020</a:t>
             </a:fld>
             <a:endParaRPr lang="en-US"/>
           </a:p>
@@ -1241,7 +1241,7 @@
           <a:p>
             <a:fld id="{D6A45444-1C6B-4627-98FD-BA603487AE40}" type="datetimeFigureOut">
               <a:rPr lang="en-US" smtClean="0"/>
-              <a:t>8/13/2020</a:t>
+              <a:t>8/16/2020</a:t>
             </a:fld>
             <a:endParaRPr lang="en-US"/>
           </a:p>
@@ -1608,7 +1608,7 @@
           <a:p>
             <a:fld id="{D6A45444-1C6B-4627-98FD-BA603487AE40}" type="datetimeFigureOut">
               <a:rPr lang="en-US" smtClean="0"/>
-              <a:t>8/13/2020</a:t>
+              <a:t>8/16/2020</a:t>
             </a:fld>
             <a:endParaRPr lang="en-US"/>
           </a:p>
@@ -1726,7 +1726,7 @@
           <a:p>
             <a:fld id="{D6A45444-1C6B-4627-98FD-BA603487AE40}" type="datetimeFigureOut">
               <a:rPr lang="en-US" smtClean="0"/>
-              <a:t>8/13/2020</a:t>
+              <a:t>8/16/2020</a:t>
             </a:fld>
             <a:endParaRPr lang="en-US"/>
           </a:p>
@@ -1821,7 +1821,7 @@
           <a:p>
             <a:fld id="{D6A45444-1C6B-4627-98FD-BA603487AE40}" type="datetimeFigureOut">
               <a:rPr lang="en-US" smtClean="0"/>
-              <a:t>8/13/2020</a:t>
+              <a:t>8/16/2020</a:t>
             </a:fld>
             <a:endParaRPr lang="en-US"/>
           </a:p>
@@ -2098,7 +2098,7 @@
           <a:p>
             <a:fld id="{D6A45444-1C6B-4627-98FD-BA603487AE40}" type="datetimeFigureOut">
               <a:rPr lang="en-US" smtClean="0"/>
-              <a:t>8/13/2020</a:t>
+              <a:t>8/16/2020</a:t>
             </a:fld>
             <a:endParaRPr lang="en-US"/>
           </a:p>
@@ -2355,7 +2355,7 @@
           <a:p>
             <a:fld id="{D6A45444-1C6B-4627-98FD-BA603487AE40}" type="datetimeFigureOut">
               <a:rPr lang="en-US" smtClean="0"/>
-              <a:t>8/13/2020</a:t>
+              <a:t>8/16/2020</a:t>
             </a:fld>
             <a:endParaRPr lang="en-US"/>
           </a:p>
@@ -2568,7 +2568,7 @@
           <a:p>
             <a:fld id="{D6A45444-1C6B-4627-98FD-BA603487AE40}" type="datetimeFigureOut">
               <a:rPr lang="en-US" smtClean="0"/>
-              <a:t>8/13/2020</a:t>
+              <a:t>8/16/2020</a:t>
             </a:fld>
             <a:endParaRPr lang="en-US"/>
           </a:p>
@@ -2987,8 +2987,8 @@
         </p:nvSpPr>
         <p:spPr>
           <a:xfrm>
-            <a:off x="9895061" y="5002516"/>
-            <a:ext cx="4742959" cy="3934101"/>
+            <a:off x="8802670" y="5010418"/>
+            <a:ext cx="6035821" cy="3934101"/>
           </a:xfrm>
           <a:prstGeom prst="rect">
             <a:avLst/>
@@ -3122,7 +3122,7 @@
         </p:nvSpPr>
         <p:spPr>
           <a:xfrm>
-            <a:off x="12606278" y="6566504"/>
+            <a:off x="12814369" y="6566504"/>
             <a:ext cx="1682657" cy="647784"/>
           </a:xfrm>
           <a:prstGeom prst="rect">
@@ -3737,7 +3737,7 @@
         </p:nvSpPr>
         <p:spPr>
           <a:xfrm>
-            <a:off x="9895061" y="5005386"/>
+            <a:off x="8802672" y="5005386"/>
             <a:ext cx="822661" cy="405047"/>
           </a:xfrm>
           <a:prstGeom prst="rect">
@@ -3772,7 +3772,7 @@
         </p:nvSpPr>
         <p:spPr>
           <a:xfrm>
-            <a:off x="10074820" y="6566504"/>
+            <a:off x="10282911" y="6566504"/>
             <a:ext cx="1682657" cy="647784"/>
           </a:xfrm>
           <a:prstGeom prst="rect">
@@ -3822,9 +3822,9 @@
           <p:nvPr/>
         </p:nvCxnSpPr>
         <p:spPr>
-          <a:xfrm flipV="1">
-            <a:off x="7791386" y="6969567"/>
-            <a:ext cx="2103675" cy="1"/>
+          <a:xfrm>
+            <a:off x="7791386" y="6969568"/>
+            <a:ext cx="1011284" cy="7901"/>
           </a:xfrm>
           <a:prstGeom prst="straightConnector1">
             <a:avLst/>
@@ -3863,8 +3863,8 @@
         </p:nvSpPr>
         <p:spPr>
           <a:xfrm>
-            <a:off x="7908607" y="6656029"/>
-            <a:ext cx="1869230" cy="326884"/>
+            <a:off x="8013136" y="6678320"/>
+            <a:ext cx="567784" cy="326884"/>
           </a:xfrm>
           <a:prstGeom prst="rect">
             <a:avLst/>
@@ -3877,14 +3877,12 @@
           </a:bodyPr>
           <a:lstStyle/>
           <a:p>
+            <a:pPr algn="ctr"/>
             <a:r>
               <a:rPr lang="en-US" sz="1524" dirty="0" err="1"/>
               <a:t>LoRa</a:t>
             </a:r>
-            <a:r>
-              <a:rPr lang="en-US" sz="1524" dirty="0"/>
-              <a:t> Communication</a:t>
-            </a:r>
+            <a:endParaRPr lang="en-US" sz="1524" dirty="0"/>
           </a:p>
         </p:txBody>
       </p:sp>
@@ -3937,7 +3935,7 @@
         </p:nvSpPr>
         <p:spPr>
           <a:xfrm>
-            <a:off x="11327478" y="5574598"/>
+            <a:off x="11535569" y="5574598"/>
             <a:ext cx="1682657" cy="647784"/>
           </a:xfrm>
           <a:prstGeom prst="rect">
@@ -3988,7 +3986,7 @@
         </p:nvCxnSpPr>
         <p:spPr>
           <a:xfrm rot="5400000" flipH="1" flipV="1">
-            <a:off x="10787806" y="6026833"/>
+            <a:off x="10995897" y="6026833"/>
             <a:ext cx="668014" cy="411329"/>
           </a:xfrm>
           <a:prstGeom prst="bentConnector2">
@@ -4031,7 +4029,7 @@
         </p:nvCxnSpPr>
         <p:spPr>
           <a:xfrm rot="16200000" flipV="1">
-            <a:off x="12894864" y="6013761"/>
+            <a:off x="13102955" y="6013761"/>
             <a:ext cx="668014" cy="437472"/>
           </a:xfrm>
           <a:prstGeom prst="bentConnector2">
@@ -4070,8 +4068,8 @@
         </p:nvSpPr>
         <p:spPr>
           <a:xfrm>
-            <a:off x="10961868" y="7722575"/>
-            <a:ext cx="795609" cy="647784"/>
+            <a:off x="11169959" y="7722575"/>
+            <a:ext cx="1151697" cy="647784"/>
           </a:xfrm>
           <a:prstGeom prst="rect">
             <a:avLst/>
@@ -4098,7 +4096,7 @@
             <a:pPr algn="ctr"/>
             <a:r>
               <a:rPr lang="en-US" sz="1524" dirty="0"/>
-              <a:t>Web Server</a:t>
+              <a:t>Web Application</a:t>
             </a:r>
           </a:p>
         </p:txBody>
@@ -4117,7 +4115,7 @@
         </p:nvSpPr>
         <p:spPr>
           <a:xfrm>
-            <a:off x="12484356" y="7722575"/>
+            <a:off x="12692447" y="7722575"/>
             <a:ext cx="926843" cy="647784"/>
           </a:xfrm>
           <a:prstGeom prst="rect">
@@ -4164,7 +4162,7 @@
         </p:nvSpPr>
         <p:spPr>
           <a:xfrm>
-            <a:off x="10074819" y="7722575"/>
+            <a:off x="10282910" y="7722575"/>
             <a:ext cx="741583" cy="647784"/>
           </a:xfrm>
           <a:prstGeom prst="rect">
@@ -4214,7 +4212,7 @@
         </p:nvCxnSpPr>
         <p:spPr>
           <a:xfrm>
-            <a:off x="10445484" y="7214288"/>
+            <a:off x="10653575" y="7214288"/>
             <a:ext cx="127" cy="508287"/>
           </a:xfrm>
           <a:prstGeom prst="straightConnector1">
@@ -4256,8 +4254,8 @@
         </p:nvCxnSpPr>
         <p:spPr>
           <a:xfrm>
-            <a:off x="11359673" y="7214288"/>
-            <a:ext cx="0" cy="508287"/>
+            <a:off x="11567764" y="7214288"/>
+            <a:ext cx="178044" cy="508287"/>
           </a:xfrm>
           <a:prstGeom prst="straightConnector1">
             <a:avLst/>
@@ -4295,7 +4293,7 @@
         </p:nvSpPr>
         <p:spPr>
           <a:xfrm>
-            <a:off x="13528423" y="7718470"/>
+            <a:off x="13736514" y="7718470"/>
             <a:ext cx="926843" cy="647784"/>
           </a:xfrm>
           <a:prstGeom prst="rect">
@@ -4344,7 +4342,7 @@
         </p:nvCxnSpPr>
         <p:spPr>
           <a:xfrm>
-            <a:off x="12947777" y="7205212"/>
+            <a:off x="13155868" y="7216787"/>
             <a:ext cx="0" cy="508287"/>
           </a:xfrm>
           <a:prstGeom prst="straightConnector1">
@@ -4385,13 +4383,139 @@
         </p:nvCxnSpPr>
         <p:spPr>
           <a:xfrm>
-            <a:off x="13990097" y="7214288"/>
+            <a:off x="14198188" y="7214288"/>
             <a:ext cx="0" cy="508287"/>
           </a:xfrm>
           <a:prstGeom prst="straightConnector1">
             <a:avLst/>
           </a:prstGeom>
           <a:ln>
+            <a:tailEnd type="triangle"/>
+          </a:ln>
+        </p:spPr>
+        <p:style>
+          <a:lnRef idx="3">
+            <a:schemeClr val="dk1"/>
+          </a:lnRef>
+          <a:fillRef idx="0">
+            <a:schemeClr val="dk1"/>
+          </a:fillRef>
+          <a:effectRef idx="2">
+            <a:schemeClr val="dk1"/>
+          </a:effectRef>
+          <a:fontRef idx="minor">
+            <a:schemeClr val="tx1"/>
+          </a:fontRef>
+        </p:style>
+      </p:cxnSp>
+      <p:sp>
+        <p:nvSpPr>
+          <p:cNvPr id="5" name="TextBox 4">
+            <a:extLst>
+              <a:ext uri="{FF2B5EF4-FFF2-40B4-BE49-F238E27FC236}">
+                <a16:creationId xmlns:a16="http://schemas.microsoft.com/office/drawing/2014/main" id="{6DD33566-B36A-4964-91CD-9FFE2F45A196}"/>
+              </a:ext>
+            </a:extLst>
+          </p:cNvPr>
+          <p:cNvSpPr txBox="1"/>
+          <p:nvPr/>
+        </p:nvSpPr>
+        <p:spPr>
+          <a:xfrm rot="18775186">
+            <a:off x="9315934" y="7062395"/>
+            <a:ext cx="1003095" cy="326884"/>
+          </a:xfrm>
+          <a:prstGeom prst="rect">
+            <a:avLst/>
+          </a:prstGeom>
+          <a:noFill/>
+        </p:spPr>
+        <p:txBody>
+          <a:bodyPr wrap="none" rtlCol="0">
+            <a:spAutoFit/>
+          </a:bodyPr>
+          <a:lstStyle/>
+          <a:p>
+            <a:r>
+              <a:rPr lang="en-US" sz="1524" dirty="0"/>
+              <a:t>Serial Port</a:t>
+            </a:r>
+          </a:p>
+        </p:txBody>
+      </p:sp>
+      <p:sp>
+        <p:nvSpPr>
+          <p:cNvPr id="12" name="Rectangle 11">
+            <a:extLst>
+              <a:ext uri="{FF2B5EF4-FFF2-40B4-BE49-F238E27FC236}">
+                <a16:creationId xmlns:a16="http://schemas.microsoft.com/office/drawing/2014/main" id="{6475ED32-6C7B-43D9-ABA6-A7F28D4AF071}"/>
+              </a:ext>
+            </a:extLst>
+          </p:cNvPr>
+          <p:cNvSpPr/>
+          <p:nvPr/>
+        </p:nvSpPr>
+        <p:spPr>
+          <a:xfrm>
+            <a:off x="8922921" y="7713499"/>
+            <a:ext cx="1204719" cy="652755"/>
+          </a:xfrm>
+          <a:prstGeom prst="rect">
+            <a:avLst/>
+          </a:prstGeom>
+        </p:spPr>
+        <p:style>
+          <a:lnRef idx="2">
+            <a:schemeClr val="dk1"/>
+          </a:lnRef>
+          <a:fillRef idx="1">
+            <a:schemeClr val="lt1"/>
+          </a:fillRef>
+          <a:effectRef idx="0">
+            <a:schemeClr val="dk1"/>
+          </a:effectRef>
+          <a:fontRef idx="minor">
+            <a:schemeClr val="dk1"/>
+          </a:fontRef>
+        </p:style>
+        <p:txBody>
+          <a:bodyPr rtlCol="0" anchor="ctr"/>
+          <a:lstStyle/>
+          <a:p>
+            <a:pPr algn="ctr"/>
+            <a:r>
+              <a:rPr lang="en-US" sz="1524" dirty="0"/>
+              <a:t>Windows Application (VB.NET)</a:t>
+            </a:r>
+          </a:p>
+        </p:txBody>
+      </p:sp>
+      <p:cxnSp>
+        <p:nvCxnSpPr>
+          <p:cNvPr id="65" name="Straight Arrow Connector 64">
+            <a:extLst>
+              <a:ext uri="{FF2B5EF4-FFF2-40B4-BE49-F238E27FC236}">
+                <a16:creationId xmlns:a16="http://schemas.microsoft.com/office/drawing/2014/main" id="{16808F73-8F05-46F9-AA11-7E2036F40D45}"/>
+              </a:ext>
+            </a:extLst>
+          </p:cNvPr>
+          <p:cNvCxnSpPr>
+            <a:cxnSpLocks/>
+            <a:stCxn id="12" idx="0"/>
+            <a:endCxn id="54" idx="1"/>
+          </p:cNvCxnSpPr>
+          <p:nvPr/>
+        </p:nvCxnSpPr>
+        <p:spPr>
+          <a:xfrm flipV="1">
+            <a:off x="9525281" y="6890396"/>
+            <a:ext cx="757630" cy="823103"/>
+          </a:xfrm>
+          <a:prstGeom prst="straightConnector1">
+            <a:avLst/>
+          </a:prstGeom>
+          <a:ln>
+            <a:headEnd type="triangle"/>
             <a:tailEnd type="triangle"/>
           </a:ln>
         </p:spPr>

--- a/Documents/boxdiagram.pptx
+++ b/Documents/boxdiagram.pptx
@@ -243,7 +243,7 @@
           <a:p>
             <a:fld id="{D6A45444-1C6B-4627-98FD-BA603487AE40}" type="datetimeFigureOut">
               <a:rPr lang="en-US" smtClean="0"/>
-              <a:t>8/16/2020</a:t>
+              <a:t>8/30/2020</a:t>
             </a:fld>
             <a:endParaRPr lang="en-US"/>
           </a:p>
@@ -413,7 +413,7 @@
           <a:p>
             <a:fld id="{D6A45444-1C6B-4627-98FD-BA603487AE40}" type="datetimeFigureOut">
               <a:rPr lang="en-US" smtClean="0"/>
-              <a:t>8/16/2020</a:t>
+              <a:t>8/30/2020</a:t>
             </a:fld>
             <a:endParaRPr lang="en-US"/>
           </a:p>
@@ -593,7 +593,7 @@
           <a:p>
             <a:fld id="{D6A45444-1C6B-4627-98FD-BA603487AE40}" type="datetimeFigureOut">
               <a:rPr lang="en-US" smtClean="0"/>
-              <a:t>8/16/2020</a:t>
+              <a:t>8/30/2020</a:t>
             </a:fld>
             <a:endParaRPr lang="en-US"/>
           </a:p>
@@ -763,7 +763,7 @@
           <a:p>
             <a:fld id="{D6A45444-1C6B-4627-98FD-BA603487AE40}" type="datetimeFigureOut">
               <a:rPr lang="en-US" smtClean="0"/>
-              <a:t>8/16/2020</a:t>
+              <a:t>8/30/2020</a:t>
             </a:fld>
             <a:endParaRPr lang="en-US"/>
           </a:p>
@@ -1009,7 +1009,7 @@
           <a:p>
             <a:fld id="{D6A45444-1C6B-4627-98FD-BA603487AE40}" type="datetimeFigureOut">
               <a:rPr lang="en-US" smtClean="0"/>
-              <a:t>8/16/2020</a:t>
+              <a:t>8/30/2020</a:t>
             </a:fld>
             <a:endParaRPr lang="en-US"/>
           </a:p>
@@ -1241,7 +1241,7 @@
           <a:p>
             <a:fld id="{D6A45444-1C6B-4627-98FD-BA603487AE40}" type="datetimeFigureOut">
               <a:rPr lang="en-US" smtClean="0"/>
-              <a:t>8/16/2020</a:t>
+              <a:t>8/30/2020</a:t>
             </a:fld>
             <a:endParaRPr lang="en-US"/>
           </a:p>
@@ -1608,7 +1608,7 @@
           <a:p>
             <a:fld id="{D6A45444-1C6B-4627-98FD-BA603487AE40}" type="datetimeFigureOut">
               <a:rPr lang="en-US" smtClean="0"/>
-              <a:t>8/16/2020</a:t>
+              <a:t>8/30/2020</a:t>
             </a:fld>
             <a:endParaRPr lang="en-US"/>
           </a:p>
@@ -1726,7 +1726,7 @@
           <a:p>
             <a:fld id="{D6A45444-1C6B-4627-98FD-BA603487AE40}" type="datetimeFigureOut">
               <a:rPr lang="en-US" smtClean="0"/>
-              <a:t>8/16/2020</a:t>
+              <a:t>8/30/2020</a:t>
             </a:fld>
             <a:endParaRPr lang="en-US"/>
           </a:p>
@@ -1821,7 +1821,7 @@
           <a:p>
             <a:fld id="{D6A45444-1C6B-4627-98FD-BA603487AE40}" type="datetimeFigureOut">
               <a:rPr lang="en-US" smtClean="0"/>
-              <a:t>8/16/2020</a:t>
+              <a:t>8/30/2020</a:t>
             </a:fld>
             <a:endParaRPr lang="en-US"/>
           </a:p>
@@ -2098,7 +2098,7 @@
           <a:p>
             <a:fld id="{D6A45444-1C6B-4627-98FD-BA603487AE40}" type="datetimeFigureOut">
               <a:rPr lang="en-US" smtClean="0"/>
-              <a:t>8/16/2020</a:t>
+              <a:t>8/30/2020</a:t>
             </a:fld>
             <a:endParaRPr lang="en-US"/>
           </a:p>
@@ -2355,7 +2355,7 @@
           <a:p>
             <a:fld id="{D6A45444-1C6B-4627-98FD-BA603487AE40}" type="datetimeFigureOut">
               <a:rPr lang="en-US" smtClean="0"/>
-              <a:t>8/16/2020</a:t>
+              <a:t>8/30/2020</a:t>
             </a:fld>
             <a:endParaRPr lang="en-US"/>
           </a:p>
@@ -2568,7 +2568,7 @@
           <a:p>
             <a:fld id="{D6A45444-1C6B-4627-98FD-BA603487AE40}" type="datetimeFigureOut">
               <a:rPr lang="en-US" smtClean="0"/>
-              <a:t>8/16/2020</a:t>
+              <a:t>8/30/2020</a:t>
             </a:fld>
             <a:endParaRPr lang="en-US"/>
           </a:p>
@@ -2975,50 +2975,6 @@
       </p:grpSpPr>
       <p:sp>
         <p:nvSpPr>
-          <p:cNvPr id="58" name="Rectangle 57">
-            <a:extLst>
-              <a:ext uri="{FF2B5EF4-FFF2-40B4-BE49-F238E27FC236}">
-                <a16:creationId xmlns:a16="http://schemas.microsoft.com/office/drawing/2014/main" id="{FF26D7B0-3A07-458C-8B81-89F663FE186A}"/>
-              </a:ext>
-            </a:extLst>
-          </p:cNvPr>
-          <p:cNvSpPr/>
-          <p:nvPr/>
-        </p:nvSpPr>
-        <p:spPr>
-          <a:xfrm>
-            <a:off x="8802670" y="5010418"/>
-            <a:ext cx="6035821" cy="3934101"/>
-          </a:xfrm>
-          <a:prstGeom prst="rect">
-            <a:avLst/>
-          </a:prstGeom>
-        </p:spPr>
-        <p:style>
-          <a:lnRef idx="2">
-            <a:schemeClr val="dk1"/>
-          </a:lnRef>
-          <a:fillRef idx="1">
-            <a:schemeClr val="lt1"/>
-          </a:fillRef>
-          <a:effectRef idx="0">
-            <a:schemeClr val="dk1"/>
-          </a:effectRef>
-          <a:fontRef idx="minor">
-            <a:schemeClr val="dk1"/>
-          </a:fontRef>
-        </p:style>
-        <p:txBody>
-          <a:bodyPr rtlCol="0" anchor="ctr"/>
-          <a:lstStyle/>
-          <a:p>
-            <a:pPr algn="ctr"/>
-            <a:endParaRPr lang="en-US" sz="1524" dirty="0"/>
-          </a:p>
-        </p:txBody>
-      </p:sp>
-      <p:sp>
-        <p:nvSpPr>
           <p:cNvPr id="51" name="Rectangle 50">
             <a:extLst>
               <a:ext uri="{FF2B5EF4-FFF2-40B4-BE49-F238E27FC236}">
@@ -3122,7 +3078,7 @@
         </p:nvSpPr>
         <p:spPr>
           <a:xfrm>
-            <a:off x="12814369" y="6566504"/>
+            <a:off x="11965017" y="7115817"/>
             <a:ext cx="1682657" cy="647784"/>
           </a:xfrm>
           <a:prstGeom prst="rect">
@@ -3263,8 +3219,8 @@
         </p:nvSpPr>
         <p:spPr>
           <a:xfrm>
-            <a:off x="4171097" y="5207910"/>
-            <a:ext cx="1682657" cy="647784"/>
+            <a:off x="3820951" y="5207911"/>
+            <a:ext cx="932166" cy="647784"/>
           </a:xfrm>
           <a:prstGeom prst="rect">
             <a:avLst/>
@@ -3291,54 +3247,11 @@
             <a:pPr algn="ctr"/>
             <a:r>
               <a:rPr lang="en-US" sz="1524" dirty="0"/>
-              <a:t>Temperature &amp; Humidity Sensor</a:t>
-            </a:r>
-          </a:p>
-        </p:txBody>
-      </p:sp>
-      <p:cxnSp>
-        <p:nvCxnSpPr>
-          <p:cNvPr id="17" name="Straight Arrow Connector 16">
-            <a:extLst>
-              <a:ext uri="{FF2B5EF4-FFF2-40B4-BE49-F238E27FC236}">
-                <a16:creationId xmlns:a16="http://schemas.microsoft.com/office/drawing/2014/main" id="{FC528197-4481-408F-8377-56EFBF464FDA}"/>
-              </a:ext>
-            </a:extLst>
-          </p:cNvPr>
-          <p:cNvCxnSpPr>
-            <a:cxnSpLocks/>
-            <a:stCxn id="15" idx="2"/>
-            <a:endCxn id="7" idx="0"/>
-          </p:cNvCxnSpPr>
-          <p:nvPr/>
-        </p:nvCxnSpPr>
-        <p:spPr>
-          <a:xfrm>
-            <a:off x="5012424" y="5855696"/>
-            <a:ext cx="0" cy="315993"/>
-          </a:xfrm>
-          <a:prstGeom prst="straightConnector1">
-            <a:avLst/>
-          </a:prstGeom>
-          <a:ln>
-            <a:tailEnd type="triangle"/>
-          </a:ln>
-        </p:spPr>
-        <p:style>
-          <a:lnRef idx="3">
-            <a:schemeClr val="dk1"/>
-          </a:lnRef>
-          <a:fillRef idx="0">
-            <a:schemeClr val="dk1"/>
-          </a:fillRef>
-          <a:effectRef idx="2">
-            <a:schemeClr val="dk1"/>
-          </a:effectRef>
-          <a:fontRef idx="minor">
-            <a:schemeClr val="tx1"/>
-          </a:fontRef>
-        </p:style>
-      </p:cxnSp>
+              <a:t>AM2315</a:t>
+            </a:r>
+          </a:p>
+        </p:txBody>
+      </p:sp>
       <p:cxnSp>
         <p:nvCxnSpPr>
           <p:cNvPr id="18" name="Straight Arrow Connector 17">
@@ -3557,41 +3470,6 @@
       </p:cxnSp>
       <p:sp>
         <p:nvSpPr>
-          <p:cNvPr id="34" name="TextBox 33">
-            <a:extLst>
-              <a:ext uri="{FF2B5EF4-FFF2-40B4-BE49-F238E27FC236}">
-                <a16:creationId xmlns:a16="http://schemas.microsoft.com/office/drawing/2014/main" id="{46999C8F-10AA-4CE2-9D62-121C647F0D73}"/>
-              </a:ext>
-            </a:extLst>
-          </p:cNvPr>
-          <p:cNvSpPr txBox="1"/>
-          <p:nvPr/>
-        </p:nvSpPr>
-        <p:spPr>
-          <a:xfrm>
-            <a:off x="3127209" y="6222382"/>
-            <a:ext cx="1003095" cy="326884"/>
-          </a:xfrm>
-          <a:prstGeom prst="rect">
-            <a:avLst/>
-          </a:prstGeom>
-          <a:noFill/>
-        </p:spPr>
-        <p:txBody>
-          <a:bodyPr wrap="none" rtlCol="0">
-            <a:spAutoFit/>
-          </a:bodyPr>
-          <a:lstStyle/>
-          <a:p>
-            <a:r>
-              <a:rPr lang="en-US" sz="1524" dirty="0"/>
-              <a:t>Serial Port</a:t>
-            </a:r>
-          </a:p>
-        </p:txBody>
-      </p:sp>
-      <p:sp>
-        <p:nvSpPr>
           <p:cNvPr id="36" name="Rectangle 35">
             <a:extLst>
               <a:ext uri="{FF2B5EF4-FFF2-40B4-BE49-F238E27FC236}">
@@ -3632,7 +3510,7 @@
             <a:pPr algn="ctr"/>
             <a:r>
               <a:rPr lang="en-US" sz="1524" dirty="0"/>
-              <a:t>Relay Module</a:t>
+              <a:t>Relay</a:t>
             </a:r>
           </a:p>
         </p:txBody>
@@ -3725,41 +3603,6 @@
       </p:cxnSp>
       <p:sp>
         <p:nvSpPr>
-          <p:cNvPr id="52" name="TextBox 51">
-            <a:extLst>
-              <a:ext uri="{FF2B5EF4-FFF2-40B4-BE49-F238E27FC236}">
-                <a16:creationId xmlns:a16="http://schemas.microsoft.com/office/drawing/2014/main" id="{C5E561A8-B289-486E-A2A3-5EBB7AD09837}"/>
-              </a:ext>
-            </a:extLst>
-          </p:cNvPr>
-          <p:cNvSpPr txBox="1"/>
-          <p:nvPr/>
-        </p:nvSpPr>
-        <p:spPr>
-          <a:xfrm>
-            <a:off x="8802672" y="5005386"/>
-            <a:ext cx="822661" cy="405047"/>
-          </a:xfrm>
-          <a:prstGeom prst="rect">
-            <a:avLst/>
-          </a:prstGeom>
-          <a:noFill/>
-        </p:spPr>
-        <p:txBody>
-          <a:bodyPr wrap="none" rtlCol="0">
-            <a:spAutoFit/>
-          </a:bodyPr>
-          <a:lstStyle/>
-          <a:p>
-            <a:r>
-              <a:rPr lang="en-US" sz="2032" dirty="0"/>
-              <a:t>Home</a:t>
-            </a:r>
-          </a:p>
-        </p:txBody>
-      </p:sp>
-      <p:sp>
-        <p:nvSpPr>
           <p:cNvPr id="54" name="Rectangle 53">
             <a:extLst>
               <a:ext uri="{FF2B5EF4-FFF2-40B4-BE49-F238E27FC236}">
@@ -3772,7 +3615,7 @@
         </p:nvSpPr>
         <p:spPr>
           <a:xfrm>
-            <a:off x="10282911" y="6566504"/>
+            <a:off x="9260839" y="7115817"/>
             <a:ext cx="1682657" cy="647784"/>
           </a:xfrm>
           <a:prstGeom prst="rect">
@@ -3802,87 +3645,6 @@
               <a:rPr lang="en-US" sz="1524" dirty="0"/>
               <a:t>ESP32LoRa</a:t>
             </a:r>
-          </a:p>
-        </p:txBody>
-      </p:sp>
-      <p:cxnSp>
-        <p:nvCxnSpPr>
-          <p:cNvPr id="59" name="Straight Arrow Connector 58">
-            <a:extLst>
-              <a:ext uri="{FF2B5EF4-FFF2-40B4-BE49-F238E27FC236}">
-                <a16:creationId xmlns:a16="http://schemas.microsoft.com/office/drawing/2014/main" id="{E381922C-39FA-4AC5-926F-F8BB5C3E9A12}"/>
-              </a:ext>
-            </a:extLst>
-          </p:cNvPr>
-          <p:cNvCxnSpPr>
-            <a:cxnSpLocks/>
-            <a:stCxn id="51" idx="3"/>
-            <a:endCxn id="58" idx="1"/>
-          </p:cNvCxnSpPr>
-          <p:nvPr/>
-        </p:nvCxnSpPr>
-        <p:spPr>
-          <a:xfrm>
-            <a:off x="7791386" y="6969568"/>
-            <a:ext cx="1011284" cy="7901"/>
-          </a:xfrm>
-          <a:prstGeom prst="straightConnector1">
-            <a:avLst/>
-          </a:prstGeom>
-          <a:ln>
-            <a:headEnd type="triangle"/>
-            <a:tailEnd type="triangle"/>
-          </a:ln>
-        </p:spPr>
-        <p:style>
-          <a:lnRef idx="3">
-            <a:schemeClr val="dk1"/>
-          </a:lnRef>
-          <a:fillRef idx="0">
-            <a:schemeClr val="dk1"/>
-          </a:fillRef>
-          <a:effectRef idx="2">
-            <a:schemeClr val="dk1"/>
-          </a:effectRef>
-          <a:fontRef idx="minor">
-            <a:schemeClr val="tx1"/>
-          </a:fontRef>
-        </p:style>
-      </p:cxnSp>
-      <p:sp>
-        <p:nvSpPr>
-          <p:cNvPr id="64" name="TextBox 63">
-            <a:extLst>
-              <a:ext uri="{FF2B5EF4-FFF2-40B4-BE49-F238E27FC236}">
-                <a16:creationId xmlns:a16="http://schemas.microsoft.com/office/drawing/2014/main" id="{729A8F8A-4EE4-4186-A670-0395AFDC5F6B}"/>
-              </a:ext>
-            </a:extLst>
-          </p:cNvPr>
-          <p:cNvSpPr txBox="1"/>
-          <p:nvPr/>
-        </p:nvSpPr>
-        <p:spPr>
-          <a:xfrm>
-            <a:off x="8013136" y="6678320"/>
-            <a:ext cx="567784" cy="326884"/>
-          </a:xfrm>
-          <a:prstGeom prst="rect">
-            <a:avLst/>
-          </a:prstGeom>
-          <a:noFill/>
-        </p:spPr>
-        <p:txBody>
-          <a:bodyPr wrap="none" rtlCol="0">
-            <a:spAutoFit/>
-          </a:bodyPr>
-          <a:lstStyle/>
-          <a:p>
-            <a:pPr algn="ctr"/>
-            <a:r>
-              <a:rPr lang="en-US" sz="1524" dirty="0" err="1"/>
-              <a:t>LoRa</a:t>
-            </a:r>
-            <a:endParaRPr lang="en-US" sz="1524" dirty="0"/>
           </a:p>
         </p:txBody>
       </p:sp>
@@ -3935,7 +3697,7 @@
         </p:nvSpPr>
         <p:spPr>
           <a:xfrm>
-            <a:off x="11535569" y="5574598"/>
+            <a:off x="10686217" y="6123911"/>
             <a:ext cx="1682657" cy="647784"/>
           </a:xfrm>
           <a:prstGeom prst="rect">
@@ -3986,8 +3748,8 @@
         </p:nvCxnSpPr>
         <p:spPr>
           <a:xfrm rot="5400000" flipH="1" flipV="1">
-            <a:off x="10995897" y="6026833"/>
-            <a:ext cx="668014" cy="411329"/>
+            <a:off x="10060185" y="6489786"/>
+            <a:ext cx="668014" cy="584049"/>
           </a:xfrm>
           <a:prstGeom prst="bentConnector2">
             <a:avLst/>
@@ -4029,7 +3791,7 @@
         </p:nvCxnSpPr>
         <p:spPr>
           <a:xfrm rot="16200000" flipV="1">
-            <a:off x="13102955" y="6013761"/>
+            <a:off x="12253603" y="6563074"/>
             <a:ext cx="668014" cy="437472"/>
           </a:xfrm>
           <a:prstGeom prst="bentConnector2">
@@ -4068,7 +3830,7 @@
         </p:nvSpPr>
         <p:spPr>
           <a:xfrm>
-            <a:off x="11169959" y="7722575"/>
+            <a:off x="10274887" y="8300036"/>
             <a:ext cx="1151697" cy="647784"/>
           </a:xfrm>
           <a:prstGeom prst="rect">
@@ -4096,7 +3858,7 @@
             <a:pPr algn="ctr"/>
             <a:r>
               <a:rPr lang="en-US" sz="1524" dirty="0"/>
-              <a:t>Web Application</a:t>
+              <a:t>Web Server</a:t>
             </a:r>
           </a:p>
         </p:txBody>
@@ -4115,7 +3877,7 @@
         </p:nvSpPr>
         <p:spPr>
           <a:xfrm>
-            <a:off x="12692447" y="7722575"/>
+            <a:off x="12368874" y="8291999"/>
             <a:ext cx="926843" cy="647784"/>
           </a:xfrm>
           <a:prstGeom prst="rect">
@@ -4144,6 +3906,13 @@
             <a:r>
               <a:rPr lang="en-US" sz="1524" dirty="0"/>
               <a:t>Database</a:t>
+            </a:r>
+          </a:p>
+          <a:p>
+            <a:pPr algn="ctr"/>
+            <a:r>
+              <a:rPr lang="en-US" sz="1524" dirty="0"/>
+              <a:t>Server</a:t>
             </a:r>
           </a:p>
         </p:txBody>
@@ -4162,8 +3931,8 @@
         </p:nvSpPr>
         <p:spPr>
           <a:xfrm>
-            <a:off x="10282910" y="7722575"/>
-            <a:ext cx="741583" cy="647784"/>
+            <a:off x="11690697" y="5002517"/>
+            <a:ext cx="1178749" cy="647784"/>
           </a:xfrm>
           <a:prstGeom prst="rect">
             <a:avLst/>
@@ -4189,96 +3958,12 @@
           <a:p>
             <a:pPr algn="ctr"/>
             <a:r>
-              <a:rPr lang="en-US" sz="1200" dirty="0"/>
+              <a:rPr lang="en-US" sz="1400" dirty="0"/>
               <a:t>Line Notify Service</a:t>
             </a:r>
           </a:p>
         </p:txBody>
       </p:sp>
-      <p:cxnSp>
-        <p:nvCxnSpPr>
-          <p:cNvPr id="53" name="Straight Arrow Connector 52">
-            <a:extLst>
-              <a:ext uri="{FF2B5EF4-FFF2-40B4-BE49-F238E27FC236}">
-                <a16:creationId xmlns:a16="http://schemas.microsoft.com/office/drawing/2014/main" id="{284A568C-46F0-4DA1-84DB-6F0CABCC1BCA}"/>
-              </a:ext>
-            </a:extLst>
-          </p:cNvPr>
-          <p:cNvCxnSpPr>
-            <a:cxnSpLocks/>
-            <a:endCxn id="39" idx="0"/>
-          </p:cNvCxnSpPr>
-          <p:nvPr/>
-        </p:nvCxnSpPr>
-        <p:spPr>
-          <a:xfrm>
-            <a:off x="10653575" y="7214288"/>
-            <a:ext cx="127" cy="508287"/>
-          </a:xfrm>
-          <a:prstGeom prst="straightConnector1">
-            <a:avLst/>
-          </a:prstGeom>
-          <a:ln>
-            <a:tailEnd type="triangle"/>
-          </a:ln>
-        </p:spPr>
-        <p:style>
-          <a:lnRef idx="3">
-            <a:schemeClr val="dk1"/>
-          </a:lnRef>
-          <a:fillRef idx="0">
-            <a:schemeClr val="dk1"/>
-          </a:fillRef>
-          <a:effectRef idx="2">
-            <a:schemeClr val="dk1"/>
-          </a:effectRef>
-          <a:fontRef idx="minor">
-            <a:schemeClr val="tx1"/>
-          </a:fontRef>
-        </p:style>
-      </p:cxnSp>
-      <p:cxnSp>
-        <p:nvCxnSpPr>
-          <p:cNvPr id="55" name="Straight Arrow Connector 54">
-            <a:extLst>
-              <a:ext uri="{FF2B5EF4-FFF2-40B4-BE49-F238E27FC236}">
-                <a16:creationId xmlns:a16="http://schemas.microsoft.com/office/drawing/2014/main" id="{C56E8C0A-FEBF-4C6F-8A63-12B4263C61F4}"/>
-              </a:ext>
-            </a:extLst>
-          </p:cNvPr>
-          <p:cNvCxnSpPr>
-            <a:cxnSpLocks/>
-            <a:endCxn id="32" idx="0"/>
-          </p:cNvCxnSpPr>
-          <p:nvPr/>
-        </p:nvCxnSpPr>
-        <p:spPr>
-          <a:xfrm>
-            <a:off x="11567764" y="7214288"/>
-            <a:ext cx="178044" cy="508287"/>
-          </a:xfrm>
-          <a:prstGeom prst="straightConnector1">
-            <a:avLst/>
-          </a:prstGeom>
-          <a:ln>
-            <a:tailEnd type="triangle"/>
-          </a:ln>
-        </p:spPr>
-        <p:style>
-          <a:lnRef idx="3">
-            <a:schemeClr val="dk1"/>
-          </a:lnRef>
-          <a:fillRef idx="0">
-            <a:schemeClr val="dk1"/>
-          </a:fillRef>
-          <a:effectRef idx="2">
-            <a:schemeClr val="dk1"/>
-          </a:effectRef>
-          <a:fontRef idx="minor">
-            <a:schemeClr val="tx1"/>
-          </a:fontRef>
-        </p:style>
-      </p:cxnSp>
       <p:sp>
         <p:nvSpPr>
           <p:cNvPr id="56" name="Rectangle 55">
@@ -4293,8 +3978,8 @@
         </p:nvSpPr>
         <p:spPr>
           <a:xfrm>
-            <a:off x="13736514" y="7718470"/>
-            <a:ext cx="926843" cy="647784"/>
+            <a:off x="10152822" y="5002517"/>
+            <a:ext cx="1178749" cy="647784"/>
           </a:xfrm>
           <a:prstGeom prst="rect">
             <a:avLst/>
@@ -4320,126 +4005,10 @@
           <a:p>
             <a:pPr algn="ctr"/>
             <a:r>
-              <a:rPr lang="en-US" sz="1524" dirty="0"/>
-              <a:t>NGROK</a:t>
-            </a:r>
-          </a:p>
-        </p:txBody>
-      </p:sp>
-      <p:cxnSp>
-        <p:nvCxnSpPr>
-          <p:cNvPr id="61" name="Straight Arrow Connector 60">
-            <a:extLst>
-              <a:ext uri="{FF2B5EF4-FFF2-40B4-BE49-F238E27FC236}">
-                <a16:creationId xmlns:a16="http://schemas.microsoft.com/office/drawing/2014/main" id="{B1AC35B2-AD9A-48BE-BB2B-3D886A9F67E4}"/>
-              </a:ext>
-            </a:extLst>
-          </p:cNvPr>
-          <p:cNvCxnSpPr>
-            <a:cxnSpLocks/>
-          </p:cNvCxnSpPr>
-          <p:nvPr/>
-        </p:nvCxnSpPr>
-        <p:spPr>
-          <a:xfrm>
-            <a:off x="13155868" y="7216787"/>
-            <a:ext cx="0" cy="508287"/>
-          </a:xfrm>
-          <a:prstGeom prst="straightConnector1">
-            <a:avLst/>
-          </a:prstGeom>
-          <a:ln>
-            <a:tailEnd type="triangle"/>
-          </a:ln>
-        </p:spPr>
-        <p:style>
-          <a:lnRef idx="3">
-            <a:schemeClr val="dk1"/>
-          </a:lnRef>
-          <a:fillRef idx="0">
-            <a:schemeClr val="dk1"/>
-          </a:fillRef>
-          <a:effectRef idx="2">
-            <a:schemeClr val="dk1"/>
-          </a:effectRef>
-          <a:fontRef idx="minor">
-            <a:schemeClr val="tx1"/>
-          </a:fontRef>
-        </p:style>
-      </p:cxnSp>
-      <p:cxnSp>
-        <p:nvCxnSpPr>
-          <p:cNvPr id="62" name="Straight Arrow Connector 61">
-            <a:extLst>
-              <a:ext uri="{FF2B5EF4-FFF2-40B4-BE49-F238E27FC236}">
-                <a16:creationId xmlns:a16="http://schemas.microsoft.com/office/drawing/2014/main" id="{3FFC07EA-0A42-44D5-8587-7E94FAAFE651}"/>
-              </a:ext>
-            </a:extLst>
-          </p:cNvPr>
-          <p:cNvCxnSpPr>
-            <a:cxnSpLocks/>
-          </p:cNvCxnSpPr>
-          <p:nvPr/>
-        </p:nvCxnSpPr>
-        <p:spPr>
-          <a:xfrm>
-            <a:off x="14198188" y="7214288"/>
-            <a:ext cx="0" cy="508287"/>
-          </a:xfrm>
-          <a:prstGeom prst="straightConnector1">
-            <a:avLst/>
-          </a:prstGeom>
-          <a:ln>
-            <a:tailEnd type="triangle"/>
-          </a:ln>
-        </p:spPr>
-        <p:style>
-          <a:lnRef idx="3">
-            <a:schemeClr val="dk1"/>
-          </a:lnRef>
-          <a:fillRef idx="0">
-            <a:schemeClr val="dk1"/>
-          </a:fillRef>
-          <a:effectRef idx="2">
-            <a:schemeClr val="dk1"/>
-          </a:effectRef>
-          <a:fontRef idx="minor">
-            <a:schemeClr val="tx1"/>
-          </a:fontRef>
-        </p:style>
-      </p:cxnSp>
-      <p:sp>
-        <p:nvSpPr>
-          <p:cNvPr id="5" name="TextBox 4">
-            <a:extLst>
-              <a:ext uri="{FF2B5EF4-FFF2-40B4-BE49-F238E27FC236}">
-                <a16:creationId xmlns:a16="http://schemas.microsoft.com/office/drawing/2014/main" id="{6DD33566-B36A-4964-91CD-9FFE2F45A196}"/>
-              </a:ext>
-            </a:extLst>
-          </p:cNvPr>
-          <p:cNvSpPr txBox="1"/>
-          <p:nvPr/>
-        </p:nvSpPr>
-        <p:spPr>
-          <a:xfrm rot="18775186">
-            <a:off x="9315934" y="7062395"/>
-            <a:ext cx="1003095" cy="326884"/>
-          </a:xfrm>
-          <a:prstGeom prst="rect">
-            <a:avLst/>
-          </a:prstGeom>
-          <a:noFill/>
-        </p:spPr>
-        <p:txBody>
-          <a:bodyPr wrap="none" rtlCol="0">
-            <a:spAutoFit/>
-          </a:bodyPr>
-          <a:lstStyle/>
-          <a:p>
-            <a:r>
-              <a:rPr lang="en-US" sz="1524" dirty="0"/>
-              <a:t>Serial Port</a:t>
-            </a:r>
+              <a:rPr lang="en-US" sz="1524" dirty="0" err="1"/>
+              <a:t>ngrok</a:t>
+            </a:r>
+            <a:endParaRPr lang="en-US" sz="1524" dirty="0"/>
           </a:p>
         </p:txBody>
       </p:sp>
@@ -4457,7 +4026,7 @@
         </p:nvSpPr>
         <p:spPr>
           <a:xfrm>
-            <a:off x="8922921" y="7713499"/>
+            <a:off x="8871839" y="8300036"/>
             <a:ext cx="1204719" cy="652755"/>
           </a:xfrm>
           <a:prstGeom prst="rect">
@@ -4492,30 +4061,576 @@
       </p:sp>
       <p:cxnSp>
         <p:nvCxnSpPr>
-          <p:cNvPr id="65" name="Straight Arrow Connector 64">
+          <p:cNvPr id="4" name="Straight Arrow Connector 3">
             <a:extLst>
               <a:ext uri="{FF2B5EF4-FFF2-40B4-BE49-F238E27FC236}">
-                <a16:creationId xmlns:a16="http://schemas.microsoft.com/office/drawing/2014/main" id="{16808F73-8F05-46F9-AA11-7E2036F40D45}"/>
+                <a16:creationId xmlns:a16="http://schemas.microsoft.com/office/drawing/2014/main" id="{9F0D6504-9F09-4A96-B476-41504ECAFCFC}"/>
               </a:ext>
             </a:extLst>
           </p:cNvPr>
           <p:cNvCxnSpPr>
             <a:cxnSpLocks/>
-            <a:stCxn id="12" idx="0"/>
-            <a:endCxn id="54" idx="1"/>
           </p:cNvCxnSpPr>
           <p:nvPr/>
         </p:nvCxnSpPr>
         <p:spPr>
-          <a:xfrm flipV="1">
-            <a:off x="9525281" y="6890396"/>
-            <a:ext cx="757630" cy="823103"/>
+          <a:xfrm>
+            <a:off x="9535158" y="7763601"/>
+            <a:ext cx="1" cy="536435"/>
           </a:xfrm>
           <a:prstGeom prst="straightConnector1">
             <a:avLst/>
           </a:prstGeom>
           <a:ln>
             <a:headEnd type="triangle"/>
+            <a:tailEnd type="triangle"/>
+          </a:ln>
+        </p:spPr>
+        <p:style>
+          <a:lnRef idx="3">
+            <a:schemeClr val="dk1"/>
+          </a:lnRef>
+          <a:fillRef idx="0">
+            <a:schemeClr val="dk1"/>
+          </a:fillRef>
+          <a:effectRef idx="2">
+            <a:schemeClr val="dk1"/>
+          </a:effectRef>
+          <a:fontRef idx="minor">
+            <a:schemeClr val="tx1"/>
+          </a:fontRef>
+        </p:style>
+      </p:cxnSp>
+      <p:cxnSp>
+        <p:nvCxnSpPr>
+          <p:cNvPr id="41" name="Straight Arrow Connector 40">
+            <a:extLst>
+              <a:ext uri="{FF2B5EF4-FFF2-40B4-BE49-F238E27FC236}">
+                <a16:creationId xmlns:a16="http://schemas.microsoft.com/office/drawing/2014/main" id="{75B056AC-6211-4AC6-B8F4-75BA3E9E7D9E}"/>
+              </a:ext>
+            </a:extLst>
+          </p:cNvPr>
+          <p:cNvCxnSpPr/>
+          <p:nvPr/>
+        </p:nvCxnSpPr>
+        <p:spPr>
+          <a:xfrm>
+            <a:off x="10709410" y="7763601"/>
+            <a:ext cx="1" cy="536435"/>
+          </a:xfrm>
+          <a:prstGeom prst="straightConnector1">
+            <a:avLst/>
+          </a:prstGeom>
+          <a:ln>
+            <a:headEnd type="triangle"/>
+            <a:tailEnd type="none"/>
+          </a:ln>
+        </p:spPr>
+        <p:style>
+          <a:lnRef idx="3">
+            <a:schemeClr val="dk1"/>
+          </a:lnRef>
+          <a:fillRef idx="0">
+            <a:schemeClr val="dk1"/>
+          </a:fillRef>
+          <a:effectRef idx="2">
+            <a:schemeClr val="dk1"/>
+          </a:effectRef>
+          <a:fontRef idx="minor">
+            <a:schemeClr val="tx1"/>
+          </a:fontRef>
+        </p:style>
+      </p:cxnSp>
+      <p:cxnSp>
+        <p:nvCxnSpPr>
+          <p:cNvPr id="42" name="Straight Arrow Connector 41">
+            <a:extLst>
+              <a:ext uri="{FF2B5EF4-FFF2-40B4-BE49-F238E27FC236}">
+                <a16:creationId xmlns:a16="http://schemas.microsoft.com/office/drawing/2014/main" id="{74FAC840-706E-4B3F-AA02-A22372A03E19}"/>
+              </a:ext>
+            </a:extLst>
+          </p:cNvPr>
+          <p:cNvCxnSpPr/>
+          <p:nvPr/>
+        </p:nvCxnSpPr>
+        <p:spPr>
+          <a:xfrm>
+            <a:off x="12832921" y="7763601"/>
+            <a:ext cx="1" cy="536435"/>
+          </a:xfrm>
+          <a:prstGeom prst="straightConnector1">
+            <a:avLst/>
+          </a:prstGeom>
+          <a:ln>
+            <a:headEnd type="triangle"/>
+            <a:tailEnd type="none"/>
+          </a:ln>
+        </p:spPr>
+        <p:style>
+          <a:lnRef idx="3">
+            <a:schemeClr val="dk1"/>
+          </a:lnRef>
+          <a:fillRef idx="0">
+            <a:schemeClr val="dk1"/>
+          </a:fillRef>
+          <a:effectRef idx="2">
+            <a:schemeClr val="dk1"/>
+          </a:effectRef>
+          <a:fontRef idx="minor">
+            <a:schemeClr val="tx1"/>
+          </a:fontRef>
+        </p:style>
+      </p:cxnSp>
+      <p:cxnSp>
+        <p:nvCxnSpPr>
+          <p:cNvPr id="14" name="Straight Arrow Connector 13">
+            <a:extLst>
+              <a:ext uri="{FF2B5EF4-FFF2-40B4-BE49-F238E27FC236}">
+                <a16:creationId xmlns:a16="http://schemas.microsoft.com/office/drawing/2014/main" id="{1CB757E0-6B94-48DA-B3AC-93342AD92CB8}"/>
+              </a:ext>
+            </a:extLst>
+          </p:cNvPr>
+          <p:cNvCxnSpPr>
+            <a:cxnSpLocks/>
+            <a:endCxn id="54" idx="1"/>
+          </p:cNvCxnSpPr>
+          <p:nvPr/>
+        </p:nvCxnSpPr>
+        <p:spPr>
+          <a:xfrm>
+            <a:off x="7791386" y="7439709"/>
+            <a:ext cx="1469453" cy="0"/>
+          </a:xfrm>
+          <a:prstGeom prst="straightConnector1">
+            <a:avLst/>
+          </a:prstGeom>
+          <a:ln>
+            <a:headEnd type="triangle"/>
+            <a:tailEnd type="triangle"/>
+          </a:ln>
+        </p:spPr>
+        <p:style>
+          <a:lnRef idx="3">
+            <a:schemeClr val="dk1"/>
+          </a:lnRef>
+          <a:fillRef idx="0">
+            <a:schemeClr val="dk1"/>
+          </a:fillRef>
+          <a:effectRef idx="2">
+            <a:schemeClr val="dk1"/>
+          </a:effectRef>
+          <a:fontRef idx="minor">
+            <a:schemeClr val="tx1"/>
+          </a:fontRef>
+        </p:style>
+      </p:cxnSp>
+      <p:sp>
+        <p:nvSpPr>
+          <p:cNvPr id="21" name="TextBox 20">
+            <a:extLst>
+              <a:ext uri="{FF2B5EF4-FFF2-40B4-BE49-F238E27FC236}">
+                <a16:creationId xmlns:a16="http://schemas.microsoft.com/office/drawing/2014/main" id="{CCD26AB3-9F72-4A1E-9AD0-5678E988A319}"/>
+              </a:ext>
+            </a:extLst>
+          </p:cNvPr>
+          <p:cNvSpPr txBox="1"/>
+          <p:nvPr/>
+        </p:nvSpPr>
+        <p:spPr>
+          <a:xfrm>
+            <a:off x="8192248" y="7070377"/>
+            <a:ext cx="692818" cy="369332"/>
+          </a:xfrm>
+          <a:prstGeom prst="rect">
+            <a:avLst/>
+          </a:prstGeom>
+          <a:noFill/>
+        </p:spPr>
+        <p:txBody>
+          <a:bodyPr wrap="none" rtlCol="0">
+            <a:spAutoFit/>
+          </a:bodyPr>
+          <a:lstStyle/>
+          <a:p>
+            <a:r>
+              <a:rPr lang="en-US" dirty="0" err="1"/>
+              <a:t>LoRa</a:t>
+            </a:r>
+            <a:r>
+              <a:rPr lang="en-US" dirty="0"/>
+              <a:t> </a:t>
+            </a:r>
+          </a:p>
+        </p:txBody>
+      </p:sp>
+      <p:cxnSp>
+        <p:nvCxnSpPr>
+          <p:cNvPr id="25" name="Straight Arrow Connector 24">
+            <a:extLst>
+              <a:ext uri="{FF2B5EF4-FFF2-40B4-BE49-F238E27FC236}">
+                <a16:creationId xmlns:a16="http://schemas.microsoft.com/office/drawing/2014/main" id="{42DF4713-C6E0-4998-A5D7-511B0102EEEC}"/>
+              </a:ext>
+            </a:extLst>
+          </p:cNvPr>
+          <p:cNvCxnSpPr/>
+          <p:nvPr/>
+        </p:nvCxnSpPr>
+        <p:spPr>
+          <a:xfrm flipV="1">
+            <a:off x="10943496" y="5650301"/>
+            <a:ext cx="0" cy="473610"/>
+          </a:xfrm>
+          <a:prstGeom prst="straightConnector1">
+            <a:avLst/>
+          </a:prstGeom>
+          <a:ln>
+            <a:headEnd type="triangle"/>
+            <a:tailEnd type="triangle"/>
+          </a:ln>
+        </p:spPr>
+        <p:style>
+          <a:lnRef idx="3">
+            <a:schemeClr val="dk1"/>
+          </a:lnRef>
+          <a:fillRef idx="0">
+            <a:schemeClr val="dk1"/>
+          </a:fillRef>
+          <a:effectRef idx="2">
+            <a:schemeClr val="dk1"/>
+          </a:effectRef>
+          <a:fontRef idx="minor">
+            <a:schemeClr val="tx1"/>
+          </a:fontRef>
+        </p:style>
+      </p:cxnSp>
+      <p:cxnSp>
+        <p:nvCxnSpPr>
+          <p:cNvPr id="50" name="Straight Arrow Connector 49">
+            <a:extLst>
+              <a:ext uri="{FF2B5EF4-FFF2-40B4-BE49-F238E27FC236}">
+                <a16:creationId xmlns:a16="http://schemas.microsoft.com/office/drawing/2014/main" id="{63AF0B1C-4215-4BE3-A255-3EBAC1DBCCDC}"/>
+              </a:ext>
+            </a:extLst>
+          </p:cNvPr>
+          <p:cNvCxnSpPr/>
+          <p:nvPr/>
+        </p:nvCxnSpPr>
+        <p:spPr>
+          <a:xfrm flipV="1">
+            <a:off x="12071697" y="5652903"/>
+            <a:ext cx="0" cy="473610"/>
+          </a:xfrm>
+          <a:prstGeom prst="straightConnector1">
+            <a:avLst/>
+          </a:prstGeom>
+          <a:ln>
+            <a:headEnd type="none"/>
+            <a:tailEnd type="triangle"/>
+          </a:ln>
+        </p:spPr>
+        <p:style>
+          <a:lnRef idx="3">
+            <a:schemeClr val="dk1"/>
+          </a:lnRef>
+          <a:fillRef idx="0">
+            <a:schemeClr val="dk1"/>
+          </a:fillRef>
+          <a:effectRef idx="2">
+            <a:schemeClr val="dk1"/>
+          </a:effectRef>
+          <a:fontRef idx="minor">
+            <a:schemeClr val="tx1"/>
+          </a:fontRef>
+        </p:style>
+      </p:cxnSp>
+      <p:sp>
+        <p:nvSpPr>
+          <p:cNvPr id="26" name="Rectangle 25">
+            <a:extLst>
+              <a:ext uri="{FF2B5EF4-FFF2-40B4-BE49-F238E27FC236}">
+                <a16:creationId xmlns:a16="http://schemas.microsoft.com/office/drawing/2014/main" id="{BA5F622D-DC70-49EE-BA0C-59318DAA6931}"/>
+              </a:ext>
+            </a:extLst>
+          </p:cNvPr>
+          <p:cNvSpPr/>
+          <p:nvPr/>
+        </p:nvSpPr>
+        <p:spPr>
+          <a:xfrm>
+            <a:off x="10152821" y="3881123"/>
+            <a:ext cx="1178749" cy="647784"/>
+          </a:xfrm>
+          <a:prstGeom prst="rect">
+            <a:avLst/>
+          </a:prstGeom>
+        </p:spPr>
+        <p:style>
+          <a:lnRef idx="2">
+            <a:schemeClr val="dk1"/>
+          </a:lnRef>
+          <a:fillRef idx="1">
+            <a:schemeClr val="lt1"/>
+          </a:fillRef>
+          <a:effectRef idx="0">
+            <a:schemeClr val="dk1"/>
+          </a:effectRef>
+          <a:fontRef idx="minor">
+            <a:schemeClr val="dk1"/>
+          </a:fontRef>
+        </p:style>
+        <p:txBody>
+          <a:bodyPr rtlCol="0" anchor="ctr"/>
+          <a:lstStyle/>
+          <a:p>
+            <a:pPr algn="ctr"/>
+            <a:r>
+              <a:rPr lang="en-US" sz="1524" dirty="0"/>
+              <a:t>Web Client</a:t>
+            </a:r>
+          </a:p>
+        </p:txBody>
+      </p:sp>
+      <p:sp>
+        <p:nvSpPr>
+          <p:cNvPr id="27" name="Rectangle 26">
+            <a:extLst>
+              <a:ext uri="{FF2B5EF4-FFF2-40B4-BE49-F238E27FC236}">
+                <a16:creationId xmlns:a16="http://schemas.microsoft.com/office/drawing/2014/main" id="{37A93340-526E-442A-9868-5E3319A0B69A}"/>
+              </a:ext>
+            </a:extLst>
+          </p:cNvPr>
+          <p:cNvSpPr/>
+          <p:nvPr/>
+        </p:nvSpPr>
+        <p:spPr>
+          <a:xfrm>
+            <a:off x="11690697" y="3881123"/>
+            <a:ext cx="1178749" cy="647784"/>
+          </a:xfrm>
+          <a:prstGeom prst="rect">
+            <a:avLst/>
+          </a:prstGeom>
+        </p:spPr>
+        <p:style>
+          <a:lnRef idx="2">
+            <a:schemeClr val="dk1"/>
+          </a:lnRef>
+          <a:fillRef idx="1">
+            <a:schemeClr val="lt1"/>
+          </a:fillRef>
+          <a:effectRef idx="0">
+            <a:schemeClr val="dk1"/>
+          </a:effectRef>
+          <a:fontRef idx="minor">
+            <a:schemeClr val="dk1"/>
+          </a:fontRef>
+        </p:style>
+        <p:txBody>
+          <a:bodyPr rtlCol="0" anchor="ctr"/>
+          <a:lstStyle/>
+          <a:p>
+            <a:pPr algn="ctr"/>
+            <a:r>
+              <a:rPr lang="en-US" sz="1524" dirty="0"/>
+              <a:t>Line</a:t>
+            </a:r>
+          </a:p>
+          <a:p>
+            <a:pPr algn="ctr"/>
+            <a:r>
+              <a:rPr lang="en-US" sz="1524" dirty="0"/>
+              <a:t>Application</a:t>
+            </a:r>
+          </a:p>
+        </p:txBody>
+      </p:sp>
+      <p:cxnSp>
+        <p:nvCxnSpPr>
+          <p:cNvPr id="63" name="Straight Arrow Connector 62">
+            <a:extLst>
+              <a:ext uri="{FF2B5EF4-FFF2-40B4-BE49-F238E27FC236}">
+                <a16:creationId xmlns:a16="http://schemas.microsoft.com/office/drawing/2014/main" id="{E4C0BBA0-EF00-4DED-B650-E40AA2B13EA8}"/>
+              </a:ext>
+            </a:extLst>
+          </p:cNvPr>
+          <p:cNvCxnSpPr/>
+          <p:nvPr/>
+        </p:nvCxnSpPr>
+        <p:spPr>
+          <a:xfrm flipV="1">
+            <a:off x="10749544" y="4528907"/>
+            <a:ext cx="0" cy="473610"/>
+          </a:xfrm>
+          <a:prstGeom prst="straightConnector1">
+            <a:avLst/>
+          </a:prstGeom>
+          <a:ln>
+            <a:headEnd type="triangle"/>
+            <a:tailEnd type="triangle"/>
+          </a:ln>
+        </p:spPr>
+        <p:style>
+          <a:lnRef idx="3">
+            <a:schemeClr val="dk1"/>
+          </a:lnRef>
+          <a:fillRef idx="0">
+            <a:schemeClr val="dk1"/>
+          </a:fillRef>
+          <a:effectRef idx="2">
+            <a:schemeClr val="dk1"/>
+          </a:effectRef>
+          <a:fontRef idx="minor">
+            <a:schemeClr val="tx1"/>
+          </a:fontRef>
+        </p:style>
+      </p:cxnSp>
+      <p:cxnSp>
+        <p:nvCxnSpPr>
+          <p:cNvPr id="66" name="Straight Arrow Connector 65">
+            <a:extLst>
+              <a:ext uri="{FF2B5EF4-FFF2-40B4-BE49-F238E27FC236}">
+                <a16:creationId xmlns:a16="http://schemas.microsoft.com/office/drawing/2014/main" id="{7F9E3A2C-CB94-49CA-9B82-7A5A05317DDC}"/>
+              </a:ext>
+            </a:extLst>
+          </p:cNvPr>
+          <p:cNvCxnSpPr/>
+          <p:nvPr/>
+        </p:nvCxnSpPr>
+        <p:spPr>
+          <a:xfrm flipV="1">
+            <a:off x="12280071" y="4528907"/>
+            <a:ext cx="0" cy="473610"/>
+          </a:xfrm>
+          <a:prstGeom prst="straightConnector1">
+            <a:avLst/>
+          </a:prstGeom>
+          <a:ln>
+            <a:headEnd type="none"/>
+            <a:tailEnd type="triangle"/>
+          </a:ln>
+        </p:spPr>
+        <p:style>
+          <a:lnRef idx="3">
+            <a:schemeClr val="dk1"/>
+          </a:lnRef>
+          <a:fillRef idx="0">
+            <a:schemeClr val="dk1"/>
+          </a:fillRef>
+          <a:effectRef idx="2">
+            <a:schemeClr val="dk1"/>
+          </a:effectRef>
+          <a:fontRef idx="minor">
+            <a:schemeClr val="tx1"/>
+          </a:fontRef>
+        </p:style>
+      </p:cxnSp>
+      <p:sp>
+        <p:nvSpPr>
+          <p:cNvPr id="31" name="Rectangle 30">
+            <a:extLst>
+              <a:ext uri="{FF2B5EF4-FFF2-40B4-BE49-F238E27FC236}">
+                <a16:creationId xmlns:a16="http://schemas.microsoft.com/office/drawing/2014/main" id="{0EAC0CD4-0CEB-49CC-8DB3-A74C2985C103}"/>
+              </a:ext>
+            </a:extLst>
+          </p:cNvPr>
+          <p:cNvSpPr/>
+          <p:nvPr/>
+        </p:nvSpPr>
+        <p:spPr>
+          <a:xfrm>
+            <a:off x="5190631" y="5207911"/>
+            <a:ext cx="932166" cy="647784"/>
+          </a:xfrm>
+          <a:prstGeom prst="rect">
+            <a:avLst/>
+          </a:prstGeom>
+        </p:spPr>
+        <p:style>
+          <a:lnRef idx="2">
+            <a:schemeClr val="dk1"/>
+          </a:lnRef>
+          <a:fillRef idx="1">
+            <a:schemeClr val="lt1"/>
+          </a:fillRef>
+          <a:effectRef idx="0">
+            <a:schemeClr val="dk1"/>
+          </a:effectRef>
+          <a:fontRef idx="minor">
+            <a:schemeClr val="dk1"/>
+          </a:fontRef>
+        </p:style>
+        <p:txBody>
+          <a:bodyPr rtlCol="0" anchor="ctr"/>
+          <a:lstStyle/>
+          <a:p>
+            <a:pPr algn="ctr"/>
+            <a:r>
+              <a:rPr lang="en-US" sz="1524" dirty="0"/>
+              <a:t>Shunt Resistor</a:t>
+            </a:r>
+          </a:p>
+        </p:txBody>
+      </p:sp>
+      <p:cxnSp>
+        <p:nvCxnSpPr>
+          <p:cNvPr id="68" name="Straight Arrow Connector 67">
+            <a:extLst>
+              <a:ext uri="{FF2B5EF4-FFF2-40B4-BE49-F238E27FC236}">
+                <a16:creationId xmlns:a16="http://schemas.microsoft.com/office/drawing/2014/main" id="{184C15EB-7A15-48C0-85C5-6593AA53FF3B}"/>
+              </a:ext>
+            </a:extLst>
+          </p:cNvPr>
+          <p:cNvCxnSpPr/>
+          <p:nvPr/>
+        </p:nvCxnSpPr>
+        <p:spPr>
+          <a:xfrm>
+            <a:off x="4490160" y="5855694"/>
+            <a:ext cx="0" cy="315993"/>
+          </a:xfrm>
+          <a:prstGeom prst="straightConnector1">
+            <a:avLst/>
+          </a:prstGeom>
+          <a:ln>
+            <a:tailEnd type="triangle"/>
+          </a:ln>
+        </p:spPr>
+        <p:style>
+          <a:lnRef idx="3">
+            <a:schemeClr val="dk1"/>
+          </a:lnRef>
+          <a:fillRef idx="0">
+            <a:schemeClr val="dk1"/>
+          </a:fillRef>
+          <a:effectRef idx="2">
+            <a:schemeClr val="dk1"/>
+          </a:effectRef>
+          <a:fontRef idx="minor">
+            <a:schemeClr val="tx1"/>
+          </a:fontRef>
+        </p:style>
+      </p:cxnSp>
+      <p:cxnSp>
+        <p:nvCxnSpPr>
+          <p:cNvPr id="69" name="Straight Arrow Connector 68">
+            <a:extLst>
+              <a:ext uri="{FF2B5EF4-FFF2-40B4-BE49-F238E27FC236}">
+                <a16:creationId xmlns:a16="http://schemas.microsoft.com/office/drawing/2014/main" id="{D1B0342F-F8FA-48D2-B2E5-FDD612086FAE}"/>
+              </a:ext>
+            </a:extLst>
+          </p:cNvPr>
+          <p:cNvCxnSpPr/>
+          <p:nvPr/>
+        </p:nvCxnSpPr>
+        <p:spPr>
+          <a:xfrm>
+            <a:off x="5477943" y="5855694"/>
+            <a:ext cx="0" cy="315993"/>
+          </a:xfrm>
+          <a:prstGeom prst="straightConnector1">
+            <a:avLst/>
+          </a:prstGeom>
+          <a:ln>
             <a:tailEnd type="triangle"/>
           </a:ln>
         </p:spPr>

--- a/Documents/boxdiagram.pptx
+++ b/Documents/boxdiagram.pptx
@@ -243,7 +243,7 @@
           <a:p>
             <a:fld id="{D6A45444-1C6B-4627-98FD-BA603487AE40}" type="datetimeFigureOut">
               <a:rPr lang="en-US" smtClean="0"/>
-              <a:t>8/30/2020</a:t>
+              <a:t>8/31/2020</a:t>
             </a:fld>
             <a:endParaRPr lang="en-US"/>
           </a:p>
@@ -413,7 +413,7 @@
           <a:p>
             <a:fld id="{D6A45444-1C6B-4627-98FD-BA603487AE40}" type="datetimeFigureOut">
               <a:rPr lang="en-US" smtClean="0"/>
-              <a:t>8/30/2020</a:t>
+              <a:t>8/31/2020</a:t>
             </a:fld>
             <a:endParaRPr lang="en-US"/>
           </a:p>
@@ -593,7 +593,7 @@
           <a:p>
             <a:fld id="{D6A45444-1C6B-4627-98FD-BA603487AE40}" type="datetimeFigureOut">
               <a:rPr lang="en-US" smtClean="0"/>
-              <a:t>8/30/2020</a:t>
+              <a:t>8/31/2020</a:t>
             </a:fld>
             <a:endParaRPr lang="en-US"/>
           </a:p>
@@ -763,7 +763,7 @@
           <a:p>
             <a:fld id="{D6A45444-1C6B-4627-98FD-BA603487AE40}" type="datetimeFigureOut">
               <a:rPr lang="en-US" smtClean="0"/>
-              <a:t>8/30/2020</a:t>
+              <a:t>8/31/2020</a:t>
             </a:fld>
             <a:endParaRPr lang="en-US"/>
           </a:p>
@@ -1009,7 +1009,7 @@
           <a:p>
             <a:fld id="{D6A45444-1C6B-4627-98FD-BA603487AE40}" type="datetimeFigureOut">
               <a:rPr lang="en-US" smtClean="0"/>
-              <a:t>8/30/2020</a:t>
+              <a:t>8/31/2020</a:t>
             </a:fld>
             <a:endParaRPr lang="en-US"/>
           </a:p>
@@ -1241,7 +1241,7 @@
           <a:p>
             <a:fld id="{D6A45444-1C6B-4627-98FD-BA603487AE40}" type="datetimeFigureOut">
               <a:rPr lang="en-US" smtClean="0"/>
-              <a:t>8/30/2020</a:t>
+              <a:t>8/31/2020</a:t>
             </a:fld>
             <a:endParaRPr lang="en-US"/>
           </a:p>
@@ -1608,7 +1608,7 @@
           <a:p>
             <a:fld id="{D6A45444-1C6B-4627-98FD-BA603487AE40}" type="datetimeFigureOut">
               <a:rPr lang="en-US" smtClean="0"/>
-              <a:t>8/30/2020</a:t>
+              <a:t>8/31/2020</a:t>
             </a:fld>
             <a:endParaRPr lang="en-US"/>
           </a:p>
@@ -1726,7 +1726,7 @@
           <a:p>
             <a:fld id="{D6A45444-1C6B-4627-98FD-BA603487AE40}" type="datetimeFigureOut">
               <a:rPr lang="en-US" smtClean="0"/>
-              <a:t>8/30/2020</a:t>
+              <a:t>8/31/2020</a:t>
             </a:fld>
             <a:endParaRPr lang="en-US"/>
           </a:p>
@@ -1821,7 +1821,7 @@
           <a:p>
             <a:fld id="{D6A45444-1C6B-4627-98FD-BA603487AE40}" type="datetimeFigureOut">
               <a:rPr lang="en-US" smtClean="0"/>
-              <a:t>8/30/2020</a:t>
+              <a:t>8/31/2020</a:t>
             </a:fld>
             <a:endParaRPr lang="en-US"/>
           </a:p>
@@ -2098,7 +2098,7 @@
           <a:p>
             <a:fld id="{D6A45444-1C6B-4627-98FD-BA603487AE40}" type="datetimeFigureOut">
               <a:rPr lang="en-US" smtClean="0"/>
-              <a:t>8/30/2020</a:t>
+              <a:t>8/31/2020</a:t>
             </a:fld>
             <a:endParaRPr lang="en-US"/>
           </a:p>
@@ -2355,7 +2355,7 @@
           <a:p>
             <a:fld id="{D6A45444-1C6B-4627-98FD-BA603487AE40}" type="datetimeFigureOut">
               <a:rPr lang="en-US" smtClean="0"/>
-              <a:t>8/30/2020</a:t>
+              <a:t>8/31/2020</a:t>
             </a:fld>
             <a:endParaRPr lang="en-US"/>
           </a:p>
@@ -2568,7 +2568,7 @@
           <a:p>
             <a:fld id="{D6A45444-1C6B-4627-98FD-BA603487AE40}" type="datetimeFigureOut">
               <a:rPr lang="en-US" smtClean="0"/>
-              <a:t>8/30/2020</a:t>
+              <a:t>8/31/2020</a:t>
             </a:fld>
             <a:endParaRPr lang="en-US"/>
           </a:p>
@@ -4566,7 +4566,7 @@
             <a:pPr algn="ctr"/>
             <a:r>
               <a:rPr lang="en-US" sz="1524" dirty="0"/>
-              <a:t>Shunt Resistor</a:t>
+              <a:t>Current Sense Resistors</a:t>
             </a:r>
           </a:p>
         </p:txBody>

--- a/Documents/boxdiagram.pptx
+++ b/Documents/boxdiagram.pptx
@@ -243,7 +243,7 @@
           <a:p>
             <a:fld id="{D6A45444-1C6B-4627-98FD-BA603487AE40}" type="datetimeFigureOut">
               <a:rPr lang="en-US" smtClean="0"/>
-              <a:t>8/31/2020</a:t>
+              <a:t>10/21/2020</a:t>
             </a:fld>
             <a:endParaRPr lang="en-US"/>
           </a:p>
@@ -413,7 +413,7 @@
           <a:p>
             <a:fld id="{D6A45444-1C6B-4627-98FD-BA603487AE40}" type="datetimeFigureOut">
               <a:rPr lang="en-US" smtClean="0"/>
-              <a:t>8/31/2020</a:t>
+              <a:t>10/21/2020</a:t>
             </a:fld>
             <a:endParaRPr lang="en-US"/>
           </a:p>
@@ -593,7 +593,7 @@
           <a:p>
             <a:fld id="{D6A45444-1C6B-4627-98FD-BA603487AE40}" type="datetimeFigureOut">
               <a:rPr lang="en-US" smtClean="0"/>
-              <a:t>8/31/2020</a:t>
+              <a:t>10/21/2020</a:t>
             </a:fld>
             <a:endParaRPr lang="en-US"/>
           </a:p>
@@ -763,7 +763,7 @@
           <a:p>
             <a:fld id="{D6A45444-1C6B-4627-98FD-BA603487AE40}" type="datetimeFigureOut">
               <a:rPr lang="en-US" smtClean="0"/>
-              <a:t>8/31/2020</a:t>
+              <a:t>10/21/2020</a:t>
             </a:fld>
             <a:endParaRPr lang="en-US"/>
           </a:p>
@@ -1009,7 +1009,7 @@
           <a:p>
             <a:fld id="{D6A45444-1C6B-4627-98FD-BA603487AE40}" type="datetimeFigureOut">
               <a:rPr lang="en-US" smtClean="0"/>
-              <a:t>8/31/2020</a:t>
+              <a:t>10/21/2020</a:t>
             </a:fld>
             <a:endParaRPr lang="en-US"/>
           </a:p>
@@ -1241,7 +1241,7 @@
           <a:p>
             <a:fld id="{D6A45444-1C6B-4627-98FD-BA603487AE40}" type="datetimeFigureOut">
               <a:rPr lang="en-US" smtClean="0"/>
-              <a:t>8/31/2020</a:t>
+              <a:t>10/21/2020</a:t>
             </a:fld>
             <a:endParaRPr lang="en-US"/>
           </a:p>
@@ -1608,7 +1608,7 @@
           <a:p>
             <a:fld id="{D6A45444-1C6B-4627-98FD-BA603487AE40}" type="datetimeFigureOut">
               <a:rPr lang="en-US" smtClean="0"/>
-              <a:t>8/31/2020</a:t>
+              <a:t>10/21/2020</a:t>
             </a:fld>
             <a:endParaRPr lang="en-US"/>
           </a:p>
@@ -1726,7 +1726,7 @@
           <a:p>
             <a:fld id="{D6A45444-1C6B-4627-98FD-BA603487AE40}" type="datetimeFigureOut">
               <a:rPr lang="en-US" smtClean="0"/>
-              <a:t>8/31/2020</a:t>
+              <a:t>10/21/2020</a:t>
             </a:fld>
             <a:endParaRPr lang="en-US"/>
           </a:p>
@@ -1821,7 +1821,7 @@
           <a:p>
             <a:fld id="{D6A45444-1C6B-4627-98FD-BA603487AE40}" type="datetimeFigureOut">
               <a:rPr lang="en-US" smtClean="0"/>
-              <a:t>8/31/2020</a:t>
+              <a:t>10/21/2020</a:t>
             </a:fld>
             <a:endParaRPr lang="en-US"/>
           </a:p>
@@ -2098,7 +2098,7 @@
           <a:p>
             <a:fld id="{D6A45444-1C6B-4627-98FD-BA603487AE40}" type="datetimeFigureOut">
               <a:rPr lang="en-US" smtClean="0"/>
-              <a:t>8/31/2020</a:t>
+              <a:t>10/21/2020</a:t>
             </a:fld>
             <a:endParaRPr lang="en-US"/>
           </a:p>
@@ -2355,7 +2355,7 @@
           <a:p>
             <a:fld id="{D6A45444-1C6B-4627-98FD-BA603487AE40}" type="datetimeFigureOut">
               <a:rPr lang="en-US" smtClean="0"/>
-              <a:t>8/31/2020</a:t>
+              <a:t>10/21/2020</a:t>
             </a:fld>
             <a:endParaRPr lang="en-US"/>
           </a:p>
@@ -2568,7 +2568,7 @@
           <a:p>
             <a:fld id="{D6A45444-1C6B-4627-98FD-BA603487AE40}" type="datetimeFigureOut">
               <a:rPr lang="en-US" smtClean="0"/>
-              <a:t>8/31/2020</a:t>
+              <a:t>10/21/2020</a:t>
             </a:fld>
             <a:endParaRPr lang="en-US"/>
           </a:p>
@@ -2975,10 +2975,10 @@
       </p:grpSpPr>
       <p:sp>
         <p:nvSpPr>
-          <p:cNvPr id="51" name="Rectangle 50">
+          <p:cNvPr id="150" name="Rectangle 149">
             <a:extLst>
               <a:ext uri="{FF2B5EF4-FFF2-40B4-BE49-F238E27FC236}">
-                <a16:creationId xmlns:a16="http://schemas.microsoft.com/office/drawing/2014/main" id="{96F360B5-DFDF-405F-A235-8AD85E2F4247}"/>
+                <a16:creationId xmlns:a16="http://schemas.microsoft.com/office/drawing/2014/main" id="{CE999687-F730-4622-99F1-81BA2E1418FB}"/>
               </a:ext>
             </a:extLst>
           </p:cNvPr>
@@ -2987,12 +2987,15 @@
         </p:nvSpPr>
         <p:spPr>
           <a:xfrm>
-            <a:off x="1661147" y="5002517"/>
-            <a:ext cx="6130239" cy="3934101"/>
+            <a:off x="800100" y="4528907"/>
+            <a:ext cx="6800371" cy="4561753"/>
           </a:xfrm>
           <a:prstGeom prst="rect">
             <a:avLst/>
           </a:prstGeom>
+          <a:ln w="12700">
+            <a:prstDash val="solid"/>
+          </a:ln>
         </p:spPr>
         <p:style>
           <a:lnRef idx="2">
@@ -3013,7 +3016,7 @@
           <a:lstStyle/>
           <a:p>
             <a:pPr algn="ctr"/>
-            <a:endParaRPr lang="en-US" sz="1524" dirty="0"/>
+            <a:endParaRPr lang="en-US" dirty="0"/>
           </a:p>
         </p:txBody>
       </p:sp>
@@ -3031,7 +3034,7 @@
         </p:nvSpPr>
         <p:spPr>
           <a:xfrm>
-            <a:off x="4171097" y="6171687"/>
+            <a:off x="3599523" y="6123836"/>
             <a:ext cx="1682657" cy="647784"/>
           </a:xfrm>
           <a:prstGeom prst="rect">
@@ -3058,9 +3061,26 @@
           <a:p>
             <a:pPr algn="ctr"/>
             <a:r>
-              <a:rPr lang="en-US" sz="1524" dirty="0"/>
+              <a:rPr lang="en-US" sz="1600" b="1" dirty="0">
+                <a:latin typeface="TH Sarabun New" panose="020B0500040200020003" pitchFamily="34" charset="-34"/>
+                <a:cs typeface="TH Sarabun New" panose="020B0500040200020003" pitchFamily="34" charset="-34"/>
+              </a:rPr>
               <a:t>ESP32LoRa</a:t>
             </a:r>
+          </a:p>
+          <a:p>
+            <a:pPr algn="ctr"/>
+            <a:r>
+              <a:rPr lang="th-TH" sz="1600" b="1" dirty="0">
+                <a:latin typeface="TH Sarabun New" panose="020B0500040200020003" pitchFamily="34" charset="-34"/>
+                <a:cs typeface="TH Sarabun New" panose="020B0500040200020003" pitchFamily="34" charset="-34"/>
+              </a:rPr>
+              <a:t>(ไมโครคอนโทรลเลอร์)</a:t>
+            </a:r>
+            <a:endParaRPr lang="en-US" sz="1600" b="1" dirty="0">
+              <a:latin typeface="TH Sarabun New" panose="020B0500040200020003" pitchFamily="34" charset="-34"/>
+              <a:cs typeface="TH Sarabun New" panose="020B0500040200020003" pitchFamily="34" charset="-34"/>
+            </a:endParaRPr>
           </a:p>
         </p:txBody>
       </p:sp>
@@ -3078,8 +3098,8 @@
         </p:nvSpPr>
         <p:spPr>
           <a:xfrm>
-            <a:off x="11965017" y="7115817"/>
-            <a:ext cx="1682657" cy="647784"/>
+            <a:off x="11431078" y="7228531"/>
+            <a:ext cx="1330700" cy="647784"/>
           </a:xfrm>
           <a:prstGeom prst="rect">
             <a:avLst/>
@@ -3105,103 +3125,30 @@
           <a:p>
             <a:pPr algn="ctr"/>
             <a:r>
-              <a:rPr lang="en-US" sz="1524" dirty="0"/>
+              <a:rPr lang="en-US" sz="1600" b="1" dirty="0">
+                <a:latin typeface="TH Sarabun New" panose="020B0500040200020003" pitchFamily="34" charset="-34"/>
+                <a:cs typeface="TH Sarabun New" panose="020B0500040200020003" pitchFamily="34" charset="-34"/>
+              </a:rPr>
               <a:t>Raspberry Pi 3 B</a:t>
             </a:r>
-          </a:p>
-        </p:txBody>
-      </p:sp>
-      <p:sp>
-        <p:nvSpPr>
-          <p:cNvPr id="11" name="Rectangle 10">
-            <a:extLst>
-              <a:ext uri="{FF2B5EF4-FFF2-40B4-BE49-F238E27FC236}">
-                <a16:creationId xmlns:a16="http://schemas.microsoft.com/office/drawing/2014/main" id="{721E94FC-1E49-453A-89DE-DE39EFDD5F23}"/>
-              </a:ext>
-            </a:extLst>
-          </p:cNvPr>
-          <p:cNvSpPr/>
-          <p:nvPr/>
-        </p:nvSpPr>
-        <p:spPr>
-          <a:xfrm>
-            <a:off x="4171088" y="8099240"/>
-            <a:ext cx="750481" cy="647784"/>
-          </a:xfrm>
-          <a:prstGeom prst="rect">
-            <a:avLst/>
-          </a:prstGeom>
-        </p:spPr>
-        <p:style>
-          <a:lnRef idx="2">
-            <a:schemeClr val="dk1"/>
-          </a:lnRef>
-          <a:fillRef idx="1">
-            <a:schemeClr val="lt1"/>
-          </a:fillRef>
-          <a:effectRef idx="0">
-            <a:schemeClr val="dk1"/>
-          </a:effectRef>
-          <a:fontRef idx="minor">
-            <a:schemeClr val="dk1"/>
-          </a:fontRef>
-        </p:style>
-        <p:txBody>
-          <a:bodyPr rtlCol="0" anchor="ctr"/>
-          <a:lstStyle/>
+            <a:endParaRPr lang="th-TH" sz="1600" b="1" dirty="0">
+              <a:latin typeface="TH Sarabun New" panose="020B0500040200020003" pitchFamily="34" charset="-34"/>
+              <a:cs typeface="TH Sarabun New" panose="020B0500040200020003" pitchFamily="34" charset="-34"/>
+            </a:endParaRPr>
+          </a:p>
           <a:p>
             <a:pPr algn="ctr"/>
             <a:r>
-              <a:rPr lang="en-US" sz="1524" dirty="0"/>
-              <a:t>Pump</a:t>
-            </a:r>
-          </a:p>
-        </p:txBody>
-      </p:sp>
-      <p:sp>
-        <p:nvSpPr>
-          <p:cNvPr id="13" name="Rectangle 12">
-            <a:extLst>
-              <a:ext uri="{FF2B5EF4-FFF2-40B4-BE49-F238E27FC236}">
-                <a16:creationId xmlns:a16="http://schemas.microsoft.com/office/drawing/2014/main" id="{DB368F60-6C8E-4ACF-9073-A2D1DBB09CD7}"/>
-              </a:ext>
-            </a:extLst>
-          </p:cNvPr>
-          <p:cNvSpPr/>
-          <p:nvPr/>
-        </p:nvSpPr>
-        <p:spPr>
-          <a:xfrm>
-            <a:off x="5103263" y="8099240"/>
-            <a:ext cx="750481" cy="647784"/>
-          </a:xfrm>
-          <a:prstGeom prst="rect">
-            <a:avLst/>
-          </a:prstGeom>
-        </p:spPr>
-        <p:style>
-          <a:lnRef idx="2">
-            <a:schemeClr val="dk1"/>
-          </a:lnRef>
-          <a:fillRef idx="1">
-            <a:schemeClr val="lt1"/>
-          </a:fillRef>
-          <a:effectRef idx="0">
-            <a:schemeClr val="dk1"/>
-          </a:effectRef>
-          <a:fontRef idx="minor">
-            <a:schemeClr val="dk1"/>
-          </a:fontRef>
-        </p:style>
-        <p:txBody>
-          <a:bodyPr rtlCol="0" anchor="ctr"/>
-          <a:lstStyle/>
-          <a:p>
-            <a:pPr algn="ctr"/>
-            <a:r>
-              <a:rPr lang="en-US" sz="1524" dirty="0"/>
-              <a:t>Fan</a:t>
-            </a:r>
+              <a:rPr lang="th-TH" sz="1600" b="1" dirty="0">
+                <a:latin typeface="TH Sarabun New" panose="020B0500040200020003" pitchFamily="34" charset="-34"/>
+                <a:cs typeface="TH Sarabun New" panose="020B0500040200020003" pitchFamily="34" charset="-34"/>
+              </a:rPr>
+              <a:t>(คอมพิวเตอร์)</a:t>
+            </a:r>
+            <a:endParaRPr lang="en-US" sz="1600" b="1" dirty="0">
+              <a:latin typeface="TH Sarabun New" panose="020B0500040200020003" pitchFamily="34" charset="-34"/>
+              <a:cs typeface="TH Sarabun New" panose="020B0500040200020003" pitchFamily="34" charset="-34"/>
+            </a:endParaRPr>
           </a:p>
         </p:txBody>
       </p:sp>
@@ -3219,8 +3166,8 @@
         </p:nvSpPr>
         <p:spPr>
           <a:xfrm>
-            <a:off x="3820951" y="5207911"/>
-            <a:ext cx="932166" cy="647784"/>
+            <a:off x="995537" y="5002517"/>
+            <a:ext cx="1682645" cy="647784"/>
           </a:xfrm>
           <a:prstGeom prst="rect">
             <a:avLst/>
@@ -3246,90 +3193,33 @@
           <a:p>
             <a:pPr algn="ctr"/>
             <a:r>
-              <a:rPr lang="en-US" sz="1524" dirty="0"/>
+              <a:rPr lang="en-US" sz="1600" b="1" dirty="0">
+                <a:latin typeface="TH Sarabun New" panose="020B0500040200020003" pitchFamily="34" charset="-34"/>
+                <a:cs typeface="TH Sarabun New" panose="020B0500040200020003" pitchFamily="34" charset="-34"/>
+              </a:rPr>
               <a:t>AM2315</a:t>
             </a:r>
-          </a:p>
-        </p:txBody>
-      </p:sp>
-      <p:cxnSp>
-        <p:nvCxnSpPr>
-          <p:cNvPr id="18" name="Straight Arrow Connector 17">
-            <a:extLst>
-              <a:ext uri="{FF2B5EF4-FFF2-40B4-BE49-F238E27FC236}">
-                <a16:creationId xmlns:a16="http://schemas.microsoft.com/office/drawing/2014/main" id="{C0FDFB18-167F-427B-962D-5E5088558D67}"/>
-              </a:ext>
-            </a:extLst>
-          </p:cNvPr>
-          <p:cNvCxnSpPr/>
-          <p:nvPr/>
-        </p:nvCxnSpPr>
-        <p:spPr>
-          <a:xfrm>
-            <a:off x="4589784" y="7783249"/>
-            <a:ext cx="0" cy="315993"/>
-          </a:xfrm>
-          <a:prstGeom prst="straightConnector1">
-            <a:avLst/>
-          </a:prstGeom>
-          <a:ln>
-            <a:tailEnd type="triangle"/>
-          </a:ln>
-        </p:spPr>
-        <p:style>
-          <a:lnRef idx="3">
-            <a:schemeClr val="dk1"/>
-          </a:lnRef>
-          <a:fillRef idx="0">
-            <a:schemeClr val="dk1"/>
-          </a:fillRef>
-          <a:effectRef idx="2">
-            <a:schemeClr val="dk1"/>
-          </a:effectRef>
-          <a:fontRef idx="minor">
-            <a:schemeClr val="tx1"/>
-          </a:fontRef>
-        </p:style>
-      </p:cxnSp>
-      <p:cxnSp>
-        <p:nvCxnSpPr>
-          <p:cNvPr id="19" name="Straight Arrow Connector 18">
-            <a:extLst>
-              <a:ext uri="{FF2B5EF4-FFF2-40B4-BE49-F238E27FC236}">
-                <a16:creationId xmlns:a16="http://schemas.microsoft.com/office/drawing/2014/main" id="{3C953ACA-E8D4-42CF-81B7-F661D00A7E26}"/>
-              </a:ext>
-            </a:extLst>
-          </p:cNvPr>
-          <p:cNvCxnSpPr/>
-          <p:nvPr/>
-        </p:nvCxnSpPr>
-        <p:spPr>
-          <a:xfrm>
-            <a:off x="5506160" y="7783249"/>
-            <a:ext cx="0" cy="315993"/>
-          </a:xfrm>
-          <a:prstGeom prst="straightConnector1">
-            <a:avLst/>
-          </a:prstGeom>
-          <a:ln>
-            <a:tailEnd type="triangle"/>
-          </a:ln>
-        </p:spPr>
-        <p:style>
-          <a:lnRef idx="3">
-            <a:schemeClr val="dk1"/>
-          </a:lnRef>
-          <a:fillRef idx="0">
-            <a:schemeClr val="dk1"/>
-          </a:fillRef>
-          <a:effectRef idx="2">
-            <a:schemeClr val="dk1"/>
-          </a:effectRef>
-          <a:fontRef idx="minor">
-            <a:schemeClr val="tx1"/>
-          </a:fontRef>
-        </p:style>
-      </p:cxnSp>
+            <a:endParaRPr lang="th-TH" sz="1600" b="1" dirty="0">
+              <a:latin typeface="TH Sarabun New" panose="020B0500040200020003" pitchFamily="34" charset="-34"/>
+              <a:cs typeface="TH Sarabun New" panose="020B0500040200020003" pitchFamily="34" charset="-34"/>
+            </a:endParaRPr>
+          </a:p>
+          <a:p>
+            <a:pPr algn="ctr"/>
+            <a:r>
+              <a:rPr lang="th-TH" sz="1600" b="1" dirty="0">
+                <a:latin typeface="TH Sarabun New" panose="020B0500040200020003" pitchFamily="34" charset="-34"/>
+                <a:cs typeface="TH Sarabun New" panose="020B0500040200020003" pitchFamily="34" charset="-34"/>
+              </a:rPr>
+              <a:t>(วัดอุณหภูมิและความชื้น)</a:t>
+            </a:r>
+            <a:endParaRPr lang="en-US" sz="1600" b="1" dirty="0">
+              <a:latin typeface="TH Sarabun New" panose="020B0500040200020003" pitchFamily="34" charset="-34"/>
+              <a:cs typeface="TH Sarabun New" panose="020B0500040200020003" pitchFamily="34" charset="-34"/>
+            </a:endParaRPr>
+          </a:p>
+        </p:txBody>
+      </p:sp>
       <p:sp>
         <p:nvSpPr>
           <p:cNvPr id="22" name="Rectangle 21">
@@ -3344,7 +3234,7 @@
         </p:nvSpPr>
         <p:spPr>
           <a:xfrm>
-            <a:off x="6406101" y="6171687"/>
+            <a:off x="6199918" y="7230586"/>
             <a:ext cx="1204679" cy="647784"/>
           </a:xfrm>
           <a:prstGeom prst="rect">
@@ -3371,9 +3261,40 @@
           <a:p>
             <a:pPr algn="ctr"/>
             <a:r>
-              <a:rPr lang="en-US" sz="1524" dirty="0"/>
-              <a:t>LCD Display I2C</a:t>
-            </a:r>
+              <a:rPr lang="en-US" sz="1600" b="1" dirty="0">
+                <a:latin typeface="TH Sarabun New" panose="020B0500040200020003" pitchFamily="34" charset="-34"/>
+                <a:cs typeface="TH Sarabun New" panose="020B0500040200020003" pitchFamily="34" charset="-34"/>
+              </a:rPr>
+              <a:t>LCD </a:t>
+            </a:r>
+            <a:r>
+              <a:rPr lang="th-TH" sz="1600" b="1" dirty="0">
+                <a:latin typeface="TH Sarabun New" panose="020B0500040200020003" pitchFamily="34" charset="-34"/>
+                <a:cs typeface="TH Sarabun New" panose="020B0500040200020003" pitchFamily="34" charset="-34"/>
+              </a:rPr>
+              <a:t>16</a:t>
+            </a:r>
+            <a:r>
+              <a:rPr lang="en-US" sz="1600" b="1" dirty="0">
+                <a:latin typeface="TH Sarabun New" panose="020B0500040200020003" pitchFamily="34" charset="-34"/>
+                <a:cs typeface="TH Sarabun New" panose="020B0500040200020003" pitchFamily="34" charset="-34"/>
+              </a:rPr>
+              <a:t>X2</a:t>
+            </a:r>
+          </a:p>
+          <a:p>
+            <a:pPr algn="ctr"/>
+            <a:r>
+              <a:rPr lang="th-TH" sz="1600" b="1" dirty="0">
+                <a:latin typeface="TH Sarabun New" panose="020B0500040200020003" pitchFamily="34" charset="-34"/>
+                <a:cs typeface="TH Sarabun New" panose="020B0500040200020003" pitchFamily="34" charset="-34"/>
+              </a:rPr>
+              <a:t>(แสดงผล)</a:t>
+            </a:r>
+            <a:endParaRPr lang="en-US" sz="1600" b="1" dirty="0">
+              <a:latin typeface="TH Sarabun New" panose="020B0500040200020003" pitchFamily="34" charset="-34"/>
+              <a:cs typeface="TH Sarabun New" panose="020B0500040200020003" pitchFamily="34" charset="-34"/>
+            </a:endParaRPr>
           </a:p>
         </p:txBody>
       </p:sp>
@@ -3391,8 +3312,8 @@
         </p:nvSpPr>
         <p:spPr>
           <a:xfrm>
-            <a:off x="1844603" y="6057143"/>
-            <a:ext cx="1204719" cy="876879"/>
+            <a:off x="3642836" y="5008212"/>
+            <a:ext cx="1596028" cy="647784"/>
           </a:xfrm>
           <a:prstGeom prst="rect">
             <a:avLst/>
@@ -3418,56 +3339,33 @@
           <a:p>
             <a:pPr algn="ctr"/>
             <a:r>
-              <a:rPr lang="en-US" sz="1524" dirty="0"/>
-              <a:t>Windows Application (VB.NET)</a:t>
-            </a:r>
-          </a:p>
-        </p:txBody>
-      </p:sp>
-      <p:cxnSp>
-        <p:nvCxnSpPr>
-          <p:cNvPr id="30" name="Straight Arrow Connector 29">
-            <a:extLst>
-              <a:ext uri="{FF2B5EF4-FFF2-40B4-BE49-F238E27FC236}">
-                <a16:creationId xmlns:a16="http://schemas.microsoft.com/office/drawing/2014/main" id="{B52899F8-CC26-4C82-9ABC-0090F0ED10A5}"/>
-              </a:ext>
-            </a:extLst>
-          </p:cNvPr>
-          <p:cNvCxnSpPr>
-            <a:cxnSpLocks/>
-            <a:stCxn id="7" idx="1"/>
-            <a:endCxn id="28" idx="3"/>
-          </p:cNvCxnSpPr>
-          <p:nvPr/>
-        </p:nvCxnSpPr>
-        <p:spPr>
-          <a:xfrm flipH="1">
-            <a:off x="3049323" y="6495579"/>
-            <a:ext cx="1121775" cy="0"/>
-          </a:xfrm>
-          <a:prstGeom prst="straightConnector1">
-            <a:avLst/>
-          </a:prstGeom>
-          <a:ln>
-            <a:headEnd type="triangle"/>
-            <a:tailEnd type="triangle"/>
-          </a:ln>
-        </p:spPr>
-        <p:style>
-          <a:lnRef idx="3">
-            <a:schemeClr val="dk1"/>
-          </a:lnRef>
-          <a:fillRef idx="0">
-            <a:schemeClr val="dk1"/>
-          </a:fillRef>
-          <a:effectRef idx="2">
-            <a:schemeClr val="dk1"/>
-          </a:effectRef>
-          <a:fontRef idx="minor">
-            <a:schemeClr val="tx1"/>
-          </a:fontRef>
-        </p:style>
-      </p:cxnSp>
+              <a:rPr lang="en-US" sz="1600" b="1" dirty="0">
+                <a:latin typeface="TH Sarabun New" panose="020B0500040200020003" pitchFamily="34" charset="-34"/>
+                <a:cs typeface="TH Sarabun New" panose="020B0500040200020003" pitchFamily="34" charset="-34"/>
+              </a:rPr>
+              <a:t>Windows Application</a:t>
+            </a:r>
+            <a:endParaRPr lang="th-TH" sz="1600" b="1" dirty="0">
+              <a:latin typeface="TH Sarabun New" panose="020B0500040200020003" pitchFamily="34" charset="-34"/>
+              <a:cs typeface="TH Sarabun New" panose="020B0500040200020003" pitchFamily="34" charset="-34"/>
+            </a:endParaRPr>
+          </a:p>
+          <a:p>
+            <a:pPr algn="ctr"/>
+            <a:r>
+              <a:rPr lang="th-TH" sz="1600" b="1" dirty="0">
+                <a:latin typeface="TH Sarabun New" panose="020B0500040200020003" pitchFamily="34" charset="-34"/>
+                <a:cs typeface="TH Sarabun New" panose="020B0500040200020003" pitchFamily="34" charset="-34"/>
+              </a:rPr>
+              <a:t>(วินโดว์แอปพลิเคชัน)</a:t>
+            </a:r>
+            <a:endParaRPr lang="en-US" sz="1600" b="1" dirty="0">
+              <a:latin typeface="TH Sarabun New" panose="020B0500040200020003" pitchFamily="34" charset="-34"/>
+              <a:cs typeface="TH Sarabun New" panose="020B0500040200020003" pitchFamily="34" charset="-34"/>
+            </a:endParaRPr>
+          </a:p>
+        </p:txBody>
+      </p:sp>
       <p:sp>
         <p:nvSpPr>
           <p:cNvPr id="36" name="Rectangle 35">
@@ -3482,8 +3380,8 @@
         </p:nvSpPr>
         <p:spPr>
           <a:xfrm>
-            <a:off x="4171088" y="7135464"/>
-            <a:ext cx="1682657" cy="647784"/>
+            <a:off x="6199919" y="6117591"/>
+            <a:ext cx="1204678" cy="647784"/>
           </a:xfrm>
           <a:prstGeom prst="rect">
             <a:avLst/>
@@ -3509,98 +3407,33 @@
           <a:p>
             <a:pPr algn="ctr"/>
             <a:r>
-              <a:rPr lang="en-US" sz="1524" dirty="0"/>
+              <a:rPr lang="en-US" sz="1600" b="1" dirty="0">
+                <a:latin typeface="TH Sarabun New" panose="020B0500040200020003" pitchFamily="34" charset="-34"/>
+                <a:cs typeface="TH Sarabun New" panose="020B0500040200020003" pitchFamily="34" charset="-34"/>
+              </a:rPr>
               <a:t>Relay</a:t>
             </a:r>
-          </a:p>
-        </p:txBody>
-      </p:sp>
-      <p:cxnSp>
-        <p:nvCxnSpPr>
-          <p:cNvPr id="37" name="Straight Arrow Connector 36">
-            <a:extLst>
-              <a:ext uri="{FF2B5EF4-FFF2-40B4-BE49-F238E27FC236}">
-                <a16:creationId xmlns:a16="http://schemas.microsoft.com/office/drawing/2014/main" id="{206C3C9F-616B-48E7-9E21-77435D2E808A}"/>
-              </a:ext>
-            </a:extLst>
-          </p:cNvPr>
-          <p:cNvCxnSpPr>
-            <a:cxnSpLocks/>
-            <a:stCxn id="7" idx="2"/>
-            <a:endCxn id="36" idx="0"/>
-          </p:cNvCxnSpPr>
-          <p:nvPr/>
-        </p:nvCxnSpPr>
-        <p:spPr>
-          <a:xfrm flipH="1">
-            <a:off x="5012414" y="6819473"/>
-            <a:ext cx="10" cy="315993"/>
-          </a:xfrm>
-          <a:prstGeom prst="straightConnector1">
-            <a:avLst/>
-          </a:prstGeom>
-          <a:ln>
-            <a:tailEnd type="triangle"/>
-          </a:ln>
-        </p:spPr>
-        <p:style>
-          <a:lnRef idx="3">
-            <a:schemeClr val="dk1"/>
-          </a:lnRef>
-          <a:fillRef idx="0">
-            <a:schemeClr val="dk1"/>
-          </a:fillRef>
-          <a:effectRef idx="2">
-            <a:schemeClr val="dk1"/>
-          </a:effectRef>
-          <a:fontRef idx="minor">
-            <a:schemeClr val="tx1"/>
-          </a:fontRef>
-        </p:style>
-      </p:cxnSp>
-      <p:cxnSp>
-        <p:nvCxnSpPr>
-          <p:cNvPr id="48" name="Straight Arrow Connector 47">
-            <a:extLst>
-              <a:ext uri="{FF2B5EF4-FFF2-40B4-BE49-F238E27FC236}">
-                <a16:creationId xmlns:a16="http://schemas.microsoft.com/office/drawing/2014/main" id="{D3DDE2B4-FF53-4AED-8445-7E008C3F997A}"/>
-              </a:ext>
-            </a:extLst>
-          </p:cNvPr>
-          <p:cNvCxnSpPr>
-            <a:cxnSpLocks/>
-            <a:stCxn id="7" idx="3"/>
-            <a:endCxn id="22" idx="1"/>
-          </p:cNvCxnSpPr>
-          <p:nvPr/>
-        </p:nvCxnSpPr>
-        <p:spPr>
-          <a:xfrm flipV="1">
-            <a:off x="5853755" y="6495582"/>
-            <a:ext cx="552347" cy="1"/>
-          </a:xfrm>
-          <a:prstGeom prst="straightConnector1">
-            <a:avLst/>
-          </a:prstGeom>
-          <a:ln>
-            <a:tailEnd type="triangle"/>
-          </a:ln>
-        </p:spPr>
-        <p:style>
-          <a:lnRef idx="3">
-            <a:schemeClr val="dk1"/>
-          </a:lnRef>
-          <a:fillRef idx="0">
-            <a:schemeClr val="dk1"/>
-          </a:fillRef>
-          <a:effectRef idx="2">
-            <a:schemeClr val="dk1"/>
-          </a:effectRef>
-          <a:fontRef idx="minor">
-            <a:schemeClr val="tx1"/>
-          </a:fontRef>
-        </p:style>
-      </p:cxnSp>
+            <a:endParaRPr lang="th-TH" sz="1600" b="1" dirty="0">
+              <a:latin typeface="TH Sarabun New" panose="020B0500040200020003" pitchFamily="34" charset="-34"/>
+              <a:cs typeface="TH Sarabun New" panose="020B0500040200020003" pitchFamily="34" charset="-34"/>
+            </a:endParaRPr>
+          </a:p>
+          <a:p>
+            <a:pPr algn="ctr"/>
+            <a:r>
+              <a:rPr lang="th-TH" sz="1600" b="1" dirty="0">
+                <a:latin typeface="TH Sarabun New" panose="020B0500040200020003" pitchFamily="34" charset="-34"/>
+                <a:cs typeface="TH Sarabun New" panose="020B0500040200020003" pitchFamily="34" charset="-34"/>
+              </a:rPr>
+              <a:t>(รีเลย์)</a:t>
+            </a:r>
+            <a:endParaRPr lang="en-US" sz="1600" b="1" dirty="0">
+              <a:latin typeface="TH Sarabun New" panose="020B0500040200020003" pitchFamily="34" charset="-34"/>
+              <a:cs typeface="TH Sarabun New" panose="020B0500040200020003" pitchFamily="34" charset="-34"/>
+            </a:endParaRPr>
+          </a:p>
+        </p:txBody>
+      </p:sp>
       <p:sp>
         <p:nvSpPr>
           <p:cNvPr id="54" name="Rectangle 53">
@@ -3615,8 +3448,8 @@
         </p:nvSpPr>
         <p:spPr>
           <a:xfrm>
-            <a:off x="9260839" y="7115817"/>
-            <a:ext cx="1682657" cy="647784"/>
+            <a:off x="8918241" y="7228531"/>
+            <a:ext cx="1596028" cy="647784"/>
           </a:xfrm>
           <a:prstGeom prst="rect">
             <a:avLst/>
@@ -3642,9 +3475,30 @@
           <a:p>
             <a:pPr algn="ctr"/>
             <a:r>
-              <a:rPr lang="en-US" sz="1524" dirty="0"/>
+              <a:rPr lang="en-US" sz="1600" b="1" dirty="0">
+                <a:latin typeface="TH Sarabun New" panose="020B0500040200020003" pitchFamily="34" charset="-34"/>
+                <a:cs typeface="TH Sarabun New" panose="020B0500040200020003" pitchFamily="34" charset="-34"/>
+              </a:rPr>
               <a:t>ESP32LoRa</a:t>
             </a:r>
+            <a:endParaRPr lang="th-TH" sz="1600" b="1" dirty="0">
+              <a:latin typeface="TH Sarabun New" panose="020B0500040200020003" pitchFamily="34" charset="-34"/>
+              <a:cs typeface="TH Sarabun New" panose="020B0500040200020003" pitchFamily="34" charset="-34"/>
+            </a:endParaRPr>
+          </a:p>
+          <a:p>
+            <a:pPr algn="ctr"/>
+            <a:r>
+              <a:rPr lang="th-TH" sz="1600" b="1" dirty="0">
+                <a:latin typeface="TH Sarabun New" panose="020B0500040200020003" pitchFamily="34" charset="-34"/>
+                <a:cs typeface="TH Sarabun New" panose="020B0500040200020003" pitchFamily="34" charset="-34"/>
+              </a:rPr>
+              <a:t>(ไมโครคอนโทรลเลอร์)</a:t>
+            </a:r>
+            <a:endParaRPr lang="en-US" sz="1600" b="1" dirty="0">
+              <a:latin typeface="TH Sarabun New" panose="020B0500040200020003" pitchFamily="34" charset="-34"/>
+              <a:cs typeface="TH Sarabun New" panose="020B0500040200020003" pitchFamily="34" charset="-34"/>
+            </a:endParaRPr>
           </a:p>
         </p:txBody>
       </p:sp>
@@ -3662,8 +3516,8 @@
         </p:nvSpPr>
         <p:spPr>
           <a:xfrm>
-            <a:off x="1658970" y="5004879"/>
-            <a:ext cx="1951240" cy="405047"/>
+            <a:off x="800100" y="4480889"/>
+            <a:ext cx="1531188" cy="400110"/>
           </a:xfrm>
           <a:prstGeom prst="rect">
             <a:avLst/>
@@ -3677,7 +3531,10 @@
           <a:lstStyle/>
           <a:p>
             <a:r>
-              <a:rPr lang="en-US" sz="2032" dirty="0"/>
+              <a:rPr lang="en-US" sz="2000" b="1" dirty="0">
+                <a:latin typeface="TH Sarabun New" panose="020B0500040200020003" pitchFamily="34" charset="-34"/>
+                <a:cs typeface="TH Sarabun New" panose="020B0500040200020003" pitchFamily="34" charset="-34"/>
+              </a:rPr>
               <a:t>Mushroom Farm</a:t>
             </a:r>
           </a:p>
@@ -3697,8 +3554,8 @@
         </p:nvSpPr>
         <p:spPr>
           <a:xfrm>
-            <a:off x="10686217" y="6123911"/>
-            <a:ext cx="1682657" cy="647784"/>
+            <a:off x="10211649" y="6123911"/>
+            <a:ext cx="1385480" cy="647784"/>
           </a:xfrm>
           <a:prstGeom prst="rect">
             <a:avLst/>
@@ -3724,98 +3581,33 @@
           <a:p>
             <a:pPr algn="ctr"/>
             <a:r>
-              <a:rPr lang="en-US" sz="1524" dirty="0"/>
+              <a:rPr lang="en-US" sz="1600" b="1" dirty="0">
+                <a:latin typeface="TH Sarabun New" panose="020B0500040200020003" pitchFamily="34" charset="-34"/>
+                <a:cs typeface="TH Sarabun New" panose="020B0500040200020003" pitchFamily="34" charset="-34"/>
+              </a:rPr>
               <a:t>Access Point</a:t>
             </a:r>
-          </a:p>
-        </p:txBody>
-      </p:sp>
-      <p:cxnSp>
-        <p:nvCxnSpPr>
-          <p:cNvPr id="23" name="Connector: Elbow 22">
-            <a:extLst>
-              <a:ext uri="{FF2B5EF4-FFF2-40B4-BE49-F238E27FC236}">
-                <a16:creationId xmlns:a16="http://schemas.microsoft.com/office/drawing/2014/main" id="{B2100AC2-8083-4765-8B16-89A76BADF453}"/>
-              </a:ext>
-            </a:extLst>
-          </p:cNvPr>
-          <p:cNvCxnSpPr>
-            <a:cxnSpLocks/>
-            <a:stCxn id="54" idx="0"/>
-            <a:endCxn id="10" idx="1"/>
-          </p:cNvCxnSpPr>
-          <p:nvPr/>
-        </p:nvCxnSpPr>
-        <p:spPr>
-          <a:xfrm rot="5400000" flipH="1" flipV="1">
-            <a:off x="10060185" y="6489786"/>
-            <a:ext cx="668014" cy="584049"/>
-          </a:xfrm>
-          <a:prstGeom prst="bentConnector2">
-            <a:avLst/>
-          </a:prstGeom>
-          <a:ln>
-            <a:tailEnd type="triangle"/>
-          </a:ln>
-        </p:spPr>
-        <p:style>
-          <a:lnRef idx="3">
-            <a:schemeClr val="dk1"/>
-          </a:lnRef>
-          <a:fillRef idx="0">
-            <a:schemeClr val="dk1"/>
-          </a:fillRef>
-          <a:effectRef idx="2">
-            <a:schemeClr val="dk1"/>
-          </a:effectRef>
-          <a:fontRef idx="minor">
-            <a:schemeClr val="tx1"/>
-          </a:fontRef>
-        </p:style>
-      </p:cxnSp>
-      <p:cxnSp>
-        <p:nvCxnSpPr>
-          <p:cNvPr id="40" name="Connector: Elbow 39">
-            <a:extLst>
-              <a:ext uri="{FF2B5EF4-FFF2-40B4-BE49-F238E27FC236}">
-                <a16:creationId xmlns:a16="http://schemas.microsoft.com/office/drawing/2014/main" id="{365799F3-CFAB-478B-AA0C-60F88235D163}"/>
-              </a:ext>
-            </a:extLst>
-          </p:cNvPr>
-          <p:cNvCxnSpPr>
-            <a:cxnSpLocks/>
-            <a:stCxn id="9" idx="0"/>
-            <a:endCxn id="10" idx="3"/>
-          </p:cNvCxnSpPr>
-          <p:nvPr/>
-        </p:nvCxnSpPr>
-        <p:spPr>
-          <a:xfrm rot="16200000" flipV="1">
-            <a:off x="12253603" y="6563074"/>
-            <a:ext cx="668014" cy="437472"/>
-          </a:xfrm>
-          <a:prstGeom prst="bentConnector2">
-            <a:avLst/>
-          </a:prstGeom>
-          <a:ln>
-            <a:tailEnd type="triangle"/>
-          </a:ln>
-        </p:spPr>
-        <p:style>
-          <a:lnRef idx="3">
-            <a:schemeClr val="dk1"/>
-          </a:lnRef>
-          <a:fillRef idx="0">
-            <a:schemeClr val="dk1"/>
-          </a:fillRef>
-          <a:effectRef idx="2">
-            <a:schemeClr val="dk1"/>
-          </a:effectRef>
-          <a:fontRef idx="minor">
-            <a:schemeClr val="tx1"/>
-          </a:fontRef>
-        </p:style>
-      </p:cxnSp>
+            <a:endParaRPr lang="th-TH" sz="1600" b="1" dirty="0">
+              <a:latin typeface="TH Sarabun New" panose="020B0500040200020003" pitchFamily="34" charset="-34"/>
+              <a:cs typeface="TH Sarabun New" panose="020B0500040200020003" pitchFamily="34" charset="-34"/>
+            </a:endParaRPr>
+          </a:p>
+          <a:p>
+            <a:pPr algn="ctr"/>
+            <a:r>
+              <a:rPr lang="th-TH" sz="1600" b="1" dirty="0">
+                <a:latin typeface="TH Sarabun New" panose="020B0500040200020003" pitchFamily="34" charset="-34"/>
+                <a:cs typeface="TH Sarabun New" panose="020B0500040200020003" pitchFamily="34" charset="-34"/>
+              </a:rPr>
+              <a:t>(แอคเซสพอยต์)</a:t>
+            </a:r>
+            <a:endParaRPr lang="en-US" sz="1600" b="1" dirty="0">
+              <a:latin typeface="TH Sarabun New" panose="020B0500040200020003" pitchFamily="34" charset="-34"/>
+              <a:cs typeface="TH Sarabun New" panose="020B0500040200020003" pitchFamily="34" charset="-34"/>
+            </a:endParaRPr>
+          </a:p>
+        </p:txBody>
+      </p:sp>
       <p:sp>
         <p:nvSpPr>
           <p:cNvPr id="32" name="Rectangle 31">
@@ -3830,8 +3622,8 @@
         </p:nvSpPr>
         <p:spPr>
           <a:xfrm>
-            <a:off x="10274887" y="8300036"/>
-            <a:ext cx="1151697" cy="647784"/>
+            <a:off x="9887850" y="8374271"/>
+            <a:ext cx="1602599" cy="647784"/>
           </a:xfrm>
           <a:prstGeom prst="rect">
             <a:avLst/>
@@ -3857,9 +3649,30 @@
           <a:p>
             <a:pPr algn="ctr"/>
             <a:r>
-              <a:rPr lang="en-US" sz="1524" dirty="0"/>
-              <a:t>Web Server</a:t>
-            </a:r>
+              <a:rPr lang="en-US" sz="1600" b="1" dirty="0">
+                <a:latin typeface="TH Sarabun New" panose="020B0500040200020003" pitchFamily="34" charset="-34"/>
+                <a:cs typeface="TH Sarabun New" panose="020B0500040200020003" pitchFamily="34" charset="-34"/>
+              </a:rPr>
+              <a:t>Web Application</a:t>
+            </a:r>
+            <a:endParaRPr lang="th-TH" sz="1600" b="1" dirty="0">
+              <a:latin typeface="TH Sarabun New" panose="020B0500040200020003" pitchFamily="34" charset="-34"/>
+              <a:cs typeface="TH Sarabun New" panose="020B0500040200020003" pitchFamily="34" charset="-34"/>
+            </a:endParaRPr>
+          </a:p>
+          <a:p>
+            <a:pPr algn="ctr"/>
+            <a:r>
+              <a:rPr lang="th-TH" sz="1600" b="1" dirty="0">
+                <a:latin typeface="TH Sarabun New" panose="020B0500040200020003" pitchFamily="34" charset="-34"/>
+                <a:cs typeface="TH Sarabun New" panose="020B0500040200020003" pitchFamily="34" charset="-34"/>
+              </a:rPr>
+              <a:t>(เว็บแอปพลิเคชัน)</a:t>
+            </a:r>
+            <a:endParaRPr lang="en-US" sz="1600" b="1" dirty="0">
+              <a:latin typeface="TH Sarabun New" panose="020B0500040200020003" pitchFamily="34" charset="-34"/>
+              <a:cs typeface="TH Sarabun New" panose="020B0500040200020003" pitchFamily="34" charset="-34"/>
+            </a:endParaRPr>
           </a:p>
         </p:txBody>
       </p:sp>
@@ -3877,7 +3690,7 @@
         </p:nvSpPr>
         <p:spPr>
           <a:xfrm>
-            <a:off x="12368874" y="8291999"/>
+            <a:off x="11834935" y="8374614"/>
             <a:ext cx="926843" cy="647784"/>
           </a:xfrm>
           <a:prstGeom prst="rect">
@@ -3904,16 +3717,30 @@
           <a:p>
             <a:pPr algn="ctr"/>
             <a:r>
-              <a:rPr lang="en-US" sz="1524" dirty="0"/>
+              <a:rPr lang="en-US" sz="1600" b="1" dirty="0">
+                <a:latin typeface="TH Sarabun New" panose="020B0500040200020003" pitchFamily="34" charset="-34"/>
+                <a:cs typeface="TH Sarabun New" panose="020B0500040200020003" pitchFamily="34" charset="-34"/>
+              </a:rPr>
               <a:t>Database</a:t>
             </a:r>
+            <a:endParaRPr lang="th-TH" sz="1600" b="1" dirty="0">
+              <a:latin typeface="TH Sarabun New" panose="020B0500040200020003" pitchFamily="34" charset="-34"/>
+              <a:cs typeface="TH Sarabun New" panose="020B0500040200020003" pitchFamily="34" charset="-34"/>
+            </a:endParaRPr>
           </a:p>
           <a:p>
             <a:pPr algn="ctr"/>
             <a:r>
-              <a:rPr lang="en-US" sz="1524" dirty="0"/>
-              <a:t>Server</a:t>
-            </a:r>
+              <a:rPr lang="th-TH" sz="1600" b="1" dirty="0">
+                <a:latin typeface="TH Sarabun New" panose="020B0500040200020003" pitchFamily="34" charset="-34"/>
+                <a:cs typeface="TH Sarabun New" panose="020B0500040200020003" pitchFamily="34" charset="-34"/>
+              </a:rPr>
+              <a:t>(ฐานข้อมูล)</a:t>
+            </a:r>
+            <a:endParaRPr lang="en-US" sz="1600" b="1" dirty="0">
+              <a:latin typeface="TH Sarabun New" panose="020B0500040200020003" pitchFamily="34" charset="-34"/>
+              <a:cs typeface="TH Sarabun New" panose="020B0500040200020003" pitchFamily="34" charset="-34"/>
+            </a:endParaRPr>
           </a:p>
         </p:txBody>
       </p:sp>
@@ -3931,8 +3758,8 @@
         </p:nvSpPr>
         <p:spPr>
           <a:xfrm>
-            <a:off x="11690697" y="5002517"/>
-            <a:ext cx="1178749" cy="647784"/>
+            <a:off x="11031063" y="5002517"/>
+            <a:ext cx="1284799" cy="647784"/>
           </a:xfrm>
           <a:prstGeom prst="rect">
             <a:avLst/>
@@ -3958,9 +3785,30 @@
           <a:p>
             <a:pPr algn="ctr"/>
             <a:r>
-              <a:rPr lang="en-US" sz="1400" dirty="0"/>
-              <a:t>Line Notify Service</a:t>
-            </a:r>
+              <a:rPr lang="en-US" sz="1600" b="1" dirty="0">
+                <a:latin typeface="TH Sarabun New" panose="020B0500040200020003" pitchFamily="34" charset="-34"/>
+                <a:cs typeface="TH Sarabun New" panose="020B0500040200020003" pitchFamily="34" charset="-34"/>
+              </a:rPr>
+              <a:t>Line Notify</a:t>
+            </a:r>
+            <a:endParaRPr lang="th-TH" sz="1600" b="1" dirty="0">
+              <a:latin typeface="TH Sarabun New" panose="020B0500040200020003" pitchFamily="34" charset="-34"/>
+              <a:cs typeface="TH Sarabun New" panose="020B0500040200020003" pitchFamily="34" charset="-34"/>
+            </a:endParaRPr>
+          </a:p>
+          <a:p>
+            <a:pPr algn="ctr"/>
+            <a:r>
+              <a:rPr lang="th-TH" sz="1600" b="1" dirty="0">
+                <a:latin typeface="TH Sarabun New" panose="020B0500040200020003" pitchFamily="34" charset="-34"/>
+                <a:cs typeface="TH Sarabun New" panose="020B0500040200020003" pitchFamily="34" charset="-34"/>
+              </a:rPr>
+              <a:t>(แจ้งเตือน)</a:t>
+            </a:r>
+            <a:endParaRPr lang="en-US" sz="1600" b="1" dirty="0">
+              <a:latin typeface="TH Sarabun New" panose="020B0500040200020003" pitchFamily="34" charset="-34"/>
+              <a:cs typeface="TH Sarabun New" panose="020B0500040200020003" pitchFamily="34" charset="-34"/>
+            </a:endParaRPr>
           </a:p>
         </p:txBody>
       </p:sp>
@@ -3978,8 +3826,8 @@
         </p:nvSpPr>
         <p:spPr>
           <a:xfrm>
-            <a:off x="10152822" y="5002517"/>
-            <a:ext cx="1178749" cy="647784"/>
+            <a:off x="9493188" y="5002517"/>
+            <a:ext cx="1284799" cy="647784"/>
           </a:xfrm>
           <a:prstGeom prst="rect">
             <a:avLst/>
@@ -4005,344 +3853,43 @@
           <a:p>
             <a:pPr algn="ctr"/>
             <a:r>
-              <a:rPr lang="en-US" sz="1524" dirty="0" err="1"/>
-              <a:t>ngrok</a:t>
-            </a:r>
-            <a:endParaRPr lang="en-US" sz="1524" dirty="0"/>
-          </a:p>
-        </p:txBody>
-      </p:sp>
-      <p:sp>
-        <p:nvSpPr>
-          <p:cNvPr id="12" name="Rectangle 11">
-            <a:extLst>
-              <a:ext uri="{FF2B5EF4-FFF2-40B4-BE49-F238E27FC236}">
-                <a16:creationId xmlns:a16="http://schemas.microsoft.com/office/drawing/2014/main" id="{6475ED32-6C7B-43D9-ABA6-A7F28D4AF071}"/>
-              </a:ext>
-            </a:extLst>
-          </p:cNvPr>
-          <p:cNvSpPr/>
-          <p:nvPr/>
-        </p:nvSpPr>
-        <p:spPr>
-          <a:xfrm>
-            <a:off x="8871839" y="8300036"/>
-            <a:ext cx="1204719" cy="652755"/>
-          </a:xfrm>
-          <a:prstGeom prst="rect">
-            <a:avLst/>
-          </a:prstGeom>
-        </p:spPr>
-        <p:style>
-          <a:lnRef idx="2">
-            <a:schemeClr val="dk1"/>
-          </a:lnRef>
-          <a:fillRef idx="1">
-            <a:schemeClr val="lt1"/>
-          </a:fillRef>
-          <a:effectRef idx="0">
-            <a:schemeClr val="dk1"/>
-          </a:effectRef>
-          <a:fontRef idx="minor">
-            <a:schemeClr val="dk1"/>
-          </a:fontRef>
-        </p:style>
-        <p:txBody>
-          <a:bodyPr rtlCol="0" anchor="ctr"/>
-          <a:lstStyle/>
+              <a:rPr lang="en-US" sz="1600" b="1" dirty="0">
+                <a:latin typeface="TH Sarabun New" panose="020B0500040200020003" pitchFamily="34" charset="-34"/>
+                <a:cs typeface="TH Sarabun New" panose="020B0500040200020003" pitchFamily="34" charset="-34"/>
+              </a:rPr>
+              <a:t>NGROK</a:t>
+            </a:r>
+          </a:p>
           <a:p>
             <a:pPr algn="ctr"/>
             <a:r>
-              <a:rPr lang="en-US" sz="1524" dirty="0"/>
-              <a:t>Windows Application (VB.NET)</a:t>
-            </a:r>
-          </a:p>
-        </p:txBody>
-      </p:sp>
-      <p:cxnSp>
-        <p:nvCxnSpPr>
-          <p:cNvPr id="4" name="Straight Arrow Connector 3">
-            <a:extLst>
-              <a:ext uri="{FF2B5EF4-FFF2-40B4-BE49-F238E27FC236}">
-                <a16:creationId xmlns:a16="http://schemas.microsoft.com/office/drawing/2014/main" id="{9F0D6504-9F09-4A96-B476-41504ECAFCFC}"/>
-              </a:ext>
-            </a:extLst>
-          </p:cNvPr>
-          <p:cNvCxnSpPr>
-            <a:cxnSpLocks/>
-          </p:cNvCxnSpPr>
-          <p:nvPr/>
-        </p:nvCxnSpPr>
-        <p:spPr>
-          <a:xfrm>
-            <a:off x="9535158" y="7763601"/>
-            <a:ext cx="1" cy="536435"/>
-          </a:xfrm>
-          <a:prstGeom prst="straightConnector1">
-            <a:avLst/>
-          </a:prstGeom>
-          <a:ln>
-            <a:headEnd type="triangle"/>
-            <a:tailEnd type="triangle"/>
-          </a:ln>
-        </p:spPr>
-        <p:style>
-          <a:lnRef idx="3">
-            <a:schemeClr val="dk1"/>
-          </a:lnRef>
-          <a:fillRef idx="0">
-            <a:schemeClr val="dk1"/>
-          </a:fillRef>
-          <a:effectRef idx="2">
-            <a:schemeClr val="dk1"/>
-          </a:effectRef>
-          <a:fontRef idx="minor">
-            <a:schemeClr val="tx1"/>
-          </a:fontRef>
-        </p:style>
-      </p:cxnSp>
-      <p:cxnSp>
-        <p:nvCxnSpPr>
-          <p:cNvPr id="41" name="Straight Arrow Connector 40">
-            <a:extLst>
-              <a:ext uri="{FF2B5EF4-FFF2-40B4-BE49-F238E27FC236}">
-                <a16:creationId xmlns:a16="http://schemas.microsoft.com/office/drawing/2014/main" id="{75B056AC-6211-4AC6-B8F4-75BA3E9E7D9E}"/>
-              </a:ext>
-            </a:extLst>
-          </p:cNvPr>
-          <p:cNvCxnSpPr/>
-          <p:nvPr/>
-        </p:nvCxnSpPr>
-        <p:spPr>
-          <a:xfrm>
-            <a:off x="10709410" y="7763601"/>
-            <a:ext cx="1" cy="536435"/>
-          </a:xfrm>
-          <a:prstGeom prst="straightConnector1">
-            <a:avLst/>
-          </a:prstGeom>
-          <a:ln>
-            <a:headEnd type="triangle"/>
-            <a:tailEnd type="none"/>
-          </a:ln>
-        </p:spPr>
-        <p:style>
-          <a:lnRef idx="3">
-            <a:schemeClr val="dk1"/>
-          </a:lnRef>
-          <a:fillRef idx="0">
-            <a:schemeClr val="dk1"/>
-          </a:fillRef>
-          <a:effectRef idx="2">
-            <a:schemeClr val="dk1"/>
-          </a:effectRef>
-          <a:fontRef idx="minor">
-            <a:schemeClr val="tx1"/>
-          </a:fontRef>
-        </p:style>
-      </p:cxnSp>
-      <p:cxnSp>
-        <p:nvCxnSpPr>
-          <p:cNvPr id="42" name="Straight Arrow Connector 41">
-            <a:extLst>
-              <a:ext uri="{FF2B5EF4-FFF2-40B4-BE49-F238E27FC236}">
-                <a16:creationId xmlns:a16="http://schemas.microsoft.com/office/drawing/2014/main" id="{74FAC840-706E-4B3F-AA02-A22372A03E19}"/>
-              </a:ext>
-            </a:extLst>
-          </p:cNvPr>
-          <p:cNvCxnSpPr/>
-          <p:nvPr/>
-        </p:nvCxnSpPr>
-        <p:spPr>
-          <a:xfrm>
-            <a:off x="12832921" y="7763601"/>
-            <a:ext cx="1" cy="536435"/>
-          </a:xfrm>
-          <a:prstGeom prst="straightConnector1">
-            <a:avLst/>
-          </a:prstGeom>
-          <a:ln>
-            <a:headEnd type="triangle"/>
-            <a:tailEnd type="none"/>
-          </a:ln>
-        </p:spPr>
-        <p:style>
-          <a:lnRef idx="3">
-            <a:schemeClr val="dk1"/>
-          </a:lnRef>
-          <a:fillRef idx="0">
-            <a:schemeClr val="dk1"/>
-          </a:fillRef>
-          <a:effectRef idx="2">
-            <a:schemeClr val="dk1"/>
-          </a:effectRef>
-          <a:fontRef idx="minor">
-            <a:schemeClr val="tx1"/>
-          </a:fontRef>
-        </p:style>
-      </p:cxnSp>
-      <p:cxnSp>
-        <p:nvCxnSpPr>
-          <p:cNvPr id="14" name="Straight Arrow Connector 13">
-            <a:extLst>
-              <a:ext uri="{FF2B5EF4-FFF2-40B4-BE49-F238E27FC236}">
-                <a16:creationId xmlns:a16="http://schemas.microsoft.com/office/drawing/2014/main" id="{1CB757E0-6B94-48DA-B3AC-93342AD92CB8}"/>
-              </a:ext>
-            </a:extLst>
-          </p:cNvPr>
-          <p:cNvCxnSpPr>
-            <a:cxnSpLocks/>
-            <a:endCxn id="54" idx="1"/>
-          </p:cNvCxnSpPr>
-          <p:nvPr/>
-        </p:nvCxnSpPr>
-        <p:spPr>
-          <a:xfrm>
-            <a:off x="7791386" y="7439709"/>
-            <a:ext cx="1469453" cy="0"/>
-          </a:xfrm>
-          <a:prstGeom prst="straightConnector1">
-            <a:avLst/>
-          </a:prstGeom>
-          <a:ln>
-            <a:headEnd type="triangle"/>
-            <a:tailEnd type="triangle"/>
-          </a:ln>
-        </p:spPr>
-        <p:style>
-          <a:lnRef idx="3">
-            <a:schemeClr val="dk1"/>
-          </a:lnRef>
-          <a:fillRef idx="0">
-            <a:schemeClr val="dk1"/>
-          </a:fillRef>
-          <a:effectRef idx="2">
-            <a:schemeClr val="dk1"/>
-          </a:effectRef>
-          <a:fontRef idx="minor">
-            <a:schemeClr val="tx1"/>
-          </a:fontRef>
-        </p:style>
-      </p:cxnSp>
-      <p:sp>
-        <p:nvSpPr>
-          <p:cNvPr id="21" name="TextBox 20">
-            <a:extLst>
-              <a:ext uri="{FF2B5EF4-FFF2-40B4-BE49-F238E27FC236}">
-                <a16:creationId xmlns:a16="http://schemas.microsoft.com/office/drawing/2014/main" id="{CCD26AB3-9F72-4A1E-9AD0-5678E988A319}"/>
-              </a:ext>
-            </a:extLst>
-          </p:cNvPr>
-          <p:cNvSpPr txBox="1"/>
-          <p:nvPr/>
-        </p:nvSpPr>
-        <p:spPr>
-          <a:xfrm>
-            <a:off x="8192248" y="7070377"/>
-            <a:ext cx="692818" cy="369332"/>
-          </a:xfrm>
-          <a:prstGeom prst="rect">
-            <a:avLst/>
-          </a:prstGeom>
-          <a:noFill/>
-        </p:spPr>
-        <p:txBody>
-          <a:bodyPr wrap="none" rtlCol="0">
-            <a:spAutoFit/>
-          </a:bodyPr>
-          <a:lstStyle/>
-          <a:p>
-            <a:r>
-              <a:rPr lang="en-US" dirty="0" err="1"/>
-              <a:t>LoRa</a:t>
-            </a:r>
-            <a:r>
-              <a:rPr lang="en-US" dirty="0"/>
-              <a:t> </a:t>
-            </a:r>
-          </a:p>
-        </p:txBody>
-      </p:sp>
-      <p:cxnSp>
-        <p:nvCxnSpPr>
-          <p:cNvPr id="25" name="Straight Arrow Connector 24">
-            <a:extLst>
-              <a:ext uri="{FF2B5EF4-FFF2-40B4-BE49-F238E27FC236}">
-                <a16:creationId xmlns:a16="http://schemas.microsoft.com/office/drawing/2014/main" id="{42DF4713-C6E0-4998-A5D7-511B0102EEEC}"/>
-              </a:ext>
-            </a:extLst>
-          </p:cNvPr>
-          <p:cNvCxnSpPr/>
-          <p:nvPr/>
-        </p:nvCxnSpPr>
-        <p:spPr>
-          <a:xfrm flipV="1">
-            <a:off x="10943496" y="5650301"/>
-            <a:ext cx="0" cy="473610"/>
-          </a:xfrm>
-          <a:prstGeom prst="straightConnector1">
-            <a:avLst/>
-          </a:prstGeom>
-          <a:ln>
-            <a:headEnd type="triangle"/>
-            <a:tailEnd type="triangle"/>
-          </a:ln>
-        </p:spPr>
-        <p:style>
-          <a:lnRef idx="3">
-            <a:schemeClr val="dk1"/>
-          </a:lnRef>
-          <a:fillRef idx="0">
-            <a:schemeClr val="dk1"/>
-          </a:fillRef>
-          <a:effectRef idx="2">
-            <a:schemeClr val="dk1"/>
-          </a:effectRef>
-          <a:fontRef idx="minor">
-            <a:schemeClr val="tx1"/>
-          </a:fontRef>
-        </p:style>
-      </p:cxnSp>
-      <p:cxnSp>
-        <p:nvCxnSpPr>
-          <p:cNvPr id="50" name="Straight Arrow Connector 49">
-            <a:extLst>
-              <a:ext uri="{FF2B5EF4-FFF2-40B4-BE49-F238E27FC236}">
-                <a16:creationId xmlns:a16="http://schemas.microsoft.com/office/drawing/2014/main" id="{63AF0B1C-4215-4BE3-A255-3EBAC1DBCCDC}"/>
-              </a:ext>
-            </a:extLst>
-          </p:cNvPr>
-          <p:cNvCxnSpPr/>
-          <p:nvPr/>
-        </p:nvCxnSpPr>
-        <p:spPr>
-          <a:xfrm flipV="1">
-            <a:off x="12071697" y="5652903"/>
-            <a:ext cx="0" cy="473610"/>
-          </a:xfrm>
-          <a:prstGeom prst="straightConnector1">
-            <a:avLst/>
-          </a:prstGeom>
-          <a:ln>
-            <a:headEnd type="none"/>
-            <a:tailEnd type="triangle"/>
-          </a:ln>
-        </p:spPr>
-        <p:style>
-          <a:lnRef idx="3">
-            <a:schemeClr val="dk1"/>
-          </a:lnRef>
-          <a:fillRef idx="0">
-            <a:schemeClr val="dk1"/>
-          </a:fillRef>
-          <a:effectRef idx="2">
-            <a:schemeClr val="dk1"/>
-          </a:effectRef>
-          <a:fontRef idx="minor">
-            <a:schemeClr val="tx1"/>
-          </a:fontRef>
-        </p:style>
-      </p:cxnSp>
+              <a:rPr lang="th-TH" sz="1600" b="1" dirty="0">
+                <a:latin typeface="TH Sarabun New" panose="020B0500040200020003" pitchFamily="34" charset="-34"/>
+                <a:cs typeface="TH Sarabun New" panose="020B0500040200020003" pitchFamily="34" charset="-34"/>
+              </a:rPr>
+              <a:t>(</a:t>
+            </a:r>
+            <a:r>
+              <a:rPr lang="en-US" sz="1600" b="1" dirty="0">
+                <a:latin typeface="TH Sarabun New" panose="020B0500040200020003" pitchFamily="34" charset="-34"/>
+                <a:cs typeface="TH Sarabun New" panose="020B0500040200020003" pitchFamily="34" charset="-34"/>
+              </a:rPr>
+              <a:t>Forward Port</a:t>
+            </a:r>
+            <a:r>
+              <a:rPr lang="th-TH" sz="1600" b="1" dirty="0">
+                <a:latin typeface="TH Sarabun New" panose="020B0500040200020003" pitchFamily="34" charset="-34"/>
+                <a:cs typeface="TH Sarabun New" panose="020B0500040200020003" pitchFamily="34" charset="-34"/>
+              </a:rPr>
+              <a:t>)</a:t>
+            </a:r>
+            <a:endParaRPr lang="en-US" sz="1600" b="1" dirty="0">
+              <a:latin typeface="TH Sarabun New" panose="020B0500040200020003" pitchFamily="34" charset="-34"/>
+              <a:cs typeface="TH Sarabun New" panose="020B0500040200020003" pitchFamily="34" charset="-34"/>
+            </a:endParaRPr>
+          </a:p>
+        </p:txBody>
+      </p:sp>
       <p:sp>
         <p:nvSpPr>
           <p:cNvPr id="26" name="Rectangle 25">
@@ -4357,8 +3904,8 @@
         </p:nvSpPr>
         <p:spPr>
           <a:xfrm>
-            <a:off x="10152821" y="3881123"/>
-            <a:ext cx="1178749" cy="647784"/>
+            <a:off x="9493187" y="3883714"/>
+            <a:ext cx="1284799" cy="647784"/>
           </a:xfrm>
           <a:prstGeom prst="rect">
             <a:avLst/>
@@ -4384,9 +3931,26 @@
           <a:p>
             <a:pPr algn="ctr"/>
             <a:r>
-              <a:rPr lang="en-US" sz="1524" dirty="0"/>
-              <a:t>Web Client</a:t>
-            </a:r>
+              <a:rPr lang="en-US" sz="1600" b="1" dirty="0">
+                <a:latin typeface="TH Sarabun New" panose="020B0500040200020003" pitchFamily="34" charset="-34"/>
+                <a:cs typeface="TH Sarabun New" panose="020B0500040200020003" pitchFamily="34" charset="-34"/>
+              </a:rPr>
+              <a:t>Web Browser</a:t>
+            </a:r>
+          </a:p>
+          <a:p>
+            <a:pPr algn="ctr"/>
+            <a:r>
+              <a:rPr lang="th-TH" sz="1600" b="1" dirty="0">
+                <a:latin typeface="TH Sarabun New" panose="020B0500040200020003" pitchFamily="34" charset="-34"/>
+                <a:cs typeface="TH Sarabun New" panose="020B0500040200020003" pitchFamily="34" charset="-34"/>
+              </a:rPr>
+              <a:t>(เว็บเบราวด์เซอร์)</a:t>
+            </a:r>
+            <a:endParaRPr lang="en-US" sz="1600" b="1" dirty="0">
+              <a:latin typeface="TH Sarabun New" panose="020B0500040200020003" pitchFamily="34" charset="-34"/>
+              <a:cs typeface="TH Sarabun New" panose="020B0500040200020003" pitchFamily="34" charset="-34"/>
+            </a:endParaRPr>
           </a:p>
         </p:txBody>
       </p:sp>
@@ -4404,8 +3968,8 @@
         </p:nvSpPr>
         <p:spPr>
           <a:xfrm>
-            <a:off x="11690697" y="3881123"/>
-            <a:ext cx="1178749" cy="647784"/>
+            <a:off x="11031064" y="3881123"/>
+            <a:ext cx="1284800" cy="647784"/>
           </a:xfrm>
           <a:prstGeom prst="rect">
             <a:avLst/>
@@ -4431,99 +3995,43 @@
           <a:p>
             <a:pPr algn="ctr"/>
             <a:r>
-              <a:rPr lang="en-US" sz="1524" dirty="0"/>
-              <a:t>Line</a:t>
+              <a:rPr lang="en-US" sz="1600" b="1" dirty="0">
+                <a:latin typeface="TH Sarabun New" panose="020B0500040200020003" pitchFamily="34" charset="-34"/>
+                <a:cs typeface="TH Sarabun New" panose="020B0500040200020003" pitchFamily="34" charset="-34"/>
+              </a:rPr>
+              <a:t>LINE</a:t>
+            </a:r>
+            <a:r>
+              <a:rPr lang="th-TH" sz="1600" b="1" dirty="0">
+                <a:latin typeface="TH Sarabun New" panose="020B0500040200020003" pitchFamily="34" charset="-34"/>
+                <a:cs typeface="TH Sarabun New" panose="020B0500040200020003" pitchFamily="34" charset="-34"/>
+              </a:rPr>
+              <a:t> </a:t>
+            </a:r>
+            <a:r>
+              <a:rPr lang="en-US" sz="1600" b="1" dirty="0">
+                <a:latin typeface="TH Sarabun New" panose="020B0500040200020003" pitchFamily="34" charset="-34"/>
+                <a:cs typeface="TH Sarabun New" panose="020B0500040200020003" pitchFamily="34" charset="-34"/>
+              </a:rPr>
+              <a:t>Application</a:t>
             </a:r>
           </a:p>
           <a:p>
             <a:pPr algn="ctr"/>
             <a:r>
-              <a:rPr lang="en-US" sz="1524" dirty="0"/>
-              <a:t>Application</a:t>
-            </a:r>
-          </a:p>
-        </p:txBody>
-      </p:sp>
-      <p:cxnSp>
-        <p:nvCxnSpPr>
-          <p:cNvPr id="63" name="Straight Arrow Connector 62">
-            <a:extLst>
-              <a:ext uri="{FF2B5EF4-FFF2-40B4-BE49-F238E27FC236}">
-                <a16:creationId xmlns:a16="http://schemas.microsoft.com/office/drawing/2014/main" id="{E4C0BBA0-EF00-4DED-B650-E40AA2B13EA8}"/>
-              </a:ext>
-            </a:extLst>
-          </p:cNvPr>
-          <p:cNvCxnSpPr/>
-          <p:nvPr/>
-        </p:nvCxnSpPr>
-        <p:spPr>
-          <a:xfrm flipV="1">
-            <a:off x="10749544" y="4528907"/>
-            <a:ext cx="0" cy="473610"/>
-          </a:xfrm>
-          <a:prstGeom prst="straightConnector1">
-            <a:avLst/>
-          </a:prstGeom>
-          <a:ln>
-            <a:headEnd type="triangle"/>
-            <a:tailEnd type="triangle"/>
-          </a:ln>
-        </p:spPr>
-        <p:style>
-          <a:lnRef idx="3">
-            <a:schemeClr val="dk1"/>
-          </a:lnRef>
-          <a:fillRef idx="0">
-            <a:schemeClr val="dk1"/>
-          </a:fillRef>
-          <a:effectRef idx="2">
-            <a:schemeClr val="dk1"/>
-          </a:effectRef>
-          <a:fontRef idx="minor">
-            <a:schemeClr val="tx1"/>
-          </a:fontRef>
-        </p:style>
-      </p:cxnSp>
-      <p:cxnSp>
-        <p:nvCxnSpPr>
-          <p:cNvPr id="66" name="Straight Arrow Connector 65">
-            <a:extLst>
-              <a:ext uri="{FF2B5EF4-FFF2-40B4-BE49-F238E27FC236}">
-                <a16:creationId xmlns:a16="http://schemas.microsoft.com/office/drawing/2014/main" id="{7F9E3A2C-CB94-49CA-9B82-7A5A05317DDC}"/>
-              </a:ext>
-            </a:extLst>
-          </p:cNvPr>
-          <p:cNvCxnSpPr/>
-          <p:nvPr/>
-        </p:nvCxnSpPr>
-        <p:spPr>
-          <a:xfrm flipV="1">
-            <a:off x="12280071" y="4528907"/>
-            <a:ext cx="0" cy="473610"/>
-          </a:xfrm>
-          <a:prstGeom prst="straightConnector1">
-            <a:avLst/>
-          </a:prstGeom>
-          <a:ln>
-            <a:headEnd type="none"/>
-            <a:tailEnd type="triangle"/>
-          </a:ln>
-        </p:spPr>
-        <p:style>
-          <a:lnRef idx="3">
-            <a:schemeClr val="dk1"/>
-          </a:lnRef>
-          <a:fillRef idx="0">
-            <a:schemeClr val="dk1"/>
-          </a:fillRef>
-          <a:effectRef idx="2">
-            <a:schemeClr val="dk1"/>
-          </a:effectRef>
-          <a:fontRef idx="minor">
-            <a:schemeClr val="tx1"/>
-          </a:fontRef>
-        </p:style>
-      </p:cxnSp>
+              <a:rPr lang="th-TH" sz="1600" b="1" dirty="0">
+                <a:latin typeface="TH Sarabun New" panose="020B0500040200020003" pitchFamily="34" charset="-34"/>
+                <a:cs typeface="TH Sarabun New" panose="020B0500040200020003" pitchFamily="34" charset="-34"/>
+              </a:rPr>
+              <a:t>(ไลน์แอปพลิเคชัน)</a:t>
+            </a:r>
+            <a:endParaRPr lang="en-US" sz="1600" b="1" dirty="0">
+              <a:latin typeface="TH Sarabun New" panose="020B0500040200020003" pitchFamily="34" charset="-34"/>
+              <a:cs typeface="TH Sarabun New" panose="020B0500040200020003" pitchFamily="34" charset="-34"/>
+            </a:endParaRPr>
+          </a:p>
+        </p:txBody>
+      </p:sp>
       <p:sp>
         <p:nvSpPr>
           <p:cNvPr id="31" name="Rectangle 30">
@@ -4538,8 +4046,8 @@
         </p:nvSpPr>
         <p:spPr>
           <a:xfrm>
-            <a:off x="5190631" y="5207911"/>
-            <a:ext cx="932166" cy="647784"/>
+            <a:off x="995538" y="7198845"/>
+            <a:ext cx="1682644" cy="1093154"/>
           </a:xfrm>
           <a:prstGeom prst="rect">
             <a:avLst/>
@@ -4565,44 +4073,530 @@
           <a:p>
             <a:pPr algn="ctr"/>
             <a:r>
-              <a:rPr lang="en-US" sz="1524" dirty="0"/>
+              <a:rPr lang="en-US" sz="1600" b="1" dirty="0">
+                <a:latin typeface="TH Sarabun New" panose="020B0500040200020003" pitchFamily="34" charset="-34"/>
+                <a:cs typeface="TH Sarabun New" panose="020B0500040200020003" pitchFamily="34" charset="-34"/>
+              </a:rPr>
               <a:t>Current Sense Resistors</a:t>
             </a:r>
-          </a:p>
-        </p:txBody>
-      </p:sp>
-      <p:cxnSp>
-        <p:nvCxnSpPr>
-          <p:cNvPr id="68" name="Straight Arrow Connector 67">
+            <a:r>
+              <a:rPr lang="th-TH" sz="1600" b="1" dirty="0">
+                <a:latin typeface="TH Sarabun New" panose="020B0500040200020003" pitchFamily="34" charset="-34"/>
+                <a:cs typeface="TH Sarabun New" panose="020B0500040200020003" pitchFamily="34" charset="-34"/>
+              </a:rPr>
+              <a:t> </a:t>
+            </a:r>
+            <a:r>
+              <a:rPr lang="en-US" sz="1600" b="1" dirty="0">
+                <a:latin typeface="TH Sarabun New" panose="020B0500040200020003" pitchFamily="34" charset="-34"/>
+                <a:cs typeface="TH Sarabun New" panose="020B0500040200020003" pitchFamily="34" charset="-34"/>
+              </a:rPr>
+              <a:t>Circuit</a:t>
+            </a:r>
+            <a:endParaRPr lang="th-TH" sz="1600" b="1" dirty="0">
+              <a:latin typeface="TH Sarabun New" panose="020B0500040200020003" pitchFamily="34" charset="-34"/>
+              <a:cs typeface="TH Sarabun New" panose="020B0500040200020003" pitchFamily="34" charset="-34"/>
+            </a:endParaRPr>
+          </a:p>
+          <a:p>
+            <a:pPr algn="ctr"/>
+            <a:r>
+              <a:rPr lang="th-TH" sz="1600" b="1" dirty="0">
+                <a:latin typeface="TH Sarabun New" panose="020B0500040200020003" pitchFamily="34" charset="-34"/>
+                <a:cs typeface="TH Sarabun New" panose="020B0500040200020003" pitchFamily="34" charset="-34"/>
+              </a:rPr>
+              <a:t>(ตรวจสอบสถานะการทำงานของอุปกรณ์)</a:t>
+            </a:r>
+            <a:endParaRPr lang="en-US" sz="1600" b="1" dirty="0">
+              <a:latin typeface="TH Sarabun New" panose="020B0500040200020003" pitchFamily="34" charset="-34"/>
+              <a:cs typeface="TH Sarabun New" panose="020B0500040200020003" pitchFamily="34" charset="-34"/>
+            </a:endParaRPr>
+          </a:p>
+        </p:txBody>
+      </p:sp>
+      <p:sp>
+        <p:nvSpPr>
+          <p:cNvPr id="3" name="Rectangle 2">
             <a:extLst>
               <a:ext uri="{FF2B5EF4-FFF2-40B4-BE49-F238E27FC236}">
-                <a16:creationId xmlns:a16="http://schemas.microsoft.com/office/drawing/2014/main" id="{184C15EB-7A15-48C0-85C5-6593AA53FF3B}"/>
+                <a16:creationId xmlns:a16="http://schemas.microsoft.com/office/drawing/2014/main" id="{259F3420-C00A-4B2E-9309-B973E0C0D8D1}"/>
               </a:ext>
             </a:extLst>
           </p:cNvPr>
-          <p:cNvCxnSpPr/>
+          <p:cNvSpPr/>
+          <p:nvPr/>
+        </p:nvSpPr>
+        <p:spPr>
+          <a:xfrm>
+            <a:off x="6199918" y="5002517"/>
+            <a:ext cx="1204680" cy="647784"/>
+          </a:xfrm>
+          <a:prstGeom prst="rect">
+            <a:avLst/>
+          </a:prstGeom>
+        </p:spPr>
+        <p:style>
+          <a:lnRef idx="2">
+            <a:schemeClr val="dk1"/>
+          </a:lnRef>
+          <a:fillRef idx="1">
+            <a:schemeClr val="lt1"/>
+          </a:fillRef>
+          <a:effectRef idx="0">
+            <a:schemeClr val="dk1"/>
+          </a:effectRef>
+          <a:fontRef idx="minor">
+            <a:schemeClr val="dk1"/>
+          </a:fontRef>
+        </p:style>
+        <p:txBody>
+          <a:bodyPr rtlCol="0" anchor="ctr"/>
+          <a:lstStyle/>
+          <a:p>
+            <a:pPr algn="ctr"/>
+            <a:r>
+              <a:rPr lang="en-US" sz="1600" b="1" dirty="0">
+                <a:latin typeface="TH Sarabun New" panose="020B0500040200020003" pitchFamily="34" charset="-34"/>
+                <a:cs typeface="TH Sarabun New" panose="020B0500040200020003" pitchFamily="34" charset="-34"/>
+              </a:rPr>
+              <a:t>Pump, Fan</a:t>
+            </a:r>
+          </a:p>
+          <a:p>
+            <a:pPr algn="ctr"/>
+            <a:r>
+              <a:rPr lang="th-TH" sz="1600" b="1" dirty="0">
+                <a:latin typeface="TH Sarabun New" panose="020B0500040200020003" pitchFamily="34" charset="-34"/>
+                <a:cs typeface="TH Sarabun New" panose="020B0500040200020003" pitchFamily="34" charset="-34"/>
+              </a:rPr>
+              <a:t>(ควบคุมอุณหภูมิและความชื้น)</a:t>
+            </a:r>
+            <a:endParaRPr lang="en-US" sz="1600" b="1" dirty="0">
+              <a:latin typeface="TH Sarabun New" panose="020B0500040200020003" pitchFamily="34" charset="-34"/>
+              <a:cs typeface="TH Sarabun New" panose="020B0500040200020003" pitchFamily="34" charset="-34"/>
+            </a:endParaRPr>
+          </a:p>
+        </p:txBody>
+      </p:sp>
+      <p:sp>
+        <p:nvSpPr>
+          <p:cNvPr id="5" name="Rectangle 4">
+            <a:extLst>
+              <a:ext uri="{FF2B5EF4-FFF2-40B4-BE49-F238E27FC236}">
+                <a16:creationId xmlns:a16="http://schemas.microsoft.com/office/drawing/2014/main" id="{32C51F23-A820-49B4-AC79-6E7C168ADDA8}"/>
+              </a:ext>
+            </a:extLst>
+          </p:cNvPr>
+          <p:cNvSpPr/>
+          <p:nvPr/>
+        </p:nvSpPr>
+        <p:spPr>
+          <a:xfrm>
+            <a:off x="995537" y="6118818"/>
+            <a:ext cx="1682645" cy="647784"/>
+          </a:xfrm>
+          <a:prstGeom prst="rect">
+            <a:avLst/>
+          </a:prstGeom>
+        </p:spPr>
+        <p:style>
+          <a:lnRef idx="2">
+            <a:schemeClr val="dk1"/>
+          </a:lnRef>
+          <a:fillRef idx="1">
+            <a:schemeClr val="lt1"/>
+          </a:fillRef>
+          <a:effectRef idx="0">
+            <a:schemeClr val="dk1"/>
+          </a:effectRef>
+          <a:fontRef idx="minor">
+            <a:schemeClr val="dk1"/>
+          </a:fontRef>
+        </p:style>
+        <p:txBody>
+          <a:bodyPr rtlCol="0" anchor="ctr"/>
+          <a:lstStyle/>
+          <a:p>
+            <a:pPr algn="ctr"/>
+            <a:r>
+              <a:rPr lang="en-US" sz="1600" b="1" dirty="0">
+                <a:latin typeface="TH Sarabun New" panose="020B0500040200020003" pitchFamily="34" charset="-34"/>
+                <a:cs typeface="TH Sarabun New" panose="020B0500040200020003" pitchFamily="34" charset="-34"/>
+              </a:rPr>
+              <a:t>BH1750FVI</a:t>
+            </a:r>
+            <a:endParaRPr lang="th-TH" sz="1600" b="1" dirty="0">
+              <a:latin typeface="TH Sarabun New" panose="020B0500040200020003" pitchFamily="34" charset="-34"/>
+              <a:cs typeface="TH Sarabun New" panose="020B0500040200020003" pitchFamily="34" charset="-34"/>
+            </a:endParaRPr>
+          </a:p>
+          <a:p>
+            <a:pPr algn="ctr"/>
+            <a:r>
+              <a:rPr lang="th-TH" sz="1600" b="1" dirty="0">
+                <a:latin typeface="TH Sarabun New" panose="020B0500040200020003" pitchFamily="34" charset="-34"/>
+                <a:cs typeface="TH Sarabun New" panose="020B0500040200020003" pitchFamily="34" charset="-34"/>
+              </a:rPr>
+              <a:t>(วัดความแสงสว่าง)</a:t>
+            </a:r>
+            <a:endParaRPr lang="en-US" sz="1600" b="1" dirty="0">
+              <a:latin typeface="TH Sarabun New" panose="020B0500040200020003" pitchFamily="34" charset="-34"/>
+              <a:cs typeface="TH Sarabun New" panose="020B0500040200020003" pitchFamily="34" charset="-34"/>
+            </a:endParaRPr>
+          </a:p>
+        </p:txBody>
+      </p:sp>
+      <p:sp>
+        <p:nvSpPr>
+          <p:cNvPr id="8" name="Rectangle 7">
+            <a:extLst>
+              <a:ext uri="{FF2B5EF4-FFF2-40B4-BE49-F238E27FC236}">
+                <a16:creationId xmlns:a16="http://schemas.microsoft.com/office/drawing/2014/main" id="{74C23CE1-4814-423C-B7A0-24B31AB2E070}"/>
+              </a:ext>
+            </a:extLst>
+          </p:cNvPr>
+          <p:cNvSpPr/>
+          <p:nvPr/>
+        </p:nvSpPr>
+        <p:spPr>
+          <a:xfrm>
+            <a:off x="3786686" y="7220397"/>
+            <a:ext cx="1308330" cy="657973"/>
+          </a:xfrm>
+          <a:prstGeom prst="rect">
+            <a:avLst/>
+          </a:prstGeom>
+        </p:spPr>
+        <p:style>
+          <a:lnRef idx="2">
+            <a:schemeClr val="dk1"/>
+          </a:lnRef>
+          <a:fillRef idx="1">
+            <a:schemeClr val="lt1"/>
+          </a:fillRef>
+          <a:effectRef idx="0">
+            <a:schemeClr val="dk1"/>
+          </a:effectRef>
+          <a:fontRef idx="minor">
+            <a:schemeClr val="dk1"/>
+          </a:fontRef>
+        </p:style>
+        <p:txBody>
+          <a:bodyPr rtlCol="0" anchor="ctr"/>
+          <a:lstStyle/>
+          <a:p>
+            <a:pPr algn="ctr"/>
+            <a:r>
+              <a:rPr lang="en-US" sz="1600" b="1" dirty="0">
+                <a:latin typeface="TH Sarabun New" panose="020B0500040200020003" pitchFamily="34" charset="-34"/>
+                <a:cs typeface="TH Sarabun New" panose="020B0500040200020003" pitchFamily="34" charset="-34"/>
+              </a:rPr>
+              <a:t>L298N</a:t>
+            </a:r>
+          </a:p>
+          <a:p>
+            <a:pPr algn="ctr"/>
+            <a:r>
+              <a:rPr lang="th-TH" sz="1600" b="1" dirty="0">
+                <a:latin typeface="TH Sarabun New" panose="020B0500040200020003" pitchFamily="34" charset="-34"/>
+                <a:cs typeface="TH Sarabun New" panose="020B0500040200020003" pitchFamily="34" charset="-34"/>
+              </a:rPr>
+              <a:t>(ควบคุมความสว่าง)</a:t>
+            </a:r>
+            <a:endParaRPr lang="en-US" sz="1600" b="1" dirty="0">
+              <a:latin typeface="TH Sarabun New" panose="020B0500040200020003" pitchFamily="34" charset="-34"/>
+              <a:cs typeface="TH Sarabun New" panose="020B0500040200020003" pitchFamily="34" charset="-34"/>
+            </a:endParaRPr>
+          </a:p>
+        </p:txBody>
+      </p:sp>
+      <p:sp>
+        <p:nvSpPr>
+          <p:cNvPr id="16" name="Rectangle 15">
+            <a:extLst>
+              <a:ext uri="{FF2B5EF4-FFF2-40B4-BE49-F238E27FC236}">
+                <a16:creationId xmlns:a16="http://schemas.microsoft.com/office/drawing/2014/main" id="{54DFCEBE-E44D-4DAD-BF9F-68107EB821D0}"/>
+              </a:ext>
+            </a:extLst>
+          </p:cNvPr>
+          <p:cNvSpPr/>
+          <p:nvPr/>
+        </p:nvSpPr>
+        <p:spPr>
+          <a:xfrm>
+            <a:off x="3838511" y="8306143"/>
+            <a:ext cx="1204679" cy="647784"/>
+          </a:xfrm>
+          <a:prstGeom prst="rect">
+            <a:avLst/>
+          </a:prstGeom>
+        </p:spPr>
+        <p:style>
+          <a:lnRef idx="2">
+            <a:schemeClr val="dk1"/>
+          </a:lnRef>
+          <a:fillRef idx="1">
+            <a:schemeClr val="lt1"/>
+          </a:fillRef>
+          <a:effectRef idx="0">
+            <a:schemeClr val="dk1"/>
+          </a:effectRef>
+          <a:fontRef idx="minor">
+            <a:schemeClr val="dk1"/>
+          </a:fontRef>
+        </p:style>
+        <p:txBody>
+          <a:bodyPr rtlCol="0" anchor="ctr"/>
+          <a:lstStyle/>
+          <a:p>
+            <a:pPr algn="ctr"/>
+            <a:r>
+              <a:rPr lang="en-US" sz="1600" b="1" dirty="0">
+                <a:latin typeface="TH Sarabun New" panose="020B0500040200020003" pitchFamily="34" charset="-34"/>
+                <a:cs typeface="TH Sarabun New" panose="020B0500040200020003" pitchFamily="34" charset="-34"/>
+              </a:rPr>
+              <a:t>LED</a:t>
+            </a:r>
+            <a:endParaRPr lang="th-TH" sz="1600" b="1" dirty="0">
+              <a:latin typeface="TH Sarabun New" panose="020B0500040200020003" pitchFamily="34" charset="-34"/>
+              <a:cs typeface="TH Sarabun New" panose="020B0500040200020003" pitchFamily="34" charset="-34"/>
+            </a:endParaRPr>
+          </a:p>
+          <a:p>
+            <a:pPr algn="ctr"/>
+            <a:r>
+              <a:rPr lang="th-TH" sz="1600" b="1" dirty="0">
+                <a:latin typeface="TH Sarabun New" panose="020B0500040200020003" pitchFamily="34" charset="-34"/>
+                <a:cs typeface="TH Sarabun New" panose="020B0500040200020003" pitchFamily="34" charset="-34"/>
+              </a:rPr>
+              <a:t>(หลอดไฟ)</a:t>
+            </a:r>
+            <a:endParaRPr lang="en-US" sz="1600" b="1" dirty="0">
+              <a:latin typeface="TH Sarabun New" panose="020B0500040200020003" pitchFamily="34" charset="-34"/>
+              <a:cs typeface="TH Sarabun New" panose="020B0500040200020003" pitchFamily="34" charset="-34"/>
+            </a:endParaRPr>
+          </a:p>
+        </p:txBody>
+      </p:sp>
+      <p:sp>
+        <p:nvSpPr>
+          <p:cNvPr id="17" name="Rectangle 16">
+            <a:extLst>
+              <a:ext uri="{FF2B5EF4-FFF2-40B4-BE49-F238E27FC236}">
+                <a16:creationId xmlns:a16="http://schemas.microsoft.com/office/drawing/2014/main" id="{4D6D64A9-322F-4993-ABE0-A6184D5D57E9}"/>
+              </a:ext>
+            </a:extLst>
+          </p:cNvPr>
+          <p:cNvSpPr/>
+          <p:nvPr/>
+        </p:nvSpPr>
+        <p:spPr>
+          <a:xfrm>
+            <a:off x="7947336" y="8374271"/>
+            <a:ext cx="1596028" cy="647784"/>
+          </a:xfrm>
+          <a:prstGeom prst="rect">
+            <a:avLst/>
+          </a:prstGeom>
+        </p:spPr>
+        <p:style>
+          <a:lnRef idx="2">
+            <a:schemeClr val="dk1"/>
+          </a:lnRef>
+          <a:fillRef idx="1">
+            <a:schemeClr val="lt1"/>
+          </a:fillRef>
+          <a:effectRef idx="0">
+            <a:schemeClr val="dk1"/>
+          </a:effectRef>
+          <a:fontRef idx="minor">
+            <a:schemeClr val="dk1"/>
+          </a:fontRef>
+        </p:style>
+        <p:txBody>
+          <a:bodyPr rtlCol="0" anchor="ctr"/>
+          <a:lstStyle/>
+          <a:p>
+            <a:pPr algn="ctr"/>
+            <a:r>
+              <a:rPr lang="en-US" sz="1600" b="1" dirty="0">
+                <a:latin typeface="TH Sarabun New" panose="020B0500040200020003" pitchFamily="34" charset="-34"/>
+                <a:cs typeface="TH Sarabun New" panose="020B0500040200020003" pitchFamily="34" charset="-34"/>
+              </a:rPr>
+              <a:t>Windows Application</a:t>
+            </a:r>
+            <a:endParaRPr lang="th-TH" sz="1600" b="1" dirty="0">
+              <a:latin typeface="TH Sarabun New" panose="020B0500040200020003" pitchFamily="34" charset="-34"/>
+              <a:cs typeface="TH Sarabun New" panose="020B0500040200020003" pitchFamily="34" charset="-34"/>
+            </a:endParaRPr>
+          </a:p>
+          <a:p>
+            <a:pPr algn="ctr"/>
+            <a:r>
+              <a:rPr lang="th-TH" sz="1600" b="1" dirty="0">
+                <a:latin typeface="TH Sarabun New" panose="020B0500040200020003" pitchFamily="34" charset="-34"/>
+                <a:cs typeface="TH Sarabun New" panose="020B0500040200020003" pitchFamily="34" charset="-34"/>
+              </a:rPr>
+              <a:t>(วินโดว์แอปพลิเคชัน)</a:t>
+            </a:r>
+            <a:endParaRPr lang="en-US" sz="1600" b="1" dirty="0">
+              <a:latin typeface="TH Sarabun New" panose="020B0500040200020003" pitchFamily="34" charset="-34"/>
+              <a:cs typeface="TH Sarabun New" panose="020B0500040200020003" pitchFamily="34" charset="-34"/>
+            </a:endParaRPr>
+          </a:p>
+        </p:txBody>
+      </p:sp>
+      <p:sp>
+        <p:nvSpPr>
+          <p:cNvPr id="61" name="TextBox 60">
+            <a:extLst>
+              <a:ext uri="{FF2B5EF4-FFF2-40B4-BE49-F238E27FC236}">
+                <a16:creationId xmlns:a16="http://schemas.microsoft.com/office/drawing/2014/main" id="{2EA20672-E24A-4913-A972-3860AF2EDCE8}"/>
+              </a:ext>
+            </a:extLst>
+          </p:cNvPr>
+          <p:cNvSpPr txBox="1"/>
+          <p:nvPr/>
+        </p:nvSpPr>
+        <p:spPr>
+          <a:xfrm>
+            <a:off x="2745355" y="5075563"/>
+            <a:ext cx="383438" cy="338554"/>
+          </a:xfrm>
+          <a:prstGeom prst="rect">
+            <a:avLst/>
+          </a:prstGeom>
+          <a:noFill/>
+        </p:spPr>
+        <p:txBody>
+          <a:bodyPr wrap="none" rtlCol="0">
+            <a:spAutoFit/>
+          </a:bodyPr>
+          <a:lstStyle/>
+          <a:p>
+            <a:r>
+              <a:rPr lang="en-US" sz="1600" b="1" dirty="0">
+                <a:latin typeface="TH Sarabun New" panose="020B0500040200020003" pitchFamily="34" charset="-34"/>
+                <a:cs typeface="TH Sarabun New" panose="020B0500040200020003" pitchFamily="34" charset="-34"/>
+              </a:rPr>
+              <a:t>I2C</a:t>
+            </a:r>
+          </a:p>
+        </p:txBody>
+      </p:sp>
+      <p:sp>
+        <p:nvSpPr>
+          <p:cNvPr id="64" name="TextBox 63">
+            <a:extLst>
+              <a:ext uri="{FF2B5EF4-FFF2-40B4-BE49-F238E27FC236}">
+                <a16:creationId xmlns:a16="http://schemas.microsoft.com/office/drawing/2014/main" id="{E60FD594-F32A-45EC-8C76-581740E55BC4}"/>
+              </a:ext>
+            </a:extLst>
+          </p:cNvPr>
+          <p:cNvSpPr txBox="1"/>
+          <p:nvPr/>
+        </p:nvSpPr>
+        <p:spPr>
+          <a:xfrm>
+            <a:off x="2742425" y="6194246"/>
+            <a:ext cx="383438" cy="338554"/>
+          </a:xfrm>
+          <a:prstGeom prst="rect">
+            <a:avLst/>
+          </a:prstGeom>
+          <a:noFill/>
+        </p:spPr>
+        <p:txBody>
+          <a:bodyPr wrap="none" rtlCol="0">
+            <a:spAutoFit/>
+          </a:bodyPr>
+          <a:lstStyle/>
+          <a:p>
+            <a:r>
+              <a:rPr lang="en-US" sz="1600" b="1" dirty="0">
+                <a:latin typeface="TH Sarabun New" panose="020B0500040200020003" pitchFamily="34" charset="-34"/>
+                <a:cs typeface="TH Sarabun New" panose="020B0500040200020003" pitchFamily="34" charset="-34"/>
+              </a:rPr>
+              <a:t>I2C</a:t>
+            </a:r>
+          </a:p>
+        </p:txBody>
+      </p:sp>
+      <p:sp>
+        <p:nvSpPr>
+          <p:cNvPr id="65" name="TextBox 64">
+            <a:extLst>
+              <a:ext uri="{FF2B5EF4-FFF2-40B4-BE49-F238E27FC236}">
+                <a16:creationId xmlns:a16="http://schemas.microsoft.com/office/drawing/2014/main" id="{9406E051-92FC-4665-A5BC-5368ED01484A}"/>
+              </a:ext>
+            </a:extLst>
+          </p:cNvPr>
+          <p:cNvSpPr txBox="1"/>
+          <p:nvPr/>
+        </p:nvSpPr>
+        <p:spPr>
+          <a:xfrm>
+            <a:off x="5722898" y="7300912"/>
+            <a:ext cx="383438" cy="338554"/>
+          </a:xfrm>
+          <a:prstGeom prst="rect">
+            <a:avLst/>
+          </a:prstGeom>
+          <a:noFill/>
+        </p:spPr>
+        <p:txBody>
+          <a:bodyPr wrap="none" rtlCol="0">
+            <a:spAutoFit/>
+          </a:bodyPr>
+          <a:lstStyle/>
+          <a:p>
+            <a:r>
+              <a:rPr lang="en-US" sz="1600" b="1" dirty="0">
+                <a:latin typeface="TH Sarabun New" panose="020B0500040200020003" pitchFamily="34" charset="-34"/>
+                <a:cs typeface="TH Sarabun New" panose="020B0500040200020003" pitchFamily="34" charset="-34"/>
+              </a:rPr>
+              <a:t>I2C</a:t>
+            </a:r>
+          </a:p>
+        </p:txBody>
+      </p:sp>
+      <p:cxnSp>
+        <p:nvCxnSpPr>
+          <p:cNvPr id="86" name="Connector: Elbow 85">
+            <a:extLst>
+              <a:ext uri="{FF2B5EF4-FFF2-40B4-BE49-F238E27FC236}">
+                <a16:creationId xmlns:a16="http://schemas.microsoft.com/office/drawing/2014/main" id="{40480965-6492-4A25-BE64-D4F0702E7AEE}"/>
+              </a:ext>
+            </a:extLst>
+          </p:cNvPr>
+          <p:cNvCxnSpPr>
+            <a:cxnSpLocks/>
+            <a:stCxn id="15" idx="3"/>
+          </p:cNvCxnSpPr>
           <p:nvPr/>
         </p:nvCxnSpPr>
         <p:spPr>
           <a:xfrm>
-            <a:off x="4490160" y="5855694"/>
-            <a:ext cx="0" cy="315993"/>
-          </a:xfrm>
-          <a:prstGeom prst="straightConnector1">
-            <a:avLst/>
+            <a:off x="2678182" y="5326409"/>
+            <a:ext cx="914400" cy="914400"/>
+          </a:xfrm>
+          <a:prstGeom prst="bentConnector3">
+            <a:avLst>
+              <a:gd name="adj1" fmla="val 56667"/>
+            </a:avLst>
           </a:prstGeom>
           <a:ln>
             <a:tailEnd type="triangle"/>
           </a:ln>
         </p:spPr>
         <p:style>
-          <a:lnRef idx="3">
+          <a:lnRef idx="2">
             <a:schemeClr val="dk1"/>
           </a:lnRef>
           <a:fillRef idx="0">
             <a:schemeClr val="dk1"/>
           </a:fillRef>
-          <a:effectRef idx="2">
+          <a:effectRef idx="1">
             <a:schemeClr val="dk1"/>
           </a:effectRef>
           <a:fontRef idx="minor">
@@ -4612,10 +4606,175 @@
       </p:cxnSp>
       <p:cxnSp>
         <p:nvCxnSpPr>
-          <p:cNvPr id="69" name="Straight Arrow Connector 68">
+          <p:cNvPr id="88" name="Straight Arrow Connector 87">
             <a:extLst>
               <a:ext uri="{FF2B5EF4-FFF2-40B4-BE49-F238E27FC236}">
-                <a16:creationId xmlns:a16="http://schemas.microsoft.com/office/drawing/2014/main" id="{D1B0342F-F8FA-48D2-B2E5-FDD612086FAE}"/>
+                <a16:creationId xmlns:a16="http://schemas.microsoft.com/office/drawing/2014/main" id="{9F019D9E-1857-48E3-9450-DA9496CAD996}"/>
+              </a:ext>
+            </a:extLst>
+          </p:cNvPr>
+          <p:cNvCxnSpPr>
+            <a:cxnSpLocks/>
+            <a:stCxn id="5" idx="3"/>
+            <a:endCxn id="7" idx="1"/>
+          </p:cNvCxnSpPr>
+          <p:nvPr/>
+        </p:nvCxnSpPr>
+        <p:spPr>
+          <a:xfrm>
+            <a:off x="2678182" y="6442710"/>
+            <a:ext cx="921341" cy="5018"/>
+          </a:xfrm>
+          <a:prstGeom prst="straightConnector1">
+            <a:avLst/>
+          </a:prstGeom>
+          <a:ln>
+            <a:tailEnd type="triangle"/>
+          </a:ln>
+        </p:spPr>
+        <p:style>
+          <a:lnRef idx="2">
+            <a:schemeClr val="dk1"/>
+          </a:lnRef>
+          <a:fillRef idx="0">
+            <a:schemeClr val="dk1"/>
+          </a:fillRef>
+          <a:effectRef idx="1">
+            <a:schemeClr val="dk1"/>
+          </a:effectRef>
+          <a:fontRef idx="minor">
+            <a:schemeClr val="tx1"/>
+          </a:fontRef>
+        </p:style>
+      </p:cxnSp>
+      <p:cxnSp>
+        <p:nvCxnSpPr>
+          <p:cNvPr id="102" name="Straight Arrow Connector 101">
+            <a:extLst>
+              <a:ext uri="{FF2B5EF4-FFF2-40B4-BE49-F238E27FC236}">
+                <a16:creationId xmlns:a16="http://schemas.microsoft.com/office/drawing/2014/main" id="{854A0C5A-3FF6-4769-A611-6D8C6542E1B6}"/>
+              </a:ext>
+            </a:extLst>
+          </p:cNvPr>
+          <p:cNvCxnSpPr>
+            <a:stCxn id="7" idx="3"/>
+            <a:endCxn id="36" idx="1"/>
+          </p:cNvCxnSpPr>
+          <p:nvPr/>
+        </p:nvCxnSpPr>
+        <p:spPr>
+          <a:xfrm flipV="1">
+            <a:off x="5282180" y="6441483"/>
+            <a:ext cx="917739" cy="6245"/>
+          </a:xfrm>
+          <a:prstGeom prst="straightConnector1">
+            <a:avLst/>
+          </a:prstGeom>
+          <a:ln>
+            <a:tailEnd type="triangle"/>
+          </a:ln>
+        </p:spPr>
+        <p:style>
+          <a:lnRef idx="2">
+            <a:schemeClr val="dk1"/>
+          </a:lnRef>
+          <a:fillRef idx="0">
+            <a:schemeClr val="dk1"/>
+          </a:fillRef>
+          <a:effectRef idx="1">
+            <a:schemeClr val="dk1"/>
+          </a:effectRef>
+          <a:fontRef idx="minor">
+            <a:schemeClr val="tx1"/>
+          </a:fontRef>
+        </p:style>
+      </p:cxnSp>
+      <p:sp>
+        <p:nvSpPr>
+          <p:cNvPr id="104" name="TextBox 103">
+            <a:extLst>
+              <a:ext uri="{FF2B5EF4-FFF2-40B4-BE49-F238E27FC236}">
+                <a16:creationId xmlns:a16="http://schemas.microsoft.com/office/drawing/2014/main" id="{8A93607F-C040-4C99-A07C-A89505372A7A}"/>
+              </a:ext>
+            </a:extLst>
+          </p:cNvPr>
+          <p:cNvSpPr txBox="1"/>
+          <p:nvPr/>
+        </p:nvSpPr>
+        <p:spPr>
+          <a:xfrm>
+            <a:off x="5669581" y="6194246"/>
+            <a:ext cx="497252" cy="338554"/>
+          </a:xfrm>
+          <a:prstGeom prst="rect">
+            <a:avLst/>
+          </a:prstGeom>
+          <a:noFill/>
+        </p:spPr>
+        <p:txBody>
+          <a:bodyPr wrap="none" rtlCol="0">
+            <a:spAutoFit/>
+          </a:bodyPr>
+          <a:lstStyle/>
+          <a:p>
+            <a:r>
+              <a:rPr lang="en-US" sz="1600" b="1" dirty="0">
+                <a:latin typeface="TH Sarabun New" panose="020B0500040200020003" pitchFamily="34" charset="-34"/>
+                <a:cs typeface="TH Sarabun New" panose="020B0500040200020003" pitchFamily="34" charset="-34"/>
+              </a:rPr>
+              <a:t>GPIO</a:t>
+            </a:r>
+          </a:p>
+        </p:txBody>
+      </p:sp>
+      <p:cxnSp>
+        <p:nvCxnSpPr>
+          <p:cNvPr id="108" name="Straight Arrow Connector 107">
+            <a:extLst>
+              <a:ext uri="{FF2B5EF4-FFF2-40B4-BE49-F238E27FC236}">
+                <a16:creationId xmlns:a16="http://schemas.microsoft.com/office/drawing/2014/main" id="{0155FA1B-DCD8-4284-B602-7BAB33BC266C}"/>
+              </a:ext>
+            </a:extLst>
+          </p:cNvPr>
+          <p:cNvCxnSpPr>
+            <a:stCxn id="36" idx="0"/>
+            <a:endCxn id="3" idx="2"/>
+          </p:cNvCxnSpPr>
+          <p:nvPr/>
+        </p:nvCxnSpPr>
+        <p:spPr>
+          <a:xfrm flipV="1">
+            <a:off x="6802258" y="5650301"/>
+            <a:ext cx="0" cy="467290"/>
+          </a:xfrm>
+          <a:prstGeom prst="straightConnector1">
+            <a:avLst/>
+          </a:prstGeom>
+          <a:ln>
+            <a:tailEnd type="triangle"/>
+          </a:ln>
+        </p:spPr>
+        <p:style>
+          <a:lnRef idx="2">
+            <a:schemeClr val="dk1"/>
+          </a:lnRef>
+          <a:fillRef idx="0">
+            <a:schemeClr val="dk1"/>
+          </a:fillRef>
+          <a:effectRef idx="1">
+            <a:schemeClr val="dk1"/>
+          </a:effectRef>
+          <a:fontRef idx="minor">
+            <a:schemeClr val="tx1"/>
+          </a:fontRef>
+        </p:style>
+      </p:cxnSp>
+      <p:cxnSp>
+        <p:nvCxnSpPr>
+          <p:cNvPr id="110" name="Connector: Elbow 109">
+            <a:extLst>
+              <a:ext uri="{FF2B5EF4-FFF2-40B4-BE49-F238E27FC236}">
+                <a16:creationId xmlns:a16="http://schemas.microsoft.com/office/drawing/2014/main" id="{93E67089-E39C-4882-8F40-1A005C52C978}"/>
               </a:ext>
             </a:extLst>
           </p:cNvPr>
@@ -4624,8 +4783,133 @@
         </p:nvCxnSpPr>
         <p:spPr>
           <a:xfrm>
-            <a:off x="5477943" y="5855694"/>
-            <a:ext cx="0" cy="315993"/>
+            <a:off x="5282180" y="6652260"/>
+            <a:ext cx="914400" cy="914400"/>
+          </a:xfrm>
+          <a:prstGeom prst="bentConnector3">
+            <a:avLst>
+              <a:gd name="adj1" fmla="val 48333"/>
+            </a:avLst>
+          </a:prstGeom>
+          <a:ln>
+            <a:tailEnd type="triangle"/>
+          </a:ln>
+        </p:spPr>
+        <p:style>
+          <a:lnRef idx="2">
+            <a:schemeClr val="dk1"/>
+          </a:lnRef>
+          <a:fillRef idx="0">
+            <a:schemeClr val="dk1"/>
+          </a:fillRef>
+          <a:effectRef idx="1">
+            <a:schemeClr val="dk1"/>
+          </a:effectRef>
+          <a:fontRef idx="minor">
+            <a:schemeClr val="tx1"/>
+          </a:fontRef>
+        </p:style>
+      </p:cxnSp>
+      <p:cxnSp>
+        <p:nvCxnSpPr>
+          <p:cNvPr id="120" name="Straight Arrow Connector 119">
+            <a:extLst>
+              <a:ext uri="{FF2B5EF4-FFF2-40B4-BE49-F238E27FC236}">
+                <a16:creationId xmlns:a16="http://schemas.microsoft.com/office/drawing/2014/main" id="{5AF7C6AD-948C-429E-B220-0F595F84DA89}"/>
+              </a:ext>
+            </a:extLst>
+          </p:cNvPr>
+          <p:cNvCxnSpPr>
+            <a:stCxn id="28" idx="2"/>
+            <a:endCxn id="7" idx="0"/>
+          </p:cNvCxnSpPr>
+          <p:nvPr/>
+        </p:nvCxnSpPr>
+        <p:spPr>
+          <a:xfrm>
+            <a:off x="4440850" y="5655996"/>
+            <a:ext cx="2" cy="467840"/>
+          </a:xfrm>
+          <a:prstGeom prst="straightConnector1">
+            <a:avLst/>
+          </a:prstGeom>
+          <a:ln>
+            <a:headEnd type="triangle"/>
+            <a:tailEnd type="triangle"/>
+          </a:ln>
+        </p:spPr>
+        <p:style>
+          <a:lnRef idx="2">
+            <a:schemeClr val="dk1"/>
+          </a:lnRef>
+          <a:fillRef idx="0">
+            <a:schemeClr val="dk1"/>
+          </a:fillRef>
+          <a:effectRef idx="1">
+            <a:schemeClr val="dk1"/>
+          </a:effectRef>
+          <a:fontRef idx="minor">
+            <a:schemeClr val="tx1"/>
+          </a:fontRef>
+        </p:style>
+      </p:cxnSp>
+      <p:sp>
+        <p:nvSpPr>
+          <p:cNvPr id="122" name="TextBox 121">
+            <a:extLst>
+              <a:ext uri="{FF2B5EF4-FFF2-40B4-BE49-F238E27FC236}">
+                <a16:creationId xmlns:a16="http://schemas.microsoft.com/office/drawing/2014/main" id="{FF31022B-3612-459E-8CFB-8E72CAA978D6}"/>
+              </a:ext>
+            </a:extLst>
+          </p:cNvPr>
+          <p:cNvSpPr txBox="1"/>
+          <p:nvPr/>
+        </p:nvSpPr>
+        <p:spPr>
+          <a:xfrm>
+            <a:off x="4392625" y="5711107"/>
+            <a:ext cx="856325" cy="338554"/>
+          </a:xfrm>
+          <a:prstGeom prst="rect">
+            <a:avLst/>
+          </a:prstGeom>
+          <a:noFill/>
+        </p:spPr>
+        <p:txBody>
+          <a:bodyPr wrap="none" rtlCol="0">
+            <a:spAutoFit/>
+          </a:bodyPr>
+          <a:lstStyle/>
+          <a:p>
+            <a:r>
+              <a:rPr lang="en-US" sz="1600" b="1" dirty="0">
+                <a:latin typeface="TH Sarabun New" panose="020B0500040200020003" pitchFamily="34" charset="-34"/>
+                <a:cs typeface="TH Sarabun New" panose="020B0500040200020003" pitchFamily="34" charset="-34"/>
+              </a:rPr>
+              <a:t>Serial Port</a:t>
+            </a:r>
+          </a:p>
+        </p:txBody>
+      </p:sp>
+      <p:cxnSp>
+        <p:nvCxnSpPr>
+          <p:cNvPr id="124" name="Straight Arrow Connector 123">
+            <a:extLst>
+              <a:ext uri="{FF2B5EF4-FFF2-40B4-BE49-F238E27FC236}">
+                <a16:creationId xmlns:a16="http://schemas.microsoft.com/office/drawing/2014/main" id="{3008417C-D457-4B2C-8F56-D1C213273531}"/>
+              </a:ext>
+            </a:extLst>
+          </p:cNvPr>
+          <p:cNvCxnSpPr>
+            <a:stCxn id="7" idx="2"/>
+            <a:endCxn id="8" idx="0"/>
+          </p:cNvCxnSpPr>
+          <p:nvPr/>
+        </p:nvCxnSpPr>
+        <p:spPr>
+          <a:xfrm flipH="1">
+            <a:off x="4440851" y="6771620"/>
+            <a:ext cx="1" cy="448777"/>
           </a:xfrm>
           <a:prstGeom prst="straightConnector1">
             <a:avLst/>
@@ -4635,13 +4919,13 @@
           </a:ln>
         </p:spPr>
         <p:style>
-          <a:lnRef idx="3">
+          <a:lnRef idx="2">
             <a:schemeClr val="dk1"/>
           </a:lnRef>
           <a:fillRef idx="0">
             <a:schemeClr val="dk1"/>
           </a:fillRef>
-          <a:effectRef idx="2">
+          <a:effectRef idx="1">
             <a:schemeClr val="dk1"/>
           </a:effectRef>
           <a:fontRef idx="minor">
@@ -4649,6 +4933,834 @@
           </a:fontRef>
         </p:style>
       </p:cxnSp>
+      <p:sp>
+        <p:nvSpPr>
+          <p:cNvPr id="126" name="TextBox 125">
+            <a:extLst>
+              <a:ext uri="{FF2B5EF4-FFF2-40B4-BE49-F238E27FC236}">
+                <a16:creationId xmlns:a16="http://schemas.microsoft.com/office/drawing/2014/main" id="{87B7EE63-8998-4C5F-9397-262557F7B672}"/>
+              </a:ext>
+            </a:extLst>
+          </p:cNvPr>
+          <p:cNvSpPr txBox="1"/>
+          <p:nvPr/>
+        </p:nvSpPr>
+        <p:spPr>
+          <a:xfrm>
+            <a:off x="4392625" y="6826731"/>
+            <a:ext cx="497252" cy="338554"/>
+          </a:xfrm>
+          <a:prstGeom prst="rect">
+            <a:avLst/>
+          </a:prstGeom>
+          <a:noFill/>
+        </p:spPr>
+        <p:txBody>
+          <a:bodyPr wrap="none" rtlCol="0">
+            <a:spAutoFit/>
+          </a:bodyPr>
+          <a:lstStyle/>
+          <a:p>
+            <a:r>
+              <a:rPr lang="en-US" sz="1600" b="1" dirty="0">
+                <a:latin typeface="TH Sarabun New" panose="020B0500040200020003" pitchFamily="34" charset="-34"/>
+                <a:cs typeface="TH Sarabun New" panose="020B0500040200020003" pitchFamily="34" charset="-34"/>
+              </a:rPr>
+              <a:t>GPIO</a:t>
+            </a:r>
+          </a:p>
+        </p:txBody>
+      </p:sp>
+      <p:cxnSp>
+        <p:nvCxnSpPr>
+          <p:cNvPr id="128" name="Straight Arrow Connector 127">
+            <a:extLst>
+              <a:ext uri="{FF2B5EF4-FFF2-40B4-BE49-F238E27FC236}">
+                <a16:creationId xmlns:a16="http://schemas.microsoft.com/office/drawing/2014/main" id="{0BB21421-3AED-460C-AED7-5B6E119EE15F}"/>
+              </a:ext>
+            </a:extLst>
+          </p:cNvPr>
+          <p:cNvCxnSpPr>
+            <a:stCxn id="8" idx="2"/>
+            <a:endCxn id="16" idx="0"/>
+          </p:cNvCxnSpPr>
+          <p:nvPr/>
+        </p:nvCxnSpPr>
+        <p:spPr>
+          <a:xfrm>
+            <a:off x="4440851" y="7878370"/>
+            <a:ext cx="0" cy="427773"/>
+          </a:xfrm>
+          <a:prstGeom prst="straightConnector1">
+            <a:avLst/>
+          </a:prstGeom>
+          <a:ln>
+            <a:tailEnd type="triangle"/>
+          </a:ln>
+        </p:spPr>
+        <p:style>
+          <a:lnRef idx="2">
+            <a:schemeClr val="dk1"/>
+          </a:lnRef>
+          <a:fillRef idx="0">
+            <a:schemeClr val="dk1"/>
+          </a:fillRef>
+          <a:effectRef idx="1">
+            <a:schemeClr val="dk1"/>
+          </a:effectRef>
+          <a:fontRef idx="minor">
+            <a:schemeClr val="tx1"/>
+          </a:fontRef>
+        </p:style>
+      </p:cxnSp>
+      <p:cxnSp>
+        <p:nvCxnSpPr>
+          <p:cNvPr id="133" name="Connector: Elbow 132">
+            <a:extLst>
+              <a:ext uri="{FF2B5EF4-FFF2-40B4-BE49-F238E27FC236}">
+                <a16:creationId xmlns:a16="http://schemas.microsoft.com/office/drawing/2014/main" id="{CB55666C-84D8-4DC3-820D-BDFF050B7518}"/>
+              </a:ext>
+            </a:extLst>
+          </p:cNvPr>
+          <p:cNvCxnSpPr>
+            <a:cxnSpLocks/>
+          </p:cNvCxnSpPr>
+          <p:nvPr/>
+        </p:nvCxnSpPr>
+        <p:spPr>
+          <a:xfrm flipV="1">
+            <a:off x="2661019" y="6649629"/>
+            <a:ext cx="931318" cy="917031"/>
+          </a:xfrm>
+          <a:prstGeom prst="bentConnector3">
+            <a:avLst>
+              <a:gd name="adj1" fmla="val 58182"/>
+            </a:avLst>
+          </a:prstGeom>
+          <a:ln>
+            <a:tailEnd type="triangle"/>
+          </a:ln>
+        </p:spPr>
+        <p:style>
+          <a:lnRef idx="2">
+            <a:schemeClr val="dk1"/>
+          </a:lnRef>
+          <a:fillRef idx="0">
+            <a:schemeClr val="dk1"/>
+          </a:fillRef>
+          <a:effectRef idx="1">
+            <a:schemeClr val="dk1"/>
+          </a:effectRef>
+          <a:fontRef idx="minor">
+            <a:schemeClr val="tx1"/>
+          </a:fontRef>
+        </p:style>
+      </p:cxnSp>
+      <p:sp>
+        <p:nvSpPr>
+          <p:cNvPr id="137" name="TextBox 136">
+            <a:extLst>
+              <a:ext uri="{FF2B5EF4-FFF2-40B4-BE49-F238E27FC236}">
+                <a16:creationId xmlns:a16="http://schemas.microsoft.com/office/drawing/2014/main" id="{24CA26A7-DF44-4A1D-BCBF-029F35E7C11C}"/>
+              </a:ext>
+            </a:extLst>
+          </p:cNvPr>
+          <p:cNvSpPr txBox="1"/>
+          <p:nvPr/>
+        </p:nvSpPr>
+        <p:spPr>
+          <a:xfrm>
+            <a:off x="2654710" y="7300912"/>
+            <a:ext cx="497252" cy="338554"/>
+          </a:xfrm>
+          <a:prstGeom prst="rect">
+            <a:avLst/>
+          </a:prstGeom>
+          <a:noFill/>
+        </p:spPr>
+        <p:txBody>
+          <a:bodyPr wrap="none" rtlCol="0">
+            <a:spAutoFit/>
+          </a:bodyPr>
+          <a:lstStyle/>
+          <a:p>
+            <a:r>
+              <a:rPr lang="en-US" sz="1600" b="1" dirty="0">
+                <a:latin typeface="TH Sarabun New" panose="020B0500040200020003" pitchFamily="34" charset="-34"/>
+                <a:cs typeface="TH Sarabun New" panose="020B0500040200020003" pitchFamily="34" charset="-34"/>
+              </a:rPr>
+              <a:t>GPIO</a:t>
+            </a:r>
+          </a:p>
+        </p:txBody>
+      </p:sp>
+      <p:cxnSp>
+        <p:nvCxnSpPr>
+          <p:cNvPr id="163" name="Connector: Elbow 162">
+            <a:extLst>
+              <a:ext uri="{FF2B5EF4-FFF2-40B4-BE49-F238E27FC236}">
+                <a16:creationId xmlns:a16="http://schemas.microsoft.com/office/drawing/2014/main" id="{6DA8E15B-F21B-4EF5-8AF3-6DC829C0C394}"/>
+              </a:ext>
+            </a:extLst>
+          </p:cNvPr>
+          <p:cNvCxnSpPr>
+            <a:cxnSpLocks/>
+            <a:stCxn id="17" idx="0"/>
+            <a:endCxn id="54" idx="1"/>
+          </p:cNvCxnSpPr>
+          <p:nvPr/>
+        </p:nvCxnSpPr>
+        <p:spPr>
+          <a:xfrm rot="5400000" flipH="1" flipV="1">
+            <a:off x="8420871" y="7876902"/>
+            <a:ext cx="821848" cy="172891"/>
+          </a:xfrm>
+          <a:prstGeom prst="bentConnector2">
+            <a:avLst/>
+          </a:prstGeom>
+          <a:ln>
+            <a:headEnd type="triangle"/>
+            <a:tailEnd type="triangle"/>
+          </a:ln>
+        </p:spPr>
+        <p:style>
+          <a:lnRef idx="2">
+            <a:schemeClr val="dk1"/>
+          </a:lnRef>
+          <a:fillRef idx="0">
+            <a:schemeClr val="dk1"/>
+          </a:fillRef>
+          <a:effectRef idx="1">
+            <a:schemeClr val="dk1"/>
+          </a:effectRef>
+          <a:fontRef idx="minor">
+            <a:schemeClr val="tx1"/>
+          </a:fontRef>
+        </p:style>
+      </p:cxnSp>
+      <p:cxnSp>
+        <p:nvCxnSpPr>
+          <p:cNvPr id="165" name="Connector: Elbow 164">
+            <a:extLst>
+              <a:ext uri="{FF2B5EF4-FFF2-40B4-BE49-F238E27FC236}">
+                <a16:creationId xmlns:a16="http://schemas.microsoft.com/office/drawing/2014/main" id="{D0491966-366D-482F-8E0E-89099413E26A}"/>
+              </a:ext>
+            </a:extLst>
+          </p:cNvPr>
+          <p:cNvCxnSpPr>
+            <a:cxnSpLocks/>
+            <a:stCxn id="32" idx="0"/>
+            <a:endCxn id="54" idx="3"/>
+          </p:cNvCxnSpPr>
+          <p:nvPr/>
+        </p:nvCxnSpPr>
+        <p:spPr>
+          <a:xfrm rot="16200000" flipV="1">
+            <a:off x="10190786" y="7875906"/>
+            <a:ext cx="821848" cy="174881"/>
+          </a:xfrm>
+          <a:prstGeom prst="bentConnector2">
+            <a:avLst/>
+          </a:prstGeom>
+          <a:ln>
+            <a:headEnd type="triangle"/>
+            <a:tailEnd type="triangle"/>
+          </a:ln>
+        </p:spPr>
+        <p:style>
+          <a:lnRef idx="2">
+            <a:schemeClr val="dk1"/>
+          </a:lnRef>
+          <a:fillRef idx="0">
+            <a:schemeClr val="dk1"/>
+          </a:fillRef>
+          <a:effectRef idx="1">
+            <a:schemeClr val="dk1"/>
+          </a:effectRef>
+          <a:fontRef idx="minor">
+            <a:schemeClr val="tx1"/>
+          </a:fontRef>
+        </p:style>
+      </p:cxnSp>
+      <p:sp>
+        <p:nvSpPr>
+          <p:cNvPr id="167" name="TextBox 166">
+            <a:extLst>
+              <a:ext uri="{FF2B5EF4-FFF2-40B4-BE49-F238E27FC236}">
+                <a16:creationId xmlns:a16="http://schemas.microsoft.com/office/drawing/2014/main" id="{3ED459AF-1457-4606-9134-D5FAB756FB8E}"/>
+              </a:ext>
+            </a:extLst>
+          </p:cNvPr>
+          <p:cNvSpPr txBox="1"/>
+          <p:nvPr/>
+        </p:nvSpPr>
+        <p:spPr>
+          <a:xfrm>
+            <a:off x="8709899" y="7963346"/>
+            <a:ext cx="856325" cy="338554"/>
+          </a:xfrm>
+          <a:prstGeom prst="rect">
+            <a:avLst/>
+          </a:prstGeom>
+          <a:noFill/>
+        </p:spPr>
+        <p:txBody>
+          <a:bodyPr wrap="none" rtlCol="0">
+            <a:spAutoFit/>
+          </a:bodyPr>
+          <a:lstStyle/>
+          <a:p>
+            <a:r>
+              <a:rPr lang="en-US" sz="1600" b="1" dirty="0">
+                <a:latin typeface="TH Sarabun New" panose="020B0500040200020003" pitchFamily="34" charset="-34"/>
+                <a:cs typeface="TH Sarabun New" panose="020B0500040200020003" pitchFamily="34" charset="-34"/>
+              </a:rPr>
+              <a:t>Serial Port</a:t>
+            </a:r>
+          </a:p>
+        </p:txBody>
+      </p:sp>
+      <p:cxnSp>
+        <p:nvCxnSpPr>
+          <p:cNvPr id="178" name="Straight Arrow Connector 177">
+            <a:extLst>
+              <a:ext uri="{FF2B5EF4-FFF2-40B4-BE49-F238E27FC236}">
+                <a16:creationId xmlns:a16="http://schemas.microsoft.com/office/drawing/2014/main" id="{760E48AD-54C3-4136-B1B2-9C1527AD2E56}"/>
+              </a:ext>
+            </a:extLst>
+          </p:cNvPr>
+          <p:cNvCxnSpPr/>
+          <p:nvPr/>
+        </p:nvCxnSpPr>
+        <p:spPr>
+          <a:xfrm flipH="1">
+            <a:off x="7600471" y="7381937"/>
+            <a:ext cx="1317770" cy="0"/>
+          </a:xfrm>
+          <a:prstGeom prst="straightConnector1">
+            <a:avLst/>
+          </a:prstGeom>
+          <a:ln>
+            <a:headEnd type="triangle"/>
+            <a:tailEnd type="triangle"/>
+          </a:ln>
+        </p:spPr>
+        <p:style>
+          <a:lnRef idx="2">
+            <a:schemeClr val="dk1"/>
+          </a:lnRef>
+          <a:fillRef idx="0">
+            <a:schemeClr val="dk1"/>
+          </a:fillRef>
+          <a:effectRef idx="1">
+            <a:schemeClr val="dk1"/>
+          </a:effectRef>
+          <a:fontRef idx="minor">
+            <a:schemeClr val="tx1"/>
+          </a:fontRef>
+        </p:style>
+      </p:cxnSp>
+      <p:sp>
+        <p:nvSpPr>
+          <p:cNvPr id="180" name="TextBox 179">
+            <a:extLst>
+              <a:ext uri="{FF2B5EF4-FFF2-40B4-BE49-F238E27FC236}">
+                <a16:creationId xmlns:a16="http://schemas.microsoft.com/office/drawing/2014/main" id="{EDDF85A2-B22C-41D2-8C06-BBDDFE0FAD3F}"/>
+              </a:ext>
+            </a:extLst>
+          </p:cNvPr>
+          <p:cNvSpPr txBox="1"/>
+          <p:nvPr/>
+        </p:nvSpPr>
+        <p:spPr>
+          <a:xfrm>
+            <a:off x="7726998" y="7128626"/>
+            <a:ext cx="1064715" cy="338554"/>
+          </a:xfrm>
+          <a:prstGeom prst="rect">
+            <a:avLst/>
+          </a:prstGeom>
+          <a:noFill/>
+        </p:spPr>
+        <p:txBody>
+          <a:bodyPr wrap="none" rtlCol="0">
+            <a:spAutoFit/>
+          </a:bodyPr>
+          <a:lstStyle/>
+          <a:p>
+            <a:r>
+              <a:rPr lang="en-US" sz="1600" b="1" dirty="0" err="1">
+                <a:latin typeface="TH Sarabun New" panose="020B0500040200020003" pitchFamily="34" charset="-34"/>
+                <a:cs typeface="TH Sarabun New" panose="020B0500040200020003" pitchFamily="34" charset="-34"/>
+              </a:rPr>
+              <a:t>LoRa</a:t>
+            </a:r>
+            <a:r>
+              <a:rPr lang="en-US" sz="1600" b="1" dirty="0">
+                <a:latin typeface="TH Sarabun New" panose="020B0500040200020003" pitchFamily="34" charset="-34"/>
+                <a:cs typeface="TH Sarabun New" panose="020B0500040200020003" pitchFamily="34" charset="-34"/>
+              </a:rPr>
+              <a:t> 433MHz</a:t>
+            </a:r>
+          </a:p>
+        </p:txBody>
+      </p:sp>
+      <p:cxnSp>
+        <p:nvCxnSpPr>
+          <p:cNvPr id="182" name="Connector: Elbow 181">
+            <a:extLst>
+              <a:ext uri="{FF2B5EF4-FFF2-40B4-BE49-F238E27FC236}">
+                <a16:creationId xmlns:a16="http://schemas.microsoft.com/office/drawing/2014/main" id="{6F8BC27A-B503-427C-8333-3180E9B48F67}"/>
+              </a:ext>
+            </a:extLst>
+          </p:cNvPr>
+          <p:cNvCxnSpPr>
+            <a:stCxn id="54" idx="0"/>
+            <a:endCxn id="10" idx="1"/>
+          </p:cNvCxnSpPr>
+          <p:nvPr/>
+        </p:nvCxnSpPr>
+        <p:spPr>
+          <a:xfrm rot="5400000" flipH="1" flipV="1">
+            <a:off x="9573588" y="6590470"/>
+            <a:ext cx="780728" cy="495394"/>
+          </a:xfrm>
+          <a:prstGeom prst="bentConnector2">
+            <a:avLst/>
+          </a:prstGeom>
+          <a:ln>
+            <a:headEnd type="triangle"/>
+            <a:tailEnd type="triangle"/>
+          </a:ln>
+        </p:spPr>
+        <p:style>
+          <a:lnRef idx="2">
+            <a:schemeClr val="dk1"/>
+          </a:lnRef>
+          <a:fillRef idx="0">
+            <a:schemeClr val="dk1"/>
+          </a:fillRef>
+          <a:effectRef idx="1">
+            <a:schemeClr val="dk1"/>
+          </a:effectRef>
+          <a:fontRef idx="minor">
+            <a:schemeClr val="tx1"/>
+          </a:fontRef>
+        </p:style>
+      </p:cxnSp>
+      <p:cxnSp>
+        <p:nvCxnSpPr>
+          <p:cNvPr id="184" name="Connector: Elbow 183">
+            <a:extLst>
+              <a:ext uri="{FF2B5EF4-FFF2-40B4-BE49-F238E27FC236}">
+                <a16:creationId xmlns:a16="http://schemas.microsoft.com/office/drawing/2014/main" id="{FB8D33A6-2BFA-467B-9DA5-B909917F8E6A}"/>
+              </a:ext>
+            </a:extLst>
+          </p:cNvPr>
+          <p:cNvCxnSpPr>
+            <a:stCxn id="9" idx="0"/>
+            <a:endCxn id="10" idx="3"/>
+          </p:cNvCxnSpPr>
+          <p:nvPr/>
+        </p:nvCxnSpPr>
+        <p:spPr>
+          <a:xfrm rot="16200000" flipV="1">
+            <a:off x="11456415" y="6588517"/>
+            <a:ext cx="780728" cy="499299"/>
+          </a:xfrm>
+          <a:prstGeom prst="bentConnector2">
+            <a:avLst/>
+          </a:prstGeom>
+          <a:ln>
+            <a:headEnd type="triangle"/>
+            <a:tailEnd type="triangle"/>
+          </a:ln>
+        </p:spPr>
+        <p:style>
+          <a:lnRef idx="2">
+            <a:schemeClr val="dk1"/>
+          </a:lnRef>
+          <a:fillRef idx="0">
+            <a:schemeClr val="dk1"/>
+          </a:fillRef>
+          <a:effectRef idx="1">
+            <a:schemeClr val="dk1"/>
+          </a:effectRef>
+          <a:fontRef idx="minor">
+            <a:schemeClr val="tx1"/>
+          </a:fontRef>
+        </p:style>
+      </p:cxnSp>
+      <p:cxnSp>
+        <p:nvCxnSpPr>
+          <p:cNvPr id="186" name="Straight Arrow Connector 185">
+            <a:extLst>
+              <a:ext uri="{FF2B5EF4-FFF2-40B4-BE49-F238E27FC236}">
+                <a16:creationId xmlns:a16="http://schemas.microsoft.com/office/drawing/2014/main" id="{0920EC12-AD6E-4841-BC15-48AC1883839B}"/>
+              </a:ext>
+            </a:extLst>
+          </p:cNvPr>
+          <p:cNvCxnSpPr>
+            <a:cxnSpLocks/>
+          </p:cNvCxnSpPr>
+          <p:nvPr/>
+        </p:nvCxnSpPr>
+        <p:spPr>
+          <a:xfrm>
+            <a:off x="12294224" y="7876315"/>
+            <a:ext cx="0" cy="497956"/>
+          </a:xfrm>
+          <a:prstGeom prst="straightConnector1">
+            <a:avLst/>
+          </a:prstGeom>
+          <a:ln>
+            <a:headEnd type="triangle"/>
+            <a:tailEnd type="triangle"/>
+          </a:ln>
+        </p:spPr>
+        <p:style>
+          <a:lnRef idx="2">
+            <a:schemeClr val="dk1"/>
+          </a:lnRef>
+          <a:fillRef idx="0">
+            <a:schemeClr val="dk1"/>
+          </a:fillRef>
+          <a:effectRef idx="1">
+            <a:schemeClr val="dk1"/>
+          </a:effectRef>
+          <a:fontRef idx="minor">
+            <a:schemeClr val="tx1"/>
+          </a:fontRef>
+        </p:style>
+      </p:cxnSp>
+      <p:cxnSp>
+        <p:nvCxnSpPr>
+          <p:cNvPr id="188" name="Connector: Elbow 187">
+            <a:extLst>
+              <a:ext uri="{FF2B5EF4-FFF2-40B4-BE49-F238E27FC236}">
+                <a16:creationId xmlns:a16="http://schemas.microsoft.com/office/drawing/2014/main" id="{118095B2-EB2C-4595-B9B0-8C96E65BCD95}"/>
+              </a:ext>
+            </a:extLst>
+          </p:cNvPr>
+          <p:cNvCxnSpPr>
+            <a:stCxn id="39" idx="2"/>
+          </p:cNvCxnSpPr>
+          <p:nvPr/>
+        </p:nvCxnSpPr>
+        <p:spPr>
+          <a:xfrm rot="5400000">
+            <a:off x="11219027" y="5663155"/>
+            <a:ext cx="467290" cy="441583"/>
+          </a:xfrm>
+          <a:prstGeom prst="bentConnector3">
+            <a:avLst/>
+          </a:prstGeom>
+          <a:ln>
+            <a:headEnd type="triangle"/>
+            <a:tailEnd type="none"/>
+          </a:ln>
+        </p:spPr>
+        <p:style>
+          <a:lnRef idx="2">
+            <a:schemeClr val="dk1"/>
+          </a:lnRef>
+          <a:fillRef idx="0">
+            <a:schemeClr val="dk1"/>
+          </a:fillRef>
+          <a:effectRef idx="1">
+            <a:schemeClr val="dk1"/>
+          </a:effectRef>
+          <a:fontRef idx="minor">
+            <a:schemeClr val="tx1"/>
+          </a:fontRef>
+        </p:style>
+      </p:cxnSp>
+      <p:cxnSp>
+        <p:nvCxnSpPr>
+          <p:cNvPr id="190" name="Connector: Elbow 189">
+            <a:extLst>
+              <a:ext uri="{FF2B5EF4-FFF2-40B4-BE49-F238E27FC236}">
+                <a16:creationId xmlns:a16="http://schemas.microsoft.com/office/drawing/2014/main" id="{BC1256A6-A63A-4172-B5D2-7EFC44F2D2E6}"/>
+              </a:ext>
+            </a:extLst>
+          </p:cNvPr>
+          <p:cNvCxnSpPr>
+            <a:stCxn id="56" idx="2"/>
+          </p:cNvCxnSpPr>
+          <p:nvPr/>
+        </p:nvCxnSpPr>
+        <p:spPr>
+          <a:xfrm rot="16200000" flipH="1">
+            <a:off x="10135004" y="5650885"/>
+            <a:ext cx="467290" cy="466122"/>
+          </a:xfrm>
+          <a:prstGeom prst="bentConnector3">
+            <a:avLst/>
+          </a:prstGeom>
+          <a:ln>
+            <a:headEnd type="triangle"/>
+            <a:tailEnd type="triangle"/>
+          </a:ln>
+        </p:spPr>
+        <p:style>
+          <a:lnRef idx="2">
+            <a:schemeClr val="dk1"/>
+          </a:lnRef>
+          <a:fillRef idx="0">
+            <a:schemeClr val="dk1"/>
+          </a:fillRef>
+          <a:effectRef idx="1">
+            <a:schemeClr val="dk1"/>
+          </a:effectRef>
+          <a:fontRef idx="minor">
+            <a:schemeClr val="tx1"/>
+          </a:fontRef>
+        </p:style>
+      </p:cxnSp>
+      <p:cxnSp>
+        <p:nvCxnSpPr>
+          <p:cNvPr id="192" name="Straight Arrow Connector 191">
+            <a:extLst>
+              <a:ext uri="{FF2B5EF4-FFF2-40B4-BE49-F238E27FC236}">
+                <a16:creationId xmlns:a16="http://schemas.microsoft.com/office/drawing/2014/main" id="{1C29C63B-3DFB-47DB-A0C1-EA99092F02B9}"/>
+              </a:ext>
+            </a:extLst>
+          </p:cNvPr>
+          <p:cNvCxnSpPr>
+            <a:stCxn id="26" idx="2"/>
+            <a:endCxn id="56" idx="0"/>
+          </p:cNvCxnSpPr>
+          <p:nvPr/>
+        </p:nvCxnSpPr>
+        <p:spPr>
+          <a:xfrm>
+            <a:off x="10135587" y="4531498"/>
+            <a:ext cx="1" cy="471019"/>
+          </a:xfrm>
+          <a:prstGeom prst="straightConnector1">
+            <a:avLst/>
+          </a:prstGeom>
+          <a:ln>
+            <a:headEnd type="triangle"/>
+            <a:tailEnd type="triangle"/>
+          </a:ln>
+        </p:spPr>
+        <p:style>
+          <a:lnRef idx="2">
+            <a:schemeClr val="dk1"/>
+          </a:lnRef>
+          <a:fillRef idx="0">
+            <a:schemeClr val="dk1"/>
+          </a:fillRef>
+          <a:effectRef idx="1">
+            <a:schemeClr val="dk1"/>
+          </a:effectRef>
+          <a:fontRef idx="minor">
+            <a:schemeClr val="tx1"/>
+          </a:fontRef>
+        </p:style>
+      </p:cxnSp>
+      <p:cxnSp>
+        <p:nvCxnSpPr>
+          <p:cNvPr id="194" name="Straight Arrow Connector 193">
+            <a:extLst>
+              <a:ext uri="{FF2B5EF4-FFF2-40B4-BE49-F238E27FC236}">
+                <a16:creationId xmlns:a16="http://schemas.microsoft.com/office/drawing/2014/main" id="{875EA925-745A-4BB4-9CF3-F6B6F002F57C}"/>
+              </a:ext>
+            </a:extLst>
+          </p:cNvPr>
+          <p:cNvCxnSpPr>
+            <a:stCxn id="27" idx="2"/>
+            <a:endCxn id="39" idx="0"/>
+          </p:cNvCxnSpPr>
+          <p:nvPr/>
+        </p:nvCxnSpPr>
+        <p:spPr>
+          <a:xfrm flipH="1">
+            <a:off x="11673463" y="4528907"/>
+            <a:ext cx="1" cy="473610"/>
+          </a:xfrm>
+          <a:prstGeom prst="straightConnector1">
+            <a:avLst/>
+          </a:prstGeom>
+          <a:ln>
+            <a:headEnd type="triangle"/>
+            <a:tailEnd type="none"/>
+          </a:ln>
+        </p:spPr>
+        <p:style>
+          <a:lnRef idx="2">
+            <a:schemeClr val="dk1"/>
+          </a:lnRef>
+          <a:fillRef idx="0">
+            <a:schemeClr val="dk1"/>
+          </a:fillRef>
+          <a:effectRef idx="1">
+            <a:schemeClr val="dk1"/>
+          </a:effectRef>
+          <a:fontRef idx="minor">
+            <a:schemeClr val="tx1"/>
+          </a:fontRef>
+        </p:style>
+      </p:cxnSp>
+      <p:sp>
+        <p:nvSpPr>
+          <p:cNvPr id="2" name="Rectangle 1">
+            <a:extLst>
+              <a:ext uri="{FF2B5EF4-FFF2-40B4-BE49-F238E27FC236}">
+                <a16:creationId xmlns:a16="http://schemas.microsoft.com/office/drawing/2014/main" id="{457DCF10-498C-4572-BFBC-8CE0EB1C3AD3}"/>
+              </a:ext>
+            </a:extLst>
+          </p:cNvPr>
+          <p:cNvSpPr/>
+          <p:nvPr/>
+        </p:nvSpPr>
+        <p:spPr>
+          <a:xfrm>
+            <a:off x="7987872" y="6127202"/>
+            <a:ext cx="1204679" cy="647784"/>
+          </a:xfrm>
+          <a:prstGeom prst="rect">
+            <a:avLst/>
+          </a:prstGeom>
+        </p:spPr>
+        <p:style>
+          <a:lnRef idx="2">
+            <a:schemeClr val="dk1"/>
+          </a:lnRef>
+          <a:fillRef idx="1">
+            <a:schemeClr val="lt1"/>
+          </a:fillRef>
+          <a:effectRef idx="0">
+            <a:schemeClr val="dk1"/>
+          </a:effectRef>
+          <a:fontRef idx="minor">
+            <a:schemeClr val="dk1"/>
+          </a:fontRef>
+        </p:style>
+        <p:txBody>
+          <a:bodyPr rtlCol="0" anchor="ctr"/>
+          <a:lstStyle/>
+          <a:p>
+            <a:pPr algn="ctr"/>
+            <a:r>
+              <a:rPr lang="en-US" sz="1600" b="1" dirty="0">
+                <a:latin typeface="TH Sarabun New" panose="020B0500040200020003" pitchFamily="34" charset="-34"/>
+                <a:cs typeface="TH Sarabun New" panose="020B0500040200020003" pitchFamily="34" charset="-34"/>
+              </a:rPr>
+              <a:t>LCD </a:t>
+            </a:r>
+            <a:r>
+              <a:rPr lang="th-TH" sz="1600" b="1" dirty="0">
+                <a:latin typeface="TH Sarabun New" panose="020B0500040200020003" pitchFamily="34" charset="-34"/>
+                <a:cs typeface="TH Sarabun New" panose="020B0500040200020003" pitchFamily="34" charset="-34"/>
+              </a:rPr>
+              <a:t>16</a:t>
+            </a:r>
+            <a:r>
+              <a:rPr lang="en-US" sz="1600" b="1" dirty="0">
+                <a:latin typeface="TH Sarabun New" panose="020B0500040200020003" pitchFamily="34" charset="-34"/>
+                <a:cs typeface="TH Sarabun New" panose="020B0500040200020003" pitchFamily="34" charset="-34"/>
+              </a:rPr>
+              <a:t>X2</a:t>
+            </a:r>
+          </a:p>
+          <a:p>
+            <a:pPr algn="ctr"/>
+            <a:r>
+              <a:rPr lang="th-TH" sz="1600" b="1" dirty="0">
+                <a:latin typeface="TH Sarabun New" panose="020B0500040200020003" pitchFamily="34" charset="-34"/>
+                <a:cs typeface="TH Sarabun New" panose="020B0500040200020003" pitchFamily="34" charset="-34"/>
+              </a:rPr>
+              <a:t>(แสดงผล)</a:t>
+            </a:r>
+            <a:endParaRPr lang="en-US" sz="1600" b="1" dirty="0">
+              <a:latin typeface="TH Sarabun New" panose="020B0500040200020003" pitchFamily="34" charset="-34"/>
+              <a:cs typeface="TH Sarabun New" panose="020B0500040200020003" pitchFamily="34" charset="-34"/>
+            </a:endParaRPr>
+          </a:p>
+        </p:txBody>
+      </p:sp>
+      <p:cxnSp>
+        <p:nvCxnSpPr>
+          <p:cNvPr id="11" name="Connector: Elbow 10">
+            <a:extLst>
+              <a:ext uri="{FF2B5EF4-FFF2-40B4-BE49-F238E27FC236}">
+                <a16:creationId xmlns:a16="http://schemas.microsoft.com/office/drawing/2014/main" id="{36A9A5D5-3024-4730-B23B-A6C9237B5FB1}"/>
+              </a:ext>
+            </a:extLst>
+          </p:cNvPr>
+          <p:cNvCxnSpPr>
+            <a:stCxn id="2" idx="3"/>
+          </p:cNvCxnSpPr>
+          <p:nvPr/>
+        </p:nvCxnSpPr>
+        <p:spPr>
+          <a:xfrm>
+            <a:off x="9192551" y="6451094"/>
+            <a:ext cx="350813" cy="777437"/>
+          </a:xfrm>
+          <a:prstGeom prst="bentConnector2">
+            <a:avLst/>
+          </a:prstGeom>
+          <a:ln>
+            <a:headEnd type="triangle"/>
+            <a:tailEnd type="none"/>
+          </a:ln>
+        </p:spPr>
+        <p:style>
+          <a:lnRef idx="2">
+            <a:schemeClr val="dk1"/>
+          </a:lnRef>
+          <a:fillRef idx="0">
+            <a:schemeClr val="dk1"/>
+          </a:fillRef>
+          <a:effectRef idx="1">
+            <a:schemeClr val="dk1"/>
+          </a:effectRef>
+          <a:fontRef idx="minor">
+            <a:schemeClr val="tx1"/>
+          </a:fontRef>
+        </p:style>
+      </p:cxnSp>
+      <p:sp>
+        <p:nvSpPr>
+          <p:cNvPr id="12" name="TextBox 11">
+            <a:extLst>
+              <a:ext uri="{FF2B5EF4-FFF2-40B4-BE49-F238E27FC236}">
+                <a16:creationId xmlns:a16="http://schemas.microsoft.com/office/drawing/2014/main" id="{6F084E10-AF6D-480E-964C-48C045B82EB9}"/>
+              </a:ext>
+            </a:extLst>
+          </p:cNvPr>
+          <p:cNvSpPr txBox="1"/>
+          <p:nvPr/>
+        </p:nvSpPr>
+        <p:spPr>
+          <a:xfrm>
+            <a:off x="9173723" y="6194246"/>
+            <a:ext cx="383438" cy="338554"/>
+          </a:xfrm>
+          <a:prstGeom prst="rect">
+            <a:avLst/>
+          </a:prstGeom>
+          <a:noFill/>
+        </p:spPr>
+        <p:txBody>
+          <a:bodyPr wrap="none" rtlCol="0">
+            <a:spAutoFit/>
+          </a:bodyPr>
+          <a:lstStyle/>
+          <a:p>
+            <a:r>
+              <a:rPr lang="en-US" sz="1600" b="1" dirty="0">
+                <a:latin typeface="TH Sarabun New" panose="020B0500040200020003" pitchFamily="34" charset="-34"/>
+                <a:cs typeface="TH Sarabun New" panose="020B0500040200020003" pitchFamily="34" charset="-34"/>
+              </a:rPr>
+              <a:t>I2C</a:t>
+            </a:r>
+          </a:p>
+        </p:txBody>
+      </p:sp>
     </p:spTree>
     <p:extLst>
       <p:ext uri="{BB962C8B-B14F-4D97-AF65-F5344CB8AC3E}">
